--- a/Seminar/[Seminar] Divide and Conquer.pptx
+++ b/Seminar/[Seminar] Divide and Conquer.pptx
@@ -5,49 +5,48 @@
     <p:sldMasterId id="2147483659" r:id="rId1"/>
   </p:sldMasterIdLst>
   <p:notesMasterIdLst>
-    <p:notesMasterId r:id="rId28"/>
+    <p:notesMasterId r:id="rId34"/>
   </p:notesMasterIdLst>
   <p:sldIdLst>
     <p:sldId id="256" r:id="rId2"/>
     <p:sldId id="257" r:id="rId3"/>
     <p:sldId id="258" r:id="rId4"/>
     <p:sldId id="259" r:id="rId5"/>
-    <p:sldId id="261" r:id="rId6"/>
-    <p:sldId id="260" r:id="rId7"/>
-    <p:sldId id="263" r:id="rId8"/>
-    <p:sldId id="279" r:id="rId9"/>
-    <p:sldId id="264" r:id="rId10"/>
-    <p:sldId id="265" r:id="rId11"/>
-    <p:sldId id="266" r:id="rId12"/>
-    <p:sldId id="267" r:id="rId13"/>
-    <p:sldId id="268" r:id="rId14"/>
-    <p:sldId id="269" r:id="rId15"/>
-    <p:sldId id="270" r:id="rId16"/>
-    <p:sldId id="271" r:id="rId17"/>
-    <p:sldId id="272" r:id="rId18"/>
-    <p:sldId id="280" r:id="rId19"/>
-    <p:sldId id="273" r:id="rId20"/>
-    <p:sldId id="281" r:id="rId21"/>
-    <p:sldId id="274" r:id="rId22"/>
-    <p:sldId id="275" r:id="rId23"/>
-    <p:sldId id="282" r:id="rId24"/>
-    <p:sldId id="277" r:id="rId25"/>
-    <p:sldId id="276" r:id="rId26"/>
-    <p:sldId id="278" r:id="rId27"/>
+    <p:sldId id="260" r:id="rId6"/>
+    <p:sldId id="261" r:id="rId7"/>
+    <p:sldId id="283" r:id="rId8"/>
+    <p:sldId id="284" r:id="rId9"/>
+    <p:sldId id="263" r:id="rId10"/>
+    <p:sldId id="279" r:id="rId11"/>
+    <p:sldId id="264" r:id="rId12"/>
+    <p:sldId id="265" r:id="rId13"/>
+    <p:sldId id="266" r:id="rId14"/>
+    <p:sldId id="267" r:id="rId15"/>
+    <p:sldId id="268" r:id="rId16"/>
+    <p:sldId id="269" r:id="rId17"/>
+    <p:sldId id="270" r:id="rId18"/>
+    <p:sldId id="271" r:id="rId19"/>
+    <p:sldId id="272" r:id="rId20"/>
+    <p:sldId id="280" r:id="rId21"/>
+    <p:sldId id="273" r:id="rId22"/>
+    <p:sldId id="281" r:id="rId23"/>
+    <p:sldId id="274" r:id="rId24"/>
+    <p:sldId id="275" r:id="rId25"/>
+    <p:sldId id="282" r:id="rId26"/>
+    <p:sldId id="277" r:id="rId27"/>
+    <p:sldId id="276" r:id="rId28"/>
+    <p:sldId id="278" r:id="rId29"/>
+    <p:sldId id="285" r:id="rId30"/>
+    <p:sldId id="286" r:id="rId31"/>
+    <p:sldId id="287" r:id="rId32"/>
+    <p:sldId id="288" r:id="rId33"/>
   </p:sldIdLst>
   <p:sldSz cx="9144000" cy="6858000" type="screen4x3"/>
   <p:notesSz cx="6858000" cy="9144000"/>
   <p:embeddedFontLst>
     <p:embeddedFont>
       <p:font typeface="Cambria Math" panose="02040503050406030204" pitchFamily="18" charset="0"/>
-      <p:regular r:id="rId29"/>
-    </p:embeddedFont>
-    <p:embeddedFont>
-      <p:font typeface="Roboto" panose="020B0604020202020204" charset="0"/>
-      <p:regular r:id="rId30"/>
-      <p:bold r:id="rId31"/>
-      <p:italic r:id="rId32"/>
-      <p:boldItalic r:id="rId33"/>
+      <p:regular r:id="rId35"/>
     </p:embeddedFont>
   </p:embeddedFontLst>
   <p:defaultTextStyle>
@@ -2943,6 +2942,110 @@
   <p:cSld>
     <p:spTree>
       <p:nvGrpSpPr>
+        <p:cNvPr id="1" name="Shape 79"/>
+        <p:cNvGrpSpPr/>
+        <p:nvPr/>
+      </p:nvGrpSpPr>
+      <p:grpSpPr>
+        <a:xfrm>
+          <a:off x="0" y="0"/>
+          <a:ext cx="0" cy="0"/>
+          <a:chOff x="0" y="0"/>
+          <a:chExt cx="0" cy="0"/>
+        </a:xfrm>
+      </p:grpSpPr>
+      <p:sp>
+        <p:nvSpPr>
+          <p:cNvPr id="80" name="Google Shape;80;g9c3eb4b760_1_1:notes"/>
+          <p:cNvSpPr>
+            <a:spLocks noGrp="1" noRot="1" noChangeAspect="1"/>
+          </p:cNvSpPr>
+          <p:nvPr>
+            <p:ph type="sldImg" idx="2"/>
+          </p:nvPr>
+        </p:nvSpPr>
+        <p:spPr>
+          <a:xfrm>
+            <a:off x="1143000" y="685800"/>
+            <a:ext cx="4572000" cy="3429000"/>
+          </a:xfrm>
+          <a:custGeom>
+            <a:avLst/>
+            <a:gdLst/>
+            <a:ahLst/>
+            <a:cxnLst/>
+            <a:rect l="l" t="t" r="r" b="b"/>
+            <a:pathLst>
+              <a:path w="120000" h="120000" extrusionOk="0">
+                <a:moveTo>
+                  <a:pt x="0" y="0"/>
+                </a:moveTo>
+                <a:lnTo>
+                  <a:pt x="120000" y="0"/>
+                </a:lnTo>
+                <a:lnTo>
+                  <a:pt x="120000" y="120000"/>
+                </a:lnTo>
+                <a:lnTo>
+                  <a:pt x="0" y="120000"/>
+                </a:lnTo>
+                <a:close/>
+              </a:path>
+            </a:pathLst>
+          </a:custGeom>
+        </p:spPr>
+      </p:sp>
+      <p:sp>
+        <p:nvSpPr>
+          <p:cNvPr id="81" name="Google Shape;81;g9c3eb4b760_1_1:notes"/>
+          <p:cNvSpPr txBox="1">
+            <a:spLocks noGrp="1"/>
+          </p:cNvSpPr>
+          <p:nvPr>
+            <p:ph type="body" idx="1"/>
+          </p:nvPr>
+        </p:nvSpPr>
+        <p:spPr>
+          <a:xfrm>
+            <a:off x="685800" y="4343400"/>
+            <a:ext cx="5486400" cy="4114800"/>
+          </a:xfrm>
+          <a:prstGeom prst="rect">
+            <a:avLst/>
+          </a:prstGeom>
+        </p:spPr>
+        <p:txBody>
+          <a:bodyPr spcFirstLastPara="1" wrap="square" lIns="91425" tIns="91425" rIns="91425" bIns="91425" anchor="t" anchorCtr="0">
+            <a:noAutofit/>
+          </a:bodyPr>
+          <a:lstStyle/>
+          <a:p>
+            <a:pPr marL="0" lvl="0" indent="0" algn="l" rtl="0">
+              <a:spcBef>
+                <a:spcPts val="0"/>
+              </a:spcBef>
+              <a:spcAft>
+                <a:spcPts val="0"/>
+              </a:spcAft>
+              <a:buNone/>
+            </a:pPr>
+            <a:endParaRPr/>
+          </a:p>
+        </p:txBody>
+      </p:sp>
+    </p:spTree>
+  </p:cSld>
+  <p:clrMapOvr>
+    <a:masterClrMapping/>
+  </p:clrMapOvr>
+</p:notes>
+</file>
+
+<file path=ppt/notesSlides/notesSlide6.xml><?xml version="1.0" encoding="utf-8"?>
+<p:notes xmlns:a="http://schemas.openxmlformats.org/drawingml/2006/main" xmlns:r="http://schemas.openxmlformats.org/officeDocument/2006/relationships" xmlns:p="http://schemas.openxmlformats.org/presentationml/2006/main" showMasterSp="0" showMasterPhAnim="0">
+  <p:cSld>
+    <p:spTree>
+      <p:nvGrpSpPr>
         <p:cNvPr id="1" name="Shape 86"/>
         <p:cNvGrpSpPr/>
         <p:nvPr/>
@@ -2999,110 +3102,6 @@
       <p:sp>
         <p:nvSpPr>
           <p:cNvPr id="88" name="Google Shape;88;g9bd518e6f2_0_17:notes"/>
-          <p:cNvSpPr txBox="1">
-            <a:spLocks noGrp="1"/>
-          </p:cNvSpPr>
-          <p:nvPr>
-            <p:ph type="body" idx="1"/>
-          </p:nvPr>
-        </p:nvSpPr>
-        <p:spPr>
-          <a:xfrm>
-            <a:off x="685800" y="4343400"/>
-            <a:ext cx="5486400" cy="4114800"/>
-          </a:xfrm>
-          <a:prstGeom prst="rect">
-            <a:avLst/>
-          </a:prstGeom>
-        </p:spPr>
-        <p:txBody>
-          <a:bodyPr spcFirstLastPara="1" wrap="square" lIns="91425" tIns="91425" rIns="91425" bIns="91425" anchor="t" anchorCtr="0">
-            <a:noAutofit/>
-          </a:bodyPr>
-          <a:lstStyle/>
-          <a:p>
-            <a:pPr marL="0" lvl="0" indent="0" algn="l" rtl="0">
-              <a:spcBef>
-                <a:spcPts val="0"/>
-              </a:spcBef>
-              <a:spcAft>
-                <a:spcPts val="0"/>
-              </a:spcAft>
-              <a:buNone/>
-            </a:pPr>
-            <a:endParaRPr/>
-          </a:p>
-        </p:txBody>
-      </p:sp>
-    </p:spTree>
-  </p:cSld>
-  <p:clrMapOvr>
-    <a:masterClrMapping/>
-  </p:clrMapOvr>
-</p:notes>
-</file>
-
-<file path=ppt/notesSlides/notesSlide6.xml><?xml version="1.0" encoding="utf-8"?>
-<p:notes xmlns:a="http://schemas.openxmlformats.org/drawingml/2006/main" xmlns:r="http://schemas.openxmlformats.org/officeDocument/2006/relationships" xmlns:p="http://schemas.openxmlformats.org/presentationml/2006/main" showMasterSp="0" showMasterPhAnim="0">
-  <p:cSld>
-    <p:spTree>
-      <p:nvGrpSpPr>
-        <p:cNvPr id="1" name="Shape 79"/>
-        <p:cNvGrpSpPr/>
-        <p:nvPr/>
-      </p:nvGrpSpPr>
-      <p:grpSpPr>
-        <a:xfrm>
-          <a:off x="0" y="0"/>
-          <a:ext cx="0" cy="0"/>
-          <a:chOff x="0" y="0"/>
-          <a:chExt cx="0" cy="0"/>
-        </a:xfrm>
-      </p:grpSpPr>
-      <p:sp>
-        <p:nvSpPr>
-          <p:cNvPr id="80" name="Google Shape;80;g9c3eb4b760_1_1:notes"/>
-          <p:cNvSpPr>
-            <a:spLocks noGrp="1" noRot="1" noChangeAspect="1"/>
-          </p:cNvSpPr>
-          <p:nvPr>
-            <p:ph type="sldImg" idx="2"/>
-          </p:nvPr>
-        </p:nvSpPr>
-        <p:spPr>
-          <a:xfrm>
-            <a:off x="1143000" y="685800"/>
-            <a:ext cx="4572000" cy="3429000"/>
-          </a:xfrm>
-          <a:custGeom>
-            <a:avLst/>
-            <a:gdLst/>
-            <a:ahLst/>
-            <a:cxnLst/>
-            <a:rect l="l" t="t" r="r" b="b"/>
-            <a:pathLst>
-              <a:path w="120000" h="120000" extrusionOk="0">
-                <a:moveTo>
-                  <a:pt x="0" y="0"/>
-                </a:moveTo>
-                <a:lnTo>
-                  <a:pt x="120000" y="0"/>
-                </a:lnTo>
-                <a:lnTo>
-                  <a:pt x="120000" y="120000"/>
-                </a:lnTo>
-                <a:lnTo>
-                  <a:pt x="0" y="120000"/>
-                </a:lnTo>
-                <a:close/>
-              </a:path>
-            </a:pathLst>
-          </a:custGeom>
-        </p:spPr>
-      </p:sp>
-      <p:sp>
-        <p:nvSpPr>
-          <p:cNvPr id="81" name="Google Shape;81;g9c3eb4b760_1_1:notes"/>
           <p:cNvSpPr txBox="1">
             <a:spLocks noGrp="1"/>
           </p:cNvSpPr>
@@ -3464,863 +3463,6 @@
 </file>
 
 <file path=ppt/slideLayouts/slideLayout1.xml><?xml version="1.0" encoding="utf-8"?>
-<p:sldLayout xmlns:a="http://schemas.openxmlformats.org/drawingml/2006/main" xmlns:r="http://schemas.openxmlformats.org/officeDocument/2006/relationships" xmlns:p="http://schemas.openxmlformats.org/presentationml/2006/main" matchingName="Title slide" type="title">
-  <p:cSld name="TITLE">
-    <p:spTree>
-      <p:nvGrpSpPr>
-        <p:cNvPr id="1" name="Shape 9"/>
-        <p:cNvGrpSpPr/>
-        <p:nvPr/>
-      </p:nvGrpSpPr>
-      <p:grpSpPr>
-        <a:xfrm>
-          <a:off x="0" y="0"/>
-          <a:ext cx="0" cy="0"/>
-          <a:chOff x="0" y="0"/>
-          <a:chExt cx="0" cy="0"/>
-        </a:xfrm>
-      </p:grpSpPr>
-      <p:sp>
-        <p:nvSpPr>
-          <p:cNvPr id="10" name="Google Shape;10;p2"/>
-          <p:cNvSpPr txBox="1">
-            <a:spLocks noGrp="1"/>
-          </p:cNvSpPr>
-          <p:nvPr>
-            <p:ph type="ctrTitle"/>
-          </p:nvPr>
-        </p:nvSpPr>
-        <p:spPr>
-          <a:xfrm>
-            <a:off x="311708" y="992767"/>
-            <a:ext cx="8520600" cy="2736900"/>
-          </a:xfrm>
-          <a:prstGeom prst="rect">
-            <a:avLst/>
-          </a:prstGeom>
-        </p:spPr>
-        <p:txBody>
-          <a:bodyPr spcFirstLastPara="1" wrap="square" lIns="91425" tIns="91425" rIns="91425" bIns="91425" anchor="b" anchorCtr="0">
-            <a:noAutofit/>
-          </a:bodyPr>
-          <a:lstStyle>
-            <a:lvl1pPr lvl="0" algn="ctr">
-              <a:spcBef>
-                <a:spcPts val="0"/>
-              </a:spcBef>
-              <a:spcAft>
-                <a:spcPts val="0"/>
-              </a:spcAft>
-              <a:buSzPts val="5200"/>
-              <a:buNone/>
-              <a:defRPr sz="5200"/>
-            </a:lvl1pPr>
-            <a:lvl2pPr lvl="1" algn="ctr">
-              <a:spcBef>
-                <a:spcPts val="0"/>
-              </a:spcBef>
-              <a:spcAft>
-                <a:spcPts val="0"/>
-              </a:spcAft>
-              <a:buSzPts val="5200"/>
-              <a:buNone/>
-              <a:defRPr sz="5200"/>
-            </a:lvl2pPr>
-            <a:lvl3pPr lvl="2" algn="ctr">
-              <a:spcBef>
-                <a:spcPts val="0"/>
-              </a:spcBef>
-              <a:spcAft>
-                <a:spcPts val="0"/>
-              </a:spcAft>
-              <a:buSzPts val="5200"/>
-              <a:buNone/>
-              <a:defRPr sz="5200"/>
-            </a:lvl3pPr>
-            <a:lvl4pPr lvl="3" algn="ctr">
-              <a:spcBef>
-                <a:spcPts val="0"/>
-              </a:spcBef>
-              <a:spcAft>
-                <a:spcPts val="0"/>
-              </a:spcAft>
-              <a:buSzPts val="5200"/>
-              <a:buNone/>
-              <a:defRPr sz="5200"/>
-            </a:lvl4pPr>
-            <a:lvl5pPr lvl="4" algn="ctr">
-              <a:spcBef>
-                <a:spcPts val="0"/>
-              </a:spcBef>
-              <a:spcAft>
-                <a:spcPts val="0"/>
-              </a:spcAft>
-              <a:buSzPts val="5200"/>
-              <a:buNone/>
-              <a:defRPr sz="5200"/>
-            </a:lvl5pPr>
-            <a:lvl6pPr lvl="5" algn="ctr">
-              <a:spcBef>
-                <a:spcPts val="0"/>
-              </a:spcBef>
-              <a:spcAft>
-                <a:spcPts val="0"/>
-              </a:spcAft>
-              <a:buSzPts val="5200"/>
-              <a:buNone/>
-              <a:defRPr sz="5200"/>
-            </a:lvl6pPr>
-            <a:lvl7pPr lvl="6" algn="ctr">
-              <a:spcBef>
-                <a:spcPts val="0"/>
-              </a:spcBef>
-              <a:spcAft>
-                <a:spcPts val="0"/>
-              </a:spcAft>
-              <a:buSzPts val="5200"/>
-              <a:buNone/>
-              <a:defRPr sz="5200"/>
-            </a:lvl7pPr>
-            <a:lvl8pPr lvl="7" algn="ctr">
-              <a:spcBef>
-                <a:spcPts val="0"/>
-              </a:spcBef>
-              <a:spcAft>
-                <a:spcPts val="0"/>
-              </a:spcAft>
-              <a:buSzPts val="5200"/>
-              <a:buNone/>
-              <a:defRPr sz="5200"/>
-            </a:lvl8pPr>
-            <a:lvl9pPr lvl="8" algn="ctr">
-              <a:spcBef>
-                <a:spcPts val="0"/>
-              </a:spcBef>
-              <a:spcAft>
-                <a:spcPts val="0"/>
-              </a:spcAft>
-              <a:buSzPts val="5200"/>
-              <a:buNone/>
-              <a:defRPr sz="5200"/>
-            </a:lvl9pPr>
-          </a:lstStyle>
-          <a:p>
-            <a:endParaRPr/>
-          </a:p>
-        </p:txBody>
-      </p:sp>
-      <p:sp>
-        <p:nvSpPr>
-          <p:cNvPr id="11" name="Google Shape;11;p2"/>
-          <p:cNvSpPr txBox="1">
-            <a:spLocks noGrp="1"/>
-          </p:cNvSpPr>
-          <p:nvPr>
-            <p:ph type="subTitle" idx="1"/>
-          </p:nvPr>
-        </p:nvSpPr>
-        <p:spPr>
-          <a:xfrm>
-            <a:off x="311700" y="3778833"/>
-            <a:ext cx="8520600" cy="1056900"/>
-          </a:xfrm>
-          <a:prstGeom prst="rect">
-            <a:avLst/>
-          </a:prstGeom>
-        </p:spPr>
-        <p:txBody>
-          <a:bodyPr spcFirstLastPara="1" wrap="square" lIns="91425" tIns="91425" rIns="91425" bIns="91425" anchor="t" anchorCtr="0">
-            <a:noAutofit/>
-          </a:bodyPr>
-          <a:lstStyle>
-            <a:lvl1pPr lvl="0" algn="ctr">
-              <a:lnSpc>
-                <a:spcPct val="100000"/>
-              </a:lnSpc>
-              <a:spcBef>
-                <a:spcPts val="0"/>
-              </a:spcBef>
-              <a:spcAft>
-                <a:spcPts val="0"/>
-              </a:spcAft>
-              <a:buSzPts val="2800"/>
-              <a:buNone/>
-              <a:defRPr sz="2800"/>
-            </a:lvl1pPr>
-            <a:lvl2pPr lvl="1" algn="ctr">
-              <a:lnSpc>
-                <a:spcPct val="100000"/>
-              </a:lnSpc>
-              <a:spcBef>
-                <a:spcPts val="0"/>
-              </a:spcBef>
-              <a:spcAft>
-                <a:spcPts val="0"/>
-              </a:spcAft>
-              <a:buSzPts val="2800"/>
-              <a:buNone/>
-              <a:defRPr sz="2800"/>
-            </a:lvl2pPr>
-            <a:lvl3pPr lvl="2" algn="ctr">
-              <a:lnSpc>
-                <a:spcPct val="100000"/>
-              </a:lnSpc>
-              <a:spcBef>
-                <a:spcPts val="0"/>
-              </a:spcBef>
-              <a:spcAft>
-                <a:spcPts val="0"/>
-              </a:spcAft>
-              <a:buSzPts val="2800"/>
-              <a:buNone/>
-              <a:defRPr sz="2800"/>
-            </a:lvl3pPr>
-            <a:lvl4pPr lvl="3" algn="ctr">
-              <a:lnSpc>
-                <a:spcPct val="100000"/>
-              </a:lnSpc>
-              <a:spcBef>
-                <a:spcPts val="0"/>
-              </a:spcBef>
-              <a:spcAft>
-                <a:spcPts val="0"/>
-              </a:spcAft>
-              <a:buSzPts val="2800"/>
-              <a:buNone/>
-              <a:defRPr sz="2800"/>
-            </a:lvl4pPr>
-            <a:lvl5pPr lvl="4" algn="ctr">
-              <a:lnSpc>
-                <a:spcPct val="100000"/>
-              </a:lnSpc>
-              <a:spcBef>
-                <a:spcPts val="0"/>
-              </a:spcBef>
-              <a:spcAft>
-                <a:spcPts val="0"/>
-              </a:spcAft>
-              <a:buSzPts val="2800"/>
-              <a:buNone/>
-              <a:defRPr sz="2800"/>
-            </a:lvl5pPr>
-            <a:lvl6pPr lvl="5" algn="ctr">
-              <a:lnSpc>
-                <a:spcPct val="100000"/>
-              </a:lnSpc>
-              <a:spcBef>
-                <a:spcPts val="0"/>
-              </a:spcBef>
-              <a:spcAft>
-                <a:spcPts val="0"/>
-              </a:spcAft>
-              <a:buSzPts val="2800"/>
-              <a:buNone/>
-              <a:defRPr sz="2800"/>
-            </a:lvl6pPr>
-            <a:lvl7pPr lvl="6" algn="ctr">
-              <a:lnSpc>
-                <a:spcPct val="100000"/>
-              </a:lnSpc>
-              <a:spcBef>
-                <a:spcPts val="0"/>
-              </a:spcBef>
-              <a:spcAft>
-                <a:spcPts val="0"/>
-              </a:spcAft>
-              <a:buSzPts val="2800"/>
-              <a:buNone/>
-              <a:defRPr sz="2800"/>
-            </a:lvl7pPr>
-            <a:lvl8pPr lvl="7" algn="ctr">
-              <a:lnSpc>
-                <a:spcPct val="100000"/>
-              </a:lnSpc>
-              <a:spcBef>
-                <a:spcPts val="0"/>
-              </a:spcBef>
-              <a:spcAft>
-                <a:spcPts val="0"/>
-              </a:spcAft>
-              <a:buSzPts val="2800"/>
-              <a:buNone/>
-              <a:defRPr sz="2800"/>
-            </a:lvl8pPr>
-            <a:lvl9pPr lvl="8" algn="ctr">
-              <a:lnSpc>
-                <a:spcPct val="100000"/>
-              </a:lnSpc>
-              <a:spcBef>
-                <a:spcPts val="0"/>
-              </a:spcBef>
-              <a:spcAft>
-                <a:spcPts val="0"/>
-              </a:spcAft>
-              <a:buSzPts val="2800"/>
-              <a:buNone/>
-              <a:defRPr sz="2800"/>
-            </a:lvl9pPr>
-          </a:lstStyle>
-          <a:p>
-            <a:endParaRPr/>
-          </a:p>
-        </p:txBody>
-      </p:sp>
-      <p:sp>
-        <p:nvSpPr>
-          <p:cNvPr id="12" name="Google Shape;12;p2"/>
-          <p:cNvSpPr txBox="1">
-            <a:spLocks noGrp="1"/>
-          </p:cNvSpPr>
-          <p:nvPr>
-            <p:ph type="sldNum" idx="12"/>
-          </p:nvPr>
-        </p:nvSpPr>
-        <p:spPr>
-          <a:xfrm>
-            <a:off x="8472458" y="6217622"/>
-            <a:ext cx="548700" cy="524700"/>
-          </a:xfrm>
-          <a:prstGeom prst="rect">
-            <a:avLst/>
-          </a:prstGeom>
-        </p:spPr>
-        <p:txBody>
-          <a:bodyPr spcFirstLastPara="1" wrap="square" lIns="91425" tIns="91425" rIns="91425" bIns="91425" anchor="ctr" anchorCtr="0">
-            <a:noAutofit/>
-          </a:bodyPr>
-          <a:lstStyle>
-            <a:lvl1pPr lvl="0">
-              <a:buNone/>
-              <a:defRPr/>
-            </a:lvl1pPr>
-            <a:lvl2pPr lvl="1">
-              <a:buNone/>
-              <a:defRPr/>
-            </a:lvl2pPr>
-            <a:lvl3pPr lvl="2">
-              <a:buNone/>
-              <a:defRPr/>
-            </a:lvl3pPr>
-            <a:lvl4pPr lvl="3">
-              <a:buNone/>
-              <a:defRPr/>
-            </a:lvl4pPr>
-            <a:lvl5pPr lvl="4">
-              <a:buNone/>
-              <a:defRPr/>
-            </a:lvl5pPr>
-            <a:lvl6pPr lvl="5">
-              <a:buNone/>
-              <a:defRPr/>
-            </a:lvl6pPr>
-            <a:lvl7pPr lvl="6">
-              <a:buNone/>
-              <a:defRPr/>
-            </a:lvl7pPr>
-            <a:lvl8pPr lvl="7">
-              <a:buNone/>
-              <a:defRPr/>
-            </a:lvl8pPr>
-            <a:lvl9pPr lvl="8">
-              <a:buNone/>
-              <a:defRPr/>
-            </a:lvl9pPr>
-          </a:lstStyle>
-          <a:p>
-            <a:pPr marL="0" lvl="0" indent="0" algn="r" rtl="0">
-              <a:spcBef>
-                <a:spcPts val="0"/>
-              </a:spcBef>
-              <a:spcAft>
-                <a:spcPts val="0"/>
-              </a:spcAft>
-              <a:buNone/>
-            </a:pPr>
-            <a:fld id="{00000000-1234-1234-1234-123412341234}" type="slidenum">
-              <a:rPr lang="en"/>
-              <a:t>‹#›</a:t>
-            </a:fld>
-            <a:endParaRPr/>
-          </a:p>
-        </p:txBody>
-      </p:sp>
-    </p:spTree>
-  </p:cSld>
-  <p:clrMapOvr>
-    <a:masterClrMapping/>
-  </p:clrMapOvr>
-</p:sldLayout>
-</file>
-
-<file path=ppt/slideLayouts/slideLayout10.xml><?xml version="1.0" encoding="utf-8"?>
-<p:sldLayout xmlns:a="http://schemas.openxmlformats.org/drawingml/2006/main" xmlns:r="http://schemas.openxmlformats.org/officeDocument/2006/relationships" xmlns:p="http://schemas.openxmlformats.org/presentationml/2006/main" matchingName="Big number">
-  <p:cSld name="BIG_NUMBER">
-    <p:spTree>
-      <p:nvGrpSpPr>
-        <p:cNvPr id="1" name="Shape 47"/>
-        <p:cNvGrpSpPr/>
-        <p:nvPr/>
-      </p:nvGrpSpPr>
-      <p:grpSpPr>
-        <a:xfrm>
-          <a:off x="0" y="0"/>
-          <a:ext cx="0" cy="0"/>
-          <a:chOff x="0" y="0"/>
-          <a:chExt cx="0" cy="0"/>
-        </a:xfrm>
-      </p:grpSpPr>
-      <p:sp>
-        <p:nvSpPr>
-          <p:cNvPr id="48" name="Google Shape;48;p11"/>
-          <p:cNvSpPr txBox="1">
-            <a:spLocks noGrp="1"/>
-          </p:cNvSpPr>
-          <p:nvPr>
-            <p:ph type="title" hasCustomPrompt="1"/>
-          </p:nvPr>
-        </p:nvSpPr>
-        <p:spPr>
-          <a:xfrm>
-            <a:off x="311700" y="1474833"/>
-            <a:ext cx="8520600" cy="2618100"/>
-          </a:xfrm>
-          <a:prstGeom prst="rect">
-            <a:avLst/>
-          </a:prstGeom>
-        </p:spPr>
-        <p:txBody>
-          <a:bodyPr spcFirstLastPara="1" wrap="square" lIns="91425" tIns="91425" rIns="91425" bIns="91425" anchor="b" anchorCtr="0">
-            <a:noAutofit/>
-          </a:bodyPr>
-          <a:lstStyle>
-            <a:lvl1pPr lvl="0" algn="ctr">
-              <a:spcBef>
-                <a:spcPts val="0"/>
-              </a:spcBef>
-              <a:spcAft>
-                <a:spcPts val="0"/>
-              </a:spcAft>
-              <a:buSzPts val="12000"/>
-              <a:buNone/>
-              <a:defRPr sz="12000"/>
-            </a:lvl1pPr>
-            <a:lvl2pPr lvl="1" algn="ctr">
-              <a:spcBef>
-                <a:spcPts val="0"/>
-              </a:spcBef>
-              <a:spcAft>
-                <a:spcPts val="0"/>
-              </a:spcAft>
-              <a:buSzPts val="12000"/>
-              <a:buNone/>
-              <a:defRPr sz="12000"/>
-            </a:lvl2pPr>
-            <a:lvl3pPr lvl="2" algn="ctr">
-              <a:spcBef>
-                <a:spcPts val="0"/>
-              </a:spcBef>
-              <a:spcAft>
-                <a:spcPts val="0"/>
-              </a:spcAft>
-              <a:buSzPts val="12000"/>
-              <a:buNone/>
-              <a:defRPr sz="12000"/>
-            </a:lvl3pPr>
-            <a:lvl4pPr lvl="3" algn="ctr">
-              <a:spcBef>
-                <a:spcPts val="0"/>
-              </a:spcBef>
-              <a:spcAft>
-                <a:spcPts val="0"/>
-              </a:spcAft>
-              <a:buSzPts val="12000"/>
-              <a:buNone/>
-              <a:defRPr sz="12000"/>
-            </a:lvl4pPr>
-            <a:lvl5pPr lvl="4" algn="ctr">
-              <a:spcBef>
-                <a:spcPts val="0"/>
-              </a:spcBef>
-              <a:spcAft>
-                <a:spcPts val="0"/>
-              </a:spcAft>
-              <a:buSzPts val="12000"/>
-              <a:buNone/>
-              <a:defRPr sz="12000"/>
-            </a:lvl5pPr>
-            <a:lvl6pPr lvl="5" algn="ctr">
-              <a:spcBef>
-                <a:spcPts val="0"/>
-              </a:spcBef>
-              <a:spcAft>
-                <a:spcPts val="0"/>
-              </a:spcAft>
-              <a:buSzPts val="12000"/>
-              <a:buNone/>
-              <a:defRPr sz="12000"/>
-            </a:lvl6pPr>
-            <a:lvl7pPr lvl="6" algn="ctr">
-              <a:spcBef>
-                <a:spcPts val="0"/>
-              </a:spcBef>
-              <a:spcAft>
-                <a:spcPts val="0"/>
-              </a:spcAft>
-              <a:buSzPts val="12000"/>
-              <a:buNone/>
-              <a:defRPr sz="12000"/>
-            </a:lvl7pPr>
-            <a:lvl8pPr lvl="7" algn="ctr">
-              <a:spcBef>
-                <a:spcPts val="0"/>
-              </a:spcBef>
-              <a:spcAft>
-                <a:spcPts val="0"/>
-              </a:spcAft>
-              <a:buSzPts val="12000"/>
-              <a:buNone/>
-              <a:defRPr sz="12000"/>
-            </a:lvl8pPr>
-            <a:lvl9pPr lvl="8" algn="ctr">
-              <a:spcBef>
-                <a:spcPts val="0"/>
-              </a:spcBef>
-              <a:spcAft>
-                <a:spcPts val="0"/>
-              </a:spcAft>
-              <a:buSzPts val="12000"/>
-              <a:buNone/>
-              <a:defRPr sz="12000"/>
-            </a:lvl9pPr>
-          </a:lstStyle>
-          <a:p>
-            <a:r>
-              <a:t>xx%</a:t>
-            </a:r>
-          </a:p>
-        </p:txBody>
-      </p:sp>
-      <p:sp>
-        <p:nvSpPr>
-          <p:cNvPr id="49" name="Google Shape;49;p11"/>
-          <p:cNvSpPr txBox="1">
-            <a:spLocks noGrp="1"/>
-          </p:cNvSpPr>
-          <p:nvPr>
-            <p:ph type="body" idx="1"/>
-          </p:nvPr>
-        </p:nvSpPr>
-        <p:spPr>
-          <a:xfrm>
-            <a:off x="311700" y="4202967"/>
-            <a:ext cx="8520600" cy="1734300"/>
-          </a:xfrm>
-          <a:prstGeom prst="rect">
-            <a:avLst/>
-          </a:prstGeom>
-        </p:spPr>
-        <p:txBody>
-          <a:bodyPr spcFirstLastPara="1" wrap="square" lIns="91425" tIns="91425" rIns="91425" bIns="91425" anchor="t" anchorCtr="0">
-            <a:noAutofit/>
-          </a:bodyPr>
-          <a:lstStyle>
-            <a:lvl1pPr marL="457200" lvl="0" indent="-342900" algn="ctr">
-              <a:spcBef>
-                <a:spcPts val="0"/>
-              </a:spcBef>
-              <a:spcAft>
-                <a:spcPts val="0"/>
-              </a:spcAft>
-              <a:buSzPts val="1800"/>
-              <a:buChar char="●"/>
-              <a:defRPr/>
-            </a:lvl1pPr>
-            <a:lvl2pPr marL="914400" lvl="1" indent="-317500" algn="ctr">
-              <a:spcBef>
-                <a:spcPts val="1600"/>
-              </a:spcBef>
-              <a:spcAft>
-                <a:spcPts val="0"/>
-              </a:spcAft>
-              <a:buSzPts val="1400"/>
-              <a:buChar char="○"/>
-              <a:defRPr/>
-            </a:lvl2pPr>
-            <a:lvl3pPr marL="1371600" lvl="2" indent="-317500" algn="ctr">
-              <a:spcBef>
-                <a:spcPts val="1600"/>
-              </a:spcBef>
-              <a:spcAft>
-                <a:spcPts val="0"/>
-              </a:spcAft>
-              <a:buSzPts val="1400"/>
-              <a:buChar char="■"/>
-              <a:defRPr/>
-            </a:lvl3pPr>
-            <a:lvl4pPr marL="1828800" lvl="3" indent="-317500" algn="ctr">
-              <a:spcBef>
-                <a:spcPts val="1600"/>
-              </a:spcBef>
-              <a:spcAft>
-                <a:spcPts val="0"/>
-              </a:spcAft>
-              <a:buSzPts val="1400"/>
-              <a:buChar char="●"/>
-              <a:defRPr/>
-            </a:lvl4pPr>
-            <a:lvl5pPr marL="2286000" lvl="4" indent="-317500" algn="ctr">
-              <a:spcBef>
-                <a:spcPts val="1600"/>
-              </a:spcBef>
-              <a:spcAft>
-                <a:spcPts val="0"/>
-              </a:spcAft>
-              <a:buSzPts val="1400"/>
-              <a:buChar char="○"/>
-              <a:defRPr/>
-            </a:lvl5pPr>
-            <a:lvl6pPr marL="2743200" lvl="5" indent="-317500" algn="ctr">
-              <a:spcBef>
-                <a:spcPts val="1600"/>
-              </a:spcBef>
-              <a:spcAft>
-                <a:spcPts val="0"/>
-              </a:spcAft>
-              <a:buSzPts val="1400"/>
-              <a:buChar char="■"/>
-              <a:defRPr/>
-            </a:lvl6pPr>
-            <a:lvl7pPr marL="3200400" lvl="6" indent="-317500" algn="ctr">
-              <a:spcBef>
-                <a:spcPts val="1600"/>
-              </a:spcBef>
-              <a:spcAft>
-                <a:spcPts val="0"/>
-              </a:spcAft>
-              <a:buSzPts val="1400"/>
-              <a:buChar char="●"/>
-              <a:defRPr/>
-            </a:lvl7pPr>
-            <a:lvl8pPr marL="3657600" lvl="7" indent="-317500" algn="ctr">
-              <a:spcBef>
-                <a:spcPts val="1600"/>
-              </a:spcBef>
-              <a:spcAft>
-                <a:spcPts val="0"/>
-              </a:spcAft>
-              <a:buSzPts val="1400"/>
-              <a:buChar char="○"/>
-              <a:defRPr/>
-            </a:lvl8pPr>
-            <a:lvl9pPr marL="4114800" lvl="8" indent="-317500" algn="ctr">
-              <a:spcBef>
-                <a:spcPts val="1600"/>
-              </a:spcBef>
-              <a:spcAft>
-                <a:spcPts val="1600"/>
-              </a:spcAft>
-              <a:buSzPts val="1400"/>
-              <a:buChar char="■"/>
-              <a:defRPr/>
-            </a:lvl9pPr>
-          </a:lstStyle>
-          <a:p>
-            <a:endParaRPr/>
-          </a:p>
-        </p:txBody>
-      </p:sp>
-      <p:sp>
-        <p:nvSpPr>
-          <p:cNvPr id="50" name="Google Shape;50;p11"/>
-          <p:cNvSpPr txBox="1">
-            <a:spLocks noGrp="1"/>
-          </p:cNvSpPr>
-          <p:nvPr>
-            <p:ph type="sldNum" idx="12"/>
-          </p:nvPr>
-        </p:nvSpPr>
-        <p:spPr>
-          <a:xfrm>
-            <a:off x="8472458" y="6217622"/>
-            <a:ext cx="548700" cy="524700"/>
-          </a:xfrm>
-          <a:prstGeom prst="rect">
-            <a:avLst/>
-          </a:prstGeom>
-        </p:spPr>
-        <p:txBody>
-          <a:bodyPr spcFirstLastPara="1" wrap="square" lIns="91425" tIns="91425" rIns="91425" bIns="91425" anchor="ctr" anchorCtr="0">
-            <a:noAutofit/>
-          </a:bodyPr>
-          <a:lstStyle>
-            <a:lvl1pPr lvl="0">
-              <a:buNone/>
-              <a:defRPr/>
-            </a:lvl1pPr>
-            <a:lvl2pPr lvl="1">
-              <a:buNone/>
-              <a:defRPr/>
-            </a:lvl2pPr>
-            <a:lvl3pPr lvl="2">
-              <a:buNone/>
-              <a:defRPr/>
-            </a:lvl3pPr>
-            <a:lvl4pPr lvl="3">
-              <a:buNone/>
-              <a:defRPr/>
-            </a:lvl4pPr>
-            <a:lvl5pPr lvl="4">
-              <a:buNone/>
-              <a:defRPr/>
-            </a:lvl5pPr>
-            <a:lvl6pPr lvl="5">
-              <a:buNone/>
-              <a:defRPr/>
-            </a:lvl6pPr>
-            <a:lvl7pPr lvl="6">
-              <a:buNone/>
-              <a:defRPr/>
-            </a:lvl7pPr>
-            <a:lvl8pPr lvl="7">
-              <a:buNone/>
-              <a:defRPr/>
-            </a:lvl8pPr>
-            <a:lvl9pPr lvl="8">
-              <a:buNone/>
-              <a:defRPr/>
-            </a:lvl9pPr>
-          </a:lstStyle>
-          <a:p>
-            <a:pPr marL="0" lvl="0" indent="0" algn="r" rtl="0">
-              <a:spcBef>
-                <a:spcPts val="0"/>
-              </a:spcBef>
-              <a:spcAft>
-                <a:spcPts val="0"/>
-              </a:spcAft>
-              <a:buNone/>
-            </a:pPr>
-            <a:fld id="{00000000-1234-1234-1234-123412341234}" type="slidenum">
-              <a:rPr lang="en"/>
-              <a:t>‹#›</a:t>
-            </a:fld>
-            <a:endParaRPr/>
-          </a:p>
-        </p:txBody>
-      </p:sp>
-    </p:spTree>
-  </p:cSld>
-  <p:clrMapOvr>
-    <a:masterClrMapping/>
-  </p:clrMapOvr>
-</p:sldLayout>
-</file>
-
-<file path=ppt/slideLayouts/slideLayout11.xml><?xml version="1.0" encoding="utf-8"?>
-<p:sldLayout xmlns:a="http://schemas.openxmlformats.org/drawingml/2006/main" xmlns:r="http://schemas.openxmlformats.org/officeDocument/2006/relationships" xmlns:p="http://schemas.openxmlformats.org/presentationml/2006/main" matchingName="Blank" type="blank">
-  <p:cSld name="BLANK">
-    <p:spTree>
-      <p:nvGrpSpPr>
-        <p:cNvPr id="1" name="Shape 51"/>
-        <p:cNvGrpSpPr/>
-        <p:nvPr/>
-      </p:nvGrpSpPr>
-      <p:grpSpPr>
-        <a:xfrm>
-          <a:off x="0" y="0"/>
-          <a:ext cx="0" cy="0"/>
-          <a:chOff x="0" y="0"/>
-          <a:chExt cx="0" cy="0"/>
-        </a:xfrm>
-      </p:grpSpPr>
-      <p:sp>
-        <p:nvSpPr>
-          <p:cNvPr id="52" name="Google Shape;52;p12"/>
-          <p:cNvSpPr txBox="1">
-            <a:spLocks noGrp="1"/>
-          </p:cNvSpPr>
-          <p:nvPr>
-            <p:ph type="sldNum" idx="12"/>
-          </p:nvPr>
-        </p:nvSpPr>
-        <p:spPr>
-          <a:xfrm>
-            <a:off x="8472458" y="6217622"/>
-            <a:ext cx="548700" cy="524700"/>
-          </a:xfrm>
-          <a:prstGeom prst="rect">
-            <a:avLst/>
-          </a:prstGeom>
-        </p:spPr>
-        <p:txBody>
-          <a:bodyPr spcFirstLastPara="1" wrap="square" lIns="91425" tIns="91425" rIns="91425" bIns="91425" anchor="ctr" anchorCtr="0">
-            <a:noAutofit/>
-          </a:bodyPr>
-          <a:lstStyle>
-            <a:lvl1pPr lvl="0">
-              <a:buNone/>
-              <a:defRPr/>
-            </a:lvl1pPr>
-            <a:lvl2pPr lvl="1">
-              <a:buNone/>
-              <a:defRPr/>
-            </a:lvl2pPr>
-            <a:lvl3pPr lvl="2">
-              <a:buNone/>
-              <a:defRPr/>
-            </a:lvl3pPr>
-            <a:lvl4pPr lvl="3">
-              <a:buNone/>
-              <a:defRPr/>
-            </a:lvl4pPr>
-            <a:lvl5pPr lvl="4">
-              <a:buNone/>
-              <a:defRPr/>
-            </a:lvl5pPr>
-            <a:lvl6pPr lvl="5">
-              <a:buNone/>
-              <a:defRPr/>
-            </a:lvl6pPr>
-            <a:lvl7pPr lvl="6">
-              <a:buNone/>
-              <a:defRPr/>
-            </a:lvl7pPr>
-            <a:lvl8pPr lvl="7">
-              <a:buNone/>
-              <a:defRPr/>
-            </a:lvl8pPr>
-            <a:lvl9pPr lvl="8">
-              <a:buNone/>
-              <a:defRPr/>
-            </a:lvl9pPr>
-          </a:lstStyle>
-          <a:p>
-            <a:pPr marL="0" lvl="0" indent="0" algn="r" rtl="0">
-              <a:spcBef>
-                <a:spcPts val="0"/>
-              </a:spcBef>
-              <a:spcAft>
-                <a:spcPts val="0"/>
-              </a:spcAft>
-              <a:buNone/>
-            </a:pPr>
-            <a:fld id="{00000000-1234-1234-1234-123412341234}" type="slidenum">
-              <a:rPr lang="en"/>
-              <a:t>‹#›</a:t>
-            </a:fld>
-            <a:endParaRPr/>
-          </a:p>
-        </p:txBody>
-      </p:sp>
-    </p:spTree>
-  </p:cSld>
-  <p:clrMapOvr>
-    <a:masterClrMapping/>
-  </p:clrMapOvr>
-</p:sldLayout>
-</file>
-
-<file path=ppt/slideLayouts/slideLayout2.xml><?xml version="1.0" encoding="utf-8"?>
 <p:sldLayout xmlns:a="http://schemas.openxmlformats.org/drawingml/2006/main" xmlns:r="http://schemas.openxmlformats.org/officeDocument/2006/relationships" xmlns:p="http://schemas.openxmlformats.org/presentationml/2006/main" matchingName="Section header" type="secHead">
   <p:cSld name="SECTION_HEADER">
     <p:spTree>
@@ -4553,9 +3695,403 @@
 </p:sldLayout>
 </file>
 
-<file path=ppt/slideLayouts/slideLayout3.xml><?xml version="1.0" encoding="utf-8"?>
+<file path=ppt/slideLayouts/slideLayout10.xml><?xml version="1.0" encoding="utf-8"?>
+<p:sldLayout xmlns:a="http://schemas.openxmlformats.org/drawingml/2006/main" xmlns:r="http://schemas.openxmlformats.org/officeDocument/2006/relationships" xmlns:p="http://schemas.openxmlformats.org/presentationml/2006/main" matchingName="Title slide" type="title">
+  <p:cSld name="Title slide">
+    <p:spTree>
+      <p:nvGrpSpPr>
+        <p:cNvPr id="1" name="Shape 9"/>
+        <p:cNvGrpSpPr/>
+        <p:nvPr/>
+      </p:nvGrpSpPr>
+      <p:grpSpPr>
+        <a:xfrm>
+          <a:off x="0" y="0"/>
+          <a:ext cx="0" cy="0"/>
+          <a:chOff x="0" y="0"/>
+          <a:chExt cx="0" cy="0"/>
+        </a:xfrm>
+      </p:grpSpPr>
+      <p:sp>
+        <p:nvSpPr>
+          <p:cNvPr id="10" name="Google Shape;10;p2"/>
+          <p:cNvSpPr txBox="1">
+            <a:spLocks noGrp="1"/>
+          </p:cNvSpPr>
+          <p:nvPr>
+            <p:ph type="ctrTitle"/>
+          </p:nvPr>
+        </p:nvSpPr>
+        <p:spPr>
+          <a:xfrm>
+            <a:off x="311708" y="992767"/>
+            <a:ext cx="8520600" cy="2736900"/>
+          </a:xfrm>
+          <a:prstGeom prst="rect">
+            <a:avLst/>
+          </a:prstGeom>
+        </p:spPr>
+        <p:txBody>
+          <a:bodyPr spcFirstLastPara="1" wrap="square" lIns="91425" tIns="91425" rIns="91425" bIns="91425" anchor="b" anchorCtr="0">
+            <a:noAutofit/>
+          </a:bodyPr>
+          <a:lstStyle>
+            <a:lvl1pPr lvl="0" algn="ctr">
+              <a:spcBef>
+                <a:spcPts val="0"/>
+              </a:spcBef>
+              <a:spcAft>
+                <a:spcPts val="0"/>
+              </a:spcAft>
+              <a:buSzPts val="5200"/>
+              <a:buNone/>
+              <a:defRPr sz="5200"/>
+            </a:lvl1pPr>
+            <a:lvl2pPr lvl="1" algn="ctr">
+              <a:spcBef>
+                <a:spcPts val="0"/>
+              </a:spcBef>
+              <a:spcAft>
+                <a:spcPts val="0"/>
+              </a:spcAft>
+              <a:buSzPts val="5200"/>
+              <a:buNone/>
+              <a:defRPr sz="5200"/>
+            </a:lvl2pPr>
+            <a:lvl3pPr lvl="2" algn="ctr">
+              <a:spcBef>
+                <a:spcPts val="0"/>
+              </a:spcBef>
+              <a:spcAft>
+                <a:spcPts val="0"/>
+              </a:spcAft>
+              <a:buSzPts val="5200"/>
+              <a:buNone/>
+              <a:defRPr sz="5200"/>
+            </a:lvl3pPr>
+            <a:lvl4pPr lvl="3" algn="ctr">
+              <a:spcBef>
+                <a:spcPts val="0"/>
+              </a:spcBef>
+              <a:spcAft>
+                <a:spcPts val="0"/>
+              </a:spcAft>
+              <a:buSzPts val="5200"/>
+              <a:buNone/>
+              <a:defRPr sz="5200"/>
+            </a:lvl4pPr>
+            <a:lvl5pPr lvl="4" algn="ctr">
+              <a:spcBef>
+                <a:spcPts val="0"/>
+              </a:spcBef>
+              <a:spcAft>
+                <a:spcPts val="0"/>
+              </a:spcAft>
+              <a:buSzPts val="5200"/>
+              <a:buNone/>
+              <a:defRPr sz="5200"/>
+            </a:lvl5pPr>
+            <a:lvl6pPr lvl="5" algn="ctr">
+              <a:spcBef>
+                <a:spcPts val="0"/>
+              </a:spcBef>
+              <a:spcAft>
+                <a:spcPts val="0"/>
+              </a:spcAft>
+              <a:buSzPts val="5200"/>
+              <a:buNone/>
+              <a:defRPr sz="5200"/>
+            </a:lvl6pPr>
+            <a:lvl7pPr lvl="6" algn="ctr">
+              <a:spcBef>
+                <a:spcPts val="0"/>
+              </a:spcBef>
+              <a:spcAft>
+                <a:spcPts val="0"/>
+              </a:spcAft>
+              <a:buSzPts val="5200"/>
+              <a:buNone/>
+              <a:defRPr sz="5200"/>
+            </a:lvl7pPr>
+            <a:lvl8pPr lvl="7" algn="ctr">
+              <a:spcBef>
+                <a:spcPts val="0"/>
+              </a:spcBef>
+              <a:spcAft>
+                <a:spcPts val="0"/>
+              </a:spcAft>
+              <a:buSzPts val="5200"/>
+              <a:buNone/>
+              <a:defRPr sz="5200"/>
+            </a:lvl8pPr>
+            <a:lvl9pPr lvl="8" algn="ctr">
+              <a:spcBef>
+                <a:spcPts val="0"/>
+              </a:spcBef>
+              <a:spcAft>
+                <a:spcPts val="0"/>
+              </a:spcAft>
+              <a:buSzPts val="5200"/>
+              <a:buNone/>
+              <a:defRPr sz="5200"/>
+            </a:lvl9pPr>
+          </a:lstStyle>
+          <a:p>
+            <a:endParaRPr/>
+          </a:p>
+        </p:txBody>
+      </p:sp>
+      <p:sp>
+        <p:nvSpPr>
+          <p:cNvPr id="11" name="Google Shape;11;p2"/>
+          <p:cNvSpPr txBox="1">
+            <a:spLocks noGrp="1"/>
+          </p:cNvSpPr>
+          <p:nvPr>
+            <p:ph type="subTitle" idx="1"/>
+          </p:nvPr>
+        </p:nvSpPr>
+        <p:spPr>
+          <a:xfrm>
+            <a:off x="311700" y="3778833"/>
+            <a:ext cx="8520600" cy="1056900"/>
+          </a:xfrm>
+          <a:prstGeom prst="rect">
+            <a:avLst/>
+          </a:prstGeom>
+        </p:spPr>
+        <p:txBody>
+          <a:bodyPr spcFirstLastPara="1" wrap="square" lIns="91425" tIns="91425" rIns="91425" bIns="91425" anchor="t" anchorCtr="0">
+            <a:noAutofit/>
+          </a:bodyPr>
+          <a:lstStyle>
+            <a:lvl1pPr lvl="0" algn="ctr">
+              <a:lnSpc>
+                <a:spcPct val="100000"/>
+              </a:lnSpc>
+              <a:spcBef>
+                <a:spcPts val="0"/>
+              </a:spcBef>
+              <a:spcAft>
+                <a:spcPts val="0"/>
+              </a:spcAft>
+              <a:buSzPts val="2800"/>
+              <a:buNone/>
+              <a:defRPr sz="2800"/>
+            </a:lvl1pPr>
+            <a:lvl2pPr lvl="1" algn="ctr">
+              <a:lnSpc>
+                <a:spcPct val="100000"/>
+              </a:lnSpc>
+              <a:spcBef>
+                <a:spcPts val="0"/>
+              </a:spcBef>
+              <a:spcAft>
+                <a:spcPts val="0"/>
+              </a:spcAft>
+              <a:buSzPts val="2800"/>
+              <a:buNone/>
+              <a:defRPr sz="2800"/>
+            </a:lvl2pPr>
+            <a:lvl3pPr lvl="2" algn="ctr">
+              <a:lnSpc>
+                <a:spcPct val="100000"/>
+              </a:lnSpc>
+              <a:spcBef>
+                <a:spcPts val="0"/>
+              </a:spcBef>
+              <a:spcAft>
+                <a:spcPts val="0"/>
+              </a:spcAft>
+              <a:buSzPts val="2800"/>
+              <a:buNone/>
+              <a:defRPr sz="2800"/>
+            </a:lvl3pPr>
+            <a:lvl4pPr lvl="3" algn="ctr">
+              <a:lnSpc>
+                <a:spcPct val="100000"/>
+              </a:lnSpc>
+              <a:spcBef>
+                <a:spcPts val="0"/>
+              </a:spcBef>
+              <a:spcAft>
+                <a:spcPts val="0"/>
+              </a:spcAft>
+              <a:buSzPts val="2800"/>
+              <a:buNone/>
+              <a:defRPr sz="2800"/>
+            </a:lvl4pPr>
+            <a:lvl5pPr lvl="4" algn="ctr">
+              <a:lnSpc>
+                <a:spcPct val="100000"/>
+              </a:lnSpc>
+              <a:spcBef>
+                <a:spcPts val="0"/>
+              </a:spcBef>
+              <a:spcAft>
+                <a:spcPts val="0"/>
+              </a:spcAft>
+              <a:buSzPts val="2800"/>
+              <a:buNone/>
+              <a:defRPr sz="2800"/>
+            </a:lvl5pPr>
+            <a:lvl6pPr lvl="5" algn="ctr">
+              <a:lnSpc>
+                <a:spcPct val="100000"/>
+              </a:lnSpc>
+              <a:spcBef>
+                <a:spcPts val="0"/>
+              </a:spcBef>
+              <a:spcAft>
+                <a:spcPts val="0"/>
+              </a:spcAft>
+              <a:buSzPts val="2800"/>
+              <a:buNone/>
+              <a:defRPr sz="2800"/>
+            </a:lvl6pPr>
+            <a:lvl7pPr lvl="6" algn="ctr">
+              <a:lnSpc>
+                <a:spcPct val="100000"/>
+              </a:lnSpc>
+              <a:spcBef>
+                <a:spcPts val="0"/>
+              </a:spcBef>
+              <a:spcAft>
+                <a:spcPts val="0"/>
+              </a:spcAft>
+              <a:buSzPts val="2800"/>
+              <a:buNone/>
+              <a:defRPr sz="2800"/>
+            </a:lvl7pPr>
+            <a:lvl8pPr lvl="7" algn="ctr">
+              <a:lnSpc>
+                <a:spcPct val="100000"/>
+              </a:lnSpc>
+              <a:spcBef>
+                <a:spcPts val="0"/>
+              </a:spcBef>
+              <a:spcAft>
+                <a:spcPts val="0"/>
+              </a:spcAft>
+              <a:buSzPts val="2800"/>
+              <a:buNone/>
+              <a:defRPr sz="2800"/>
+            </a:lvl8pPr>
+            <a:lvl9pPr lvl="8" algn="ctr">
+              <a:lnSpc>
+                <a:spcPct val="100000"/>
+              </a:lnSpc>
+              <a:spcBef>
+                <a:spcPts val="0"/>
+              </a:spcBef>
+              <a:spcAft>
+                <a:spcPts val="0"/>
+              </a:spcAft>
+              <a:buSzPts val="2800"/>
+              <a:buNone/>
+              <a:defRPr sz="2800"/>
+            </a:lvl9pPr>
+          </a:lstStyle>
+          <a:p>
+            <a:endParaRPr/>
+          </a:p>
+        </p:txBody>
+      </p:sp>
+      <p:sp>
+        <p:nvSpPr>
+          <p:cNvPr id="12" name="Google Shape;12;p2"/>
+          <p:cNvSpPr txBox="1">
+            <a:spLocks noGrp="1"/>
+          </p:cNvSpPr>
+          <p:nvPr>
+            <p:ph type="sldNum" idx="12"/>
+          </p:nvPr>
+        </p:nvSpPr>
+        <p:spPr>
+          <a:xfrm>
+            <a:off x="8472458" y="6217622"/>
+            <a:ext cx="548700" cy="524700"/>
+          </a:xfrm>
+          <a:prstGeom prst="rect">
+            <a:avLst/>
+          </a:prstGeom>
+        </p:spPr>
+        <p:txBody>
+          <a:bodyPr spcFirstLastPara="1" wrap="square" lIns="91425" tIns="91425" rIns="91425" bIns="91425" anchor="ctr" anchorCtr="0">
+            <a:noAutofit/>
+          </a:bodyPr>
+          <a:lstStyle>
+            <a:lvl1pPr lvl="0">
+              <a:buNone/>
+              <a:defRPr/>
+            </a:lvl1pPr>
+            <a:lvl2pPr lvl="1">
+              <a:buNone/>
+              <a:defRPr/>
+            </a:lvl2pPr>
+            <a:lvl3pPr lvl="2">
+              <a:buNone/>
+              <a:defRPr/>
+            </a:lvl3pPr>
+            <a:lvl4pPr lvl="3">
+              <a:buNone/>
+              <a:defRPr/>
+            </a:lvl4pPr>
+            <a:lvl5pPr lvl="4">
+              <a:buNone/>
+              <a:defRPr/>
+            </a:lvl5pPr>
+            <a:lvl6pPr lvl="5">
+              <a:buNone/>
+              <a:defRPr/>
+            </a:lvl6pPr>
+            <a:lvl7pPr lvl="6">
+              <a:buNone/>
+              <a:defRPr/>
+            </a:lvl7pPr>
+            <a:lvl8pPr lvl="7">
+              <a:buNone/>
+              <a:defRPr/>
+            </a:lvl8pPr>
+            <a:lvl9pPr lvl="8">
+              <a:buNone/>
+              <a:defRPr/>
+            </a:lvl9pPr>
+          </a:lstStyle>
+          <a:p>
+            <a:pPr marL="0" lvl="0" indent="0" algn="r" rtl="0">
+              <a:spcBef>
+                <a:spcPts val="0"/>
+              </a:spcBef>
+              <a:spcAft>
+                <a:spcPts val="0"/>
+              </a:spcAft>
+              <a:buNone/>
+            </a:pPr>
+            <a:fld id="{00000000-1234-1234-1234-123412341234}" type="slidenum">
+              <a:rPr lang="en"/>
+              <a:t>‹#›</a:t>
+            </a:fld>
+            <a:endParaRPr/>
+          </a:p>
+        </p:txBody>
+      </p:sp>
+    </p:spTree>
+    <p:extLst>
+      <p:ext uri="{BB962C8B-B14F-4D97-AF65-F5344CB8AC3E}">
+        <p14:creationId xmlns:p14="http://schemas.microsoft.com/office/powerpoint/2010/main" val="1651194520"/>
+      </p:ext>
+    </p:extLst>
+  </p:cSld>
+  <p:clrMapOvr>
+    <a:masterClrMapping/>
+  </p:clrMapOvr>
+</p:sldLayout>
+</file>
+
+<file path=ppt/slideLayouts/slideLayout11.xml><?xml version="1.0" encoding="utf-8"?>
 <p:sldLayout xmlns:a="http://schemas.openxmlformats.org/drawingml/2006/main" xmlns:r="http://schemas.openxmlformats.org/officeDocument/2006/relationships" xmlns:p="http://schemas.openxmlformats.org/presentationml/2006/main" matchingName="Title and body" type="tx">
-  <p:cSld name="TITLE_AND_BODY">
+  <p:cSld name="Title and body">
     <p:spTree>
       <p:nvGrpSpPr>
         <p:cNvPr id="1" name="Shape 16"/>
@@ -5004,6 +4540,11 @@
         </p:spPr>
       </p:cxnSp>
     </p:spTree>
+    <p:extLst>
+      <p:ext uri="{BB962C8B-B14F-4D97-AF65-F5344CB8AC3E}">
+        <p14:creationId xmlns:p14="http://schemas.microsoft.com/office/powerpoint/2010/main" val="3949853608"/>
+      </p:ext>
+    </p:extLst>
   </p:cSld>
   <p:clrMapOvr>
     <a:masterClrMapping/>
@@ -5011,7 +4552,7 @@
 </p:sldLayout>
 </file>
 
-<file path=ppt/slideLayouts/slideLayout4.xml><?xml version="1.0" encoding="utf-8"?>
+<file path=ppt/slideLayouts/slideLayout2.xml><?xml version="1.0" encoding="utf-8"?>
 <p:sldLayout xmlns:a="http://schemas.openxmlformats.org/drawingml/2006/main" xmlns:r="http://schemas.openxmlformats.org/officeDocument/2006/relationships" xmlns:p="http://schemas.openxmlformats.org/presentationml/2006/main" matchingName="Title and two columns" type="twoColTx">
   <p:cSld name="TITLE_AND_TWO_COLUMNS">
     <p:spTree>
@@ -5535,7 +5076,7 @@
 </p:sldLayout>
 </file>
 
-<file path=ppt/slideLayouts/slideLayout5.xml><?xml version="1.0" encoding="utf-8"?>
+<file path=ppt/slideLayouts/slideLayout3.xml><?xml version="1.0" encoding="utf-8"?>
 <p:sldLayout xmlns:a="http://schemas.openxmlformats.org/drawingml/2006/main" xmlns:r="http://schemas.openxmlformats.org/officeDocument/2006/relationships" xmlns:p="http://schemas.openxmlformats.org/presentationml/2006/main" matchingName="Title only" type="titleOnly">
   <p:cSld name="TITLE_ONLY">
     <p:spTree>
@@ -5801,7 +5342,7 @@
 </p:sldLayout>
 </file>
 
-<file path=ppt/slideLayouts/slideLayout6.xml><?xml version="1.0" encoding="utf-8"?>
+<file path=ppt/slideLayouts/slideLayout4.xml><?xml version="1.0" encoding="utf-8"?>
 <p:sldLayout xmlns:a="http://schemas.openxmlformats.org/drawingml/2006/main" xmlns:r="http://schemas.openxmlformats.org/officeDocument/2006/relationships" xmlns:p="http://schemas.openxmlformats.org/presentationml/2006/main" matchingName="One column text">
   <p:cSld name="ONE_COLUMN_TEXT">
     <p:spTree>
@@ -6163,7 +5704,7 @@
 </p:sldLayout>
 </file>
 
-<file path=ppt/slideLayouts/slideLayout7.xml><?xml version="1.0" encoding="utf-8"?>
+<file path=ppt/slideLayouts/slideLayout5.xml><?xml version="1.0" encoding="utf-8"?>
 <p:sldLayout xmlns:a="http://schemas.openxmlformats.org/drawingml/2006/main" xmlns:r="http://schemas.openxmlformats.org/officeDocument/2006/relationships" xmlns:p="http://schemas.openxmlformats.org/presentationml/2006/main" matchingName="Main point">
   <p:cSld name="MAIN_POINT">
     <p:spTree>
@@ -6396,7 +5937,7 @@
 </p:sldLayout>
 </file>
 
-<file path=ppt/slideLayouts/slideLayout8.xml><?xml version="1.0" encoding="utf-8"?>
+<file path=ppt/slideLayouts/slideLayout6.xml><?xml version="1.0" encoding="utf-8"?>
 <p:sldLayout xmlns:a="http://schemas.openxmlformats.org/drawingml/2006/main" xmlns:r="http://schemas.openxmlformats.org/officeDocument/2006/relationships" xmlns:p="http://schemas.openxmlformats.org/presentationml/2006/main" matchingName="Section title and description">
   <p:cSld name="SECTION_TITLE_AND_DESCRIPTION">
     <p:spTree>
@@ -6954,7 +6495,7 @@
 </p:sldLayout>
 </file>
 
-<file path=ppt/slideLayouts/slideLayout9.xml><?xml version="1.0" encoding="utf-8"?>
+<file path=ppt/slideLayouts/slideLayout7.xml><?xml version="1.0" encoding="utf-8"?>
 <p:sldLayout xmlns:a="http://schemas.openxmlformats.org/drawingml/2006/main" xmlns:r="http://schemas.openxmlformats.org/officeDocument/2006/relationships" xmlns:p="http://schemas.openxmlformats.org/presentationml/2006/main" matchingName="Caption">
   <p:cSld name="CAPTION_ONLY">
     <p:spTree>
@@ -7018,6 +6559,474 @@
       <p:sp>
         <p:nvSpPr>
           <p:cNvPr id="46" name="Google Shape;46;p10"/>
+          <p:cNvSpPr txBox="1">
+            <a:spLocks noGrp="1"/>
+          </p:cNvSpPr>
+          <p:nvPr>
+            <p:ph type="sldNum" idx="12"/>
+          </p:nvPr>
+        </p:nvSpPr>
+        <p:spPr>
+          <a:xfrm>
+            <a:off x="8472458" y="6217622"/>
+            <a:ext cx="548700" cy="524700"/>
+          </a:xfrm>
+          <a:prstGeom prst="rect">
+            <a:avLst/>
+          </a:prstGeom>
+        </p:spPr>
+        <p:txBody>
+          <a:bodyPr spcFirstLastPara="1" wrap="square" lIns="91425" tIns="91425" rIns="91425" bIns="91425" anchor="ctr" anchorCtr="0">
+            <a:noAutofit/>
+          </a:bodyPr>
+          <a:lstStyle>
+            <a:lvl1pPr lvl="0">
+              <a:buNone/>
+              <a:defRPr/>
+            </a:lvl1pPr>
+            <a:lvl2pPr lvl="1">
+              <a:buNone/>
+              <a:defRPr/>
+            </a:lvl2pPr>
+            <a:lvl3pPr lvl="2">
+              <a:buNone/>
+              <a:defRPr/>
+            </a:lvl3pPr>
+            <a:lvl4pPr lvl="3">
+              <a:buNone/>
+              <a:defRPr/>
+            </a:lvl4pPr>
+            <a:lvl5pPr lvl="4">
+              <a:buNone/>
+              <a:defRPr/>
+            </a:lvl5pPr>
+            <a:lvl6pPr lvl="5">
+              <a:buNone/>
+              <a:defRPr/>
+            </a:lvl6pPr>
+            <a:lvl7pPr lvl="6">
+              <a:buNone/>
+              <a:defRPr/>
+            </a:lvl7pPr>
+            <a:lvl8pPr lvl="7">
+              <a:buNone/>
+              <a:defRPr/>
+            </a:lvl8pPr>
+            <a:lvl9pPr lvl="8">
+              <a:buNone/>
+              <a:defRPr/>
+            </a:lvl9pPr>
+          </a:lstStyle>
+          <a:p>
+            <a:pPr marL="0" lvl="0" indent="0" algn="r" rtl="0">
+              <a:spcBef>
+                <a:spcPts val="0"/>
+              </a:spcBef>
+              <a:spcAft>
+                <a:spcPts val="0"/>
+              </a:spcAft>
+              <a:buNone/>
+            </a:pPr>
+            <a:fld id="{00000000-1234-1234-1234-123412341234}" type="slidenum">
+              <a:rPr lang="en"/>
+              <a:t>‹#›</a:t>
+            </a:fld>
+            <a:endParaRPr/>
+          </a:p>
+        </p:txBody>
+      </p:sp>
+    </p:spTree>
+  </p:cSld>
+  <p:clrMapOvr>
+    <a:masterClrMapping/>
+  </p:clrMapOvr>
+</p:sldLayout>
+</file>
+
+<file path=ppt/slideLayouts/slideLayout8.xml><?xml version="1.0" encoding="utf-8"?>
+<p:sldLayout xmlns:a="http://schemas.openxmlformats.org/drawingml/2006/main" xmlns:r="http://schemas.openxmlformats.org/officeDocument/2006/relationships" xmlns:p="http://schemas.openxmlformats.org/presentationml/2006/main" matchingName="Big number">
+  <p:cSld name="BIG_NUMBER">
+    <p:spTree>
+      <p:nvGrpSpPr>
+        <p:cNvPr id="1" name="Shape 47"/>
+        <p:cNvGrpSpPr/>
+        <p:nvPr/>
+      </p:nvGrpSpPr>
+      <p:grpSpPr>
+        <a:xfrm>
+          <a:off x="0" y="0"/>
+          <a:ext cx="0" cy="0"/>
+          <a:chOff x="0" y="0"/>
+          <a:chExt cx="0" cy="0"/>
+        </a:xfrm>
+      </p:grpSpPr>
+      <p:sp>
+        <p:nvSpPr>
+          <p:cNvPr id="48" name="Google Shape;48;p11"/>
+          <p:cNvSpPr txBox="1">
+            <a:spLocks noGrp="1"/>
+          </p:cNvSpPr>
+          <p:nvPr>
+            <p:ph type="title" hasCustomPrompt="1"/>
+          </p:nvPr>
+        </p:nvSpPr>
+        <p:spPr>
+          <a:xfrm>
+            <a:off x="311700" y="1474833"/>
+            <a:ext cx="8520600" cy="2618100"/>
+          </a:xfrm>
+          <a:prstGeom prst="rect">
+            <a:avLst/>
+          </a:prstGeom>
+        </p:spPr>
+        <p:txBody>
+          <a:bodyPr spcFirstLastPara="1" wrap="square" lIns="91425" tIns="91425" rIns="91425" bIns="91425" anchor="b" anchorCtr="0">
+            <a:noAutofit/>
+          </a:bodyPr>
+          <a:lstStyle>
+            <a:lvl1pPr lvl="0" algn="ctr">
+              <a:spcBef>
+                <a:spcPts val="0"/>
+              </a:spcBef>
+              <a:spcAft>
+                <a:spcPts val="0"/>
+              </a:spcAft>
+              <a:buSzPts val="12000"/>
+              <a:buNone/>
+              <a:defRPr sz="12000"/>
+            </a:lvl1pPr>
+            <a:lvl2pPr lvl="1" algn="ctr">
+              <a:spcBef>
+                <a:spcPts val="0"/>
+              </a:spcBef>
+              <a:spcAft>
+                <a:spcPts val="0"/>
+              </a:spcAft>
+              <a:buSzPts val="12000"/>
+              <a:buNone/>
+              <a:defRPr sz="12000"/>
+            </a:lvl2pPr>
+            <a:lvl3pPr lvl="2" algn="ctr">
+              <a:spcBef>
+                <a:spcPts val="0"/>
+              </a:spcBef>
+              <a:spcAft>
+                <a:spcPts val="0"/>
+              </a:spcAft>
+              <a:buSzPts val="12000"/>
+              <a:buNone/>
+              <a:defRPr sz="12000"/>
+            </a:lvl3pPr>
+            <a:lvl4pPr lvl="3" algn="ctr">
+              <a:spcBef>
+                <a:spcPts val="0"/>
+              </a:spcBef>
+              <a:spcAft>
+                <a:spcPts val="0"/>
+              </a:spcAft>
+              <a:buSzPts val="12000"/>
+              <a:buNone/>
+              <a:defRPr sz="12000"/>
+            </a:lvl4pPr>
+            <a:lvl5pPr lvl="4" algn="ctr">
+              <a:spcBef>
+                <a:spcPts val="0"/>
+              </a:spcBef>
+              <a:spcAft>
+                <a:spcPts val="0"/>
+              </a:spcAft>
+              <a:buSzPts val="12000"/>
+              <a:buNone/>
+              <a:defRPr sz="12000"/>
+            </a:lvl5pPr>
+            <a:lvl6pPr lvl="5" algn="ctr">
+              <a:spcBef>
+                <a:spcPts val="0"/>
+              </a:spcBef>
+              <a:spcAft>
+                <a:spcPts val="0"/>
+              </a:spcAft>
+              <a:buSzPts val="12000"/>
+              <a:buNone/>
+              <a:defRPr sz="12000"/>
+            </a:lvl6pPr>
+            <a:lvl7pPr lvl="6" algn="ctr">
+              <a:spcBef>
+                <a:spcPts val="0"/>
+              </a:spcBef>
+              <a:spcAft>
+                <a:spcPts val="0"/>
+              </a:spcAft>
+              <a:buSzPts val="12000"/>
+              <a:buNone/>
+              <a:defRPr sz="12000"/>
+            </a:lvl7pPr>
+            <a:lvl8pPr lvl="7" algn="ctr">
+              <a:spcBef>
+                <a:spcPts val="0"/>
+              </a:spcBef>
+              <a:spcAft>
+                <a:spcPts val="0"/>
+              </a:spcAft>
+              <a:buSzPts val="12000"/>
+              <a:buNone/>
+              <a:defRPr sz="12000"/>
+            </a:lvl8pPr>
+            <a:lvl9pPr lvl="8" algn="ctr">
+              <a:spcBef>
+                <a:spcPts val="0"/>
+              </a:spcBef>
+              <a:spcAft>
+                <a:spcPts val="0"/>
+              </a:spcAft>
+              <a:buSzPts val="12000"/>
+              <a:buNone/>
+              <a:defRPr sz="12000"/>
+            </a:lvl9pPr>
+          </a:lstStyle>
+          <a:p>
+            <a:r>
+              <a:t>xx%</a:t>
+            </a:r>
+          </a:p>
+        </p:txBody>
+      </p:sp>
+      <p:sp>
+        <p:nvSpPr>
+          <p:cNvPr id="49" name="Google Shape;49;p11"/>
+          <p:cNvSpPr txBox="1">
+            <a:spLocks noGrp="1"/>
+          </p:cNvSpPr>
+          <p:nvPr>
+            <p:ph type="body" idx="1"/>
+          </p:nvPr>
+        </p:nvSpPr>
+        <p:spPr>
+          <a:xfrm>
+            <a:off x="311700" y="4202967"/>
+            <a:ext cx="8520600" cy="1734300"/>
+          </a:xfrm>
+          <a:prstGeom prst="rect">
+            <a:avLst/>
+          </a:prstGeom>
+        </p:spPr>
+        <p:txBody>
+          <a:bodyPr spcFirstLastPara="1" wrap="square" lIns="91425" tIns="91425" rIns="91425" bIns="91425" anchor="t" anchorCtr="0">
+            <a:noAutofit/>
+          </a:bodyPr>
+          <a:lstStyle>
+            <a:lvl1pPr marL="457200" lvl="0" indent="-342900" algn="ctr">
+              <a:spcBef>
+                <a:spcPts val="0"/>
+              </a:spcBef>
+              <a:spcAft>
+                <a:spcPts val="0"/>
+              </a:spcAft>
+              <a:buSzPts val="1800"/>
+              <a:buChar char="●"/>
+              <a:defRPr/>
+            </a:lvl1pPr>
+            <a:lvl2pPr marL="914400" lvl="1" indent="-317500" algn="ctr">
+              <a:spcBef>
+                <a:spcPts val="1600"/>
+              </a:spcBef>
+              <a:spcAft>
+                <a:spcPts val="0"/>
+              </a:spcAft>
+              <a:buSzPts val="1400"/>
+              <a:buChar char="○"/>
+              <a:defRPr/>
+            </a:lvl2pPr>
+            <a:lvl3pPr marL="1371600" lvl="2" indent="-317500" algn="ctr">
+              <a:spcBef>
+                <a:spcPts val="1600"/>
+              </a:spcBef>
+              <a:spcAft>
+                <a:spcPts val="0"/>
+              </a:spcAft>
+              <a:buSzPts val="1400"/>
+              <a:buChar char="■"/>
+              <a:defRPr/>
+            </a:lvl3pPr>
+            <a:lvl4pPr marL="1828800" lvl="3" indent="-317500" algn="ctr">
+              <a:spcBef>
+                <a:spcPts val="1600"/>
+              </a:spcBef>
+              <a:spcAft>
+                <a:spcPts val="0"/>
+              </a:spcAft>
+              <a:buSzPts val="1400"/>
+              <a:buChar char="●"/>
+              <a:defRPr/>
+            </a:lvl4pPr>
+            <a:lvl5pPr marL="2286000" lvl="4" indent="-317500" algn="ctr">
+              <a:spcBef>
+                <a:spcPts val="1600"/>
+              </a:spcBef>
+              <a:spcAft>
+                <a:spcPts val="0"/>
+              </a:spcAft>
+              <a:buSzPts val="1400"/>
+              <a:buChar char="○"/>
+              <a:defRPr/>
+            </a:lvl5pPr>
+            <a:lvl6pPr marL="2743200" lvl="5" indent="-317500" algn="ctr">
+              <a:spcBef>
+                <a:spcPts val="1600"/>
+              </a:spcBef>
+              <a:spcAft>
+                <a:spcPts val="0"/>
+              </a:spcAft>
+              <a:buSzPts val="1400"/>
+              <a:buChar char="■"/>
+              <a:defRPr/>
+            </a:lvl6pPr>
+            <a:lvl7pPr marL="3200400" lvl="6" indent="-317500" algn="ctr">
+              <a:spcBef>
+                <a:spcPts val="1600"/>
+              </a:spcBef>
+              <a:spcAft>
+                <a:spcPts val="0"/>
+              </a:spcAft>
+              <a:buSzPts val="1400"/>
+              <a:buChar char="●"/>
+              <a:defRPr/>
+            </a:lvl7pPr>
+            <a:lvl8pPr marL="3657600" lvl="7" indent="-317500" algn="ctr">
+              <a:spcBef>
+                <a:spcPts val="1600"/>
+              </a:spcBef>
+              <a:spcAft>
+                <a:spcPts val="0"/>
+              </a:spcAft>
+              <a:buSzPts val="1400"/>
+              <a:buChar char="○"/>
+              <a:defRPr/>
+            </a:lvl8pPr>
+            <a:lvl9pPr marL="4114800" lvl="8" indent="-317500" algn="ctr">
+              <a:spcBef>
+                <a:spcPts val="1600"/>
+              </a:spcBef>
+              <a:spcAft>
+                <a:spcPts val="1600"/>
+              </a:spcAft>
+              <a:buSzPts val="1400"/>
+              <a:buChar char="■"/>
+              <a:defRPr/>
+            </a:lvl9pPr>
+          </a:lstStyle>
+          <a:p>
+            <a:endParaRPr/>
+          </a:p>
+        </p:txBody>
+      </p:sp>
+      <p:sp>
+        <p:nvSpPr>
+          <p:cNvPr id="50" name="Google Shape;50;p11"/>
+          <p:cNvSpPr txBox="1">
+            <a:spLocks noGrp="1"/>
+          </p:cNvSpPr>
+          <p:nvPr>
+            <p:ph type="sldNum" idx="12"/>
+          </p:nvPr>
+        </p:nvSpPr>
+        <p:spPr>
+          <a:xfrm>
+            <a:off x="8472458" y="6217622"/>
+            <a:ext cx="548700" cy="524700"/>
+          </a:xfrm>
+          <a:prstGeom prst="rect">
+            <a:avLst/>
+          </a:prstGeom>
+        </p:spPr>
+        <p:txBody>
+          <a:bodyPr spcFirstLastPara="1" wrap="square" lIns="91425" tIns="91425" rIns="91425" bIns="91425" anchor="ctr" anchorCtr="0">
+            <a:noAutofit/>
+          </a:bodyPr>
+          <a:lstStyle>
+            <a:lvl1pPr lvl="0">
+              <a:buNone/>
+              <a:defRPr/>
+            </a:lvl1pPr>
+            <a:lvl2pPr lvl="1">
+              <a:buNone/>
+              <a:defRPr/>
+            </a:lvl2pPr>
+            <a:lvl3pPr lvl="2">
+              <a:buNone/>
+              <a:defRPr/>
+            </a:lvl3pPr>
+            <a:lvl4pPr lvl="3">
+              <a:buNone/>
+              <a:defRPr/>
+            </a:lvl4pPr>
+            <a:lvl5pPr lvl="4">
+              <a:buNone/>
+              <a:defRPr/>
+            </a:lvl5pPr>
+            <a:lvl6pPr lvl="5">
+              <a:buNone/>
+              <a:defRPr/>
+            </a:lvl6pPr>
+            <a:lvl7pPr lvl="6">
+              <a:buNone/>
+              <a:defRPr/>
+            </a:lvl7pPr>
+            <a:lvl8pPr lvl="7">
+              <a:buNone/>
+              <a:defRPr/>
+            </a:lvl8pPr>
+            <a:lvl9pPr lvl="8">
+              <a:buNone/>
+              <a:defRPr/>
+            </a:lvl9pPr>
+          </a:lstStyle>
+          <a:p>
+            <a:pPr marL="0" lvl="0" indent="0" algn="r" rtl="0">
+              <a:spcBef>
+                <a:spcPts val="0"/>
+              </a:spcBef>
+              <a:spcAft>
+                <a:spcPts val="0"/>
+              </a:spcAft>
+              <a:buNone/>
+            </a:pPr>
+            <a:fld id="{00000000-1234-1234-1234-123412341234}" type="slidenum">
+              <a:rPr lang="en"/>
+              <a:t>‹#›</a:t>
+            </a:fld>
+            <a:endParaRPr/>
+          </a:p>
+        </p:txBody>
+      </p:sp>
+    </p:spTree>
+  </p:cSld>
+  <p:clrMapOvr>
+    <a:masterClrMapping/>
+  </p:clrMapOvr>
+</p:sldLayout>
+</file>
+
+<file path=ppt/slideLayouts/slideLayout9.xml><?xml version="1.0" encoding="utf-8"?>
+<p:sldLayout xmlns:a="http://schemas.openxmlformats.org/drawingml/2006/main" xmlns:r="http://schemas.openxmlformats.org/officeDocument/2006/relationships" xmlns:p="http://schemas.openxmlformats.org/presentationml/2006/main" matchingName="Blank" type="blank">
+  <p:cSld name="BLANK">
+    <p:spTree>
+      <p:nvGrpSpPr>
+        <p:cNvPr id="1" name="Shape 51"/>
+        <p:cNvGrpSpPr/>
+        <p:nvPr/>
+      </p:nvGrpSpPr>
+      <p:grpSpPr>
+        <a:xfrm>
+          <a:off x="0" y="0"/>
+          <a:ext cx="0" cy="0"/>
+          <a:chOff x="0" y="0"/>
+          <a:chExt cx="0" cy="0"/>
+        </a:xfrm>
+      </p:grpSpPr>
+      <p:sp>
+        <p:nvSpPr>
+          <p:cNvPr id="52" name="Google Shape;52;p12"/>
           <p:cNvSpPr txBox="1">
             <a:spLocks noGrp="1"/>
           </p:cNvSpPr>
@@ -7669,17 +7678,17 @@
   </p:cSld>
   <p:clrMap bg1="lt1" tx1="dk1" bg2="dk2" tx2="lt2" accent1="accent1" accent2="accent2" accent3="accent3" accent4="accent4" accent5="accent5" accent6="accent6" hlink="hlink" folHlink="folHlink"/>
   <p:sldLayoutIdLst>
-    <p:sldLayoutId id="2147483648" r:id="rId1"/>
-    <p:sldLayoutId id="2147483649" r:id="rId2"/>
-    <p:sldLayoutId id="2147483650" r:id="rId3"/>
-    <p:sldLayoutId id="2147483651" r:id="rId4"/>
-    <p:sldLayoutId id="2147483652" r:id="rId5"/>
-    <p:sldLayoutId id="2147483653" r:id="rId6"/>
-    <p:sldLayoutId id="2147483654" r:id="rId7"/>
-    <p:sldLayoutId id="2147483655" r:id="rId8"/>
-    <p:sldLayoutId id="2147483656" r:id="rId9"/>
-    <p:sldLayoutId id="2147483657" r:id="rId10"/>
-    <p:sldLayoutId id="2147483658" r:id="rId11"/>
+    <p:sldLayoutId id="2147483649" r:id="rId1"/>
+    <p:sldLayoutId id="2147483651" r:id="rId2"/>
+    <p:sldLayoutId id="2147483652" r:id="rId3"/>
+    <p:sldLayoutId id="2147483653" r:id="rId4"/>
+    <p:sldLayoutId id="2147483654" r:id="rId5"/>
+    <p:sldLayoutId id="2147483655" r:id="rId6"/>
+    <p:sldLayoutId id="2147483656" r:id="rId7"/>
+    <p:sldLayoutId id="2147483657" r:id="rId8"/>
+    <p:sldLayoutId id="2147483658" r:id="rId9"/>
+    <p:sldLayoutId id="2147483660" r:id="rId10"/>
+    <p:sldLayoutId id="2147483661" r:id="rId11"/>
   </p:sldLayoutIdLst>
   <p:hf hdr="0" ftr="0" dt="0"/>
   <p:txStyles>
@@ -8630,6 +8639,629 @@
   <p:cSld>
     <p:spTree>
       <p:nvGrpSpPr>
+        <p:cNvPr id="1" name="Shape 107"/>
+        <p:cNvGrpSpPr/>
+        <p:nvPr/>
+      </p:nvGrpSpPr>
+      <p:grpSpPr>
+        <a:xfrm>
+          <a:off x="0" y="0"/>
+          <a:ext cx="0" cy="0"/>
+          <a:chOff x="0" y="0"/>
+          <a:chExt cx="0" cy="0"/>
+        </a:xfrm>
+      </p:grpSpPr>
+      <p:sp>
+        <p:nvSpPr>
+          <p:cNvPr id="108" name="Google Shape;108;p21"/>
+          <p:cNvSpPr txBox="1">
+            <a:spLocks noGrp="1"/>
+          </p:cNvSpPr>
+          <p:nvPr>
+            <p:ph type="title"/>
+          </p:nvPr>
+        </p:nvSpPr>
+        <p:spPr>
+          <a:xfrm>
+            <a:off x="311700" y="288567"/>
+            <a:ext cx="8520600" cy="763500"/>
+          </a:xfrm>
+          <a:prstGeom prst="rect">
+            <a:avLst/>
+          </a:prstGeom>
+        </p:spPr>
+        <p:txBody>
+          <a:bodyPr spcFirstLastPara="1" wrap="square" lIns="91425" tIns="91425" rIns="91425" bIns="91425" anchor="t" anchorCtr="0">
+            <a:noAutofit/>
+          </a:bodyPr>
+          <a:lstStyle/>
+          <a:p>
+            <a:pPr marL="0" lvl="0" indent="0" algn="l" rtl="0">
+              <a:spcBef>
+                <a:spcPts val="0"/>
+              </a:spcBef>
+              <a:spcAft>
+                <a:spcPts val="0"/>
+              </a:spcAft>
+              <a:buNone/>
+            </a:pPr>
+            <a:r>
+              <a:rPr lang="en"/>
+              <a:t>2. Các bài toán điển hình</a:t>
+            </a:r>
+            <a:endParaRPr/>
+          </a:p>
+        </p:txBody>
+      </p:sp>
+      <p:sp>
+        <p:nvSpPr>
+          <p:cNvPr id="109" name="Google Shape;109;p21"/>
+          <p:cNvSpPr txBox="1">
+            <a:spLocks noGrp="1"/>
+          </p:cNvSpPr>
+          <p:nvPr>
+            <p:ph type="body" idx="1"/>
+          </p:nvPr>
+        </p:nvSpPr>
+        <p:spPr>
+          <a:xfrm>
+            <a:off x="311700" y="1536633"/>
+            <a:ext cx="8520600" cy="763500"/>
+          </a:xfrm>
+          <a:prstGeom prst="rect">
+            <a:avLst/>
+          </a:prstGeom>
+        </p:spPr>
+        <p:txBody>
+          <a:bodyPr spcFirstLastPara="1" wrap="square" lIns="91425" tIns="91425" rIns="91425" bIns="91425" anchor="t" anchorCtr="0">
+            <a:noAutofit/>
+          </a:bodyPr>
+          <a:lstStyle/>
+          <a:p>
+            <a:pPr marL="0" lvl="0" indent="457200" algn="l" rtl="0">
+              <a:spcBef>
+                <a:spcPts val="0"/>
+              </a:spcBef>
+              <a:spcAft>
+                <a:spcPts val="0"/>
+              </a:spcAft>
+              <a:buNone/>
+            </a:pPr>
+            <a:r>
+              <a:rPr lang="en" sz="2500" b="1" dirty="0"/>
+              <a:t>Binary Search</a:t>
+            </a:r>
+            <a:r>
+              <a:rPr lang="en" b="1" dirty="0"/>
+              <a:t> </a:t>
+            </a:r>
+            <a:endParaRPr dirty="0"/>
+          </a:p>
+        </p:txBody>
+      </p:sp>
+      <p:sp>
+        <p:nvSpPr>
+          <p:cNvPr id="2" name="TextBox 1">
+            <a:extLst>
+              <a:ext uri="{FF2B5EF4-FFF2-40B4-BE49-F238E27FC236}">
+                <a16:creationId xmlns:a16="http://schemas.microsoft.com/office/drawing/2014/main" id="{F6CE5A60-CF85-41DA-9C85-1BEA4BF5975D}"/>
+              </a:ext>
+            </a:extLst>
+          </p:cNvPr>
+          <p:cNvSpPr txBox="1"/>
+          <p:nvPr/>
+        </p:nvSpPr>
+        <p:spPr>
+          <a:xfrm>
+            <a:off x="731520" y="2707965"/>
+            <a:ext cx="7765366" cy="2934137"/>
+          </a:xfrm>
+          <a:prstGeom prst="rect">
+            <a:avLst/>
+          </a:prstGeom>
+          <a:noFill/>
+        </p:spPr>
+        <p:txBody>
+          <a:bodyPr wrap="square" rtlCol="0">
+            <a:spAutoFit/>
+          </a:bodyPr>
+          <a:lstStyle/>
+          <a:p>
+            <a:pPr marL="101600" lvl="0" indent="0" algn="l" rtl="0">
+              <a:spcBef>
+                <a:spcPts val="1600"/>
+              </a:spcBef>
+              <a:spcAft>
+                <a:spcPts val="0"/>
+              </a:spcAft>
+              <a:buSzPts val="2000"/>
+              <a:buNone/>
+            </a:pPr>
+            <a:r>
+              <a:rPr lang="vi-VN" sz="1800" b="1" dirty="0"/>
+              <a:t>Input:</a:t>
+            </a:r>
+            <a:r>
+              <a:rPr lang="vi-VN" sz="1800" dirty="0"/>
+              <a:t> </a:t>
+            </a:r>
+          </a:p>
+          <a:p>
+            <a:pPr marL="101600" lvl="0" indent="0" algn="l" rtl="0">
+              <a:spcBef>
+                <a:spcPts val="1600"/>
+              </a:spcBef>
+              <a:spcAft>
+                <a:spcPts val="0"/>
+              </a:spcAft>
+              <a:buSzPts val="2000"/>
+              <a:buNone/>
+            </a:pPr>
+            <a:r>
+              <a:rPr lang="vi-VN" sz="1800"/>
+              <a:t>	</a:t>
+            </a:r>
+            <a:r>
+              <a:rPr lang="vi-VN" sz="2000"/>
+              <a:t>- 1 </a:t>
+            </a:r>
+            <a:r>
+              <a:rPr lang="vi-VN" sz="2000" dirty="0"/>
+              <a:t>dãy số đã được sắp xếp tăng dần hoặc giảm dần.</a:t>
+            </a:r>
+          </a:p>
+          <a:p>
+            <a:pPr marL="101600" lvl="0" indent="0" algn="l" rtl="0">
+              <a:spcBef>
+                <a:spcPts val="1600"/>
+              </a:spcBef>
+              <a:spcAft>
+                <a:spcPts val="0"/>
+              </a:spcAft>
+              <a:buSzPts val="2000"/>
+              <a:buNone/>
+            </a:pPr>
+            <a:r>
+              <a:rPr lang="vi-VN" sz="2000"/>
+              <a:t>	- Số </a:t>
+            </a:r>
+            <a:r>
+              <a:rPr lang="vi-VN" sz="2000" dirty="0"/>
+              <a:t>x được cho</a:t>
+            </a:r>
+          </a:p>
+          <a:p>
+            <a:pPr marL="101600" lvl="0" indent="0" algn="l" rtl="0">
+              <a:spcBef>
+                <a:spcPts val="1600"/>
+              </a:spcBef>
+              <a:spcAft>
+                <a:spcPts val="0"/>
+              </a:spcAft>
+              <a:buSzPts val="2000"/>
+              <a:buNone/>
+            </a:pPr>
+            <a:r>
+              <a:rPr lang="vi-VN" sz="1800" b="1" dirty="0"/>
+              <a:t>Output:</a:t>
+            </a:r>
+            <a:r>
+              <a:rPr lang="vi-VN" sz="1800" dirty="0"/>
+              <a:t> </a:t>
+            </a:r>
+          </a:p>
+          <a:p>
+            <a:pPr marL="0" lvl="0" indent="0" algn="l" rtl="0">
+              <a:spcBef>
+                <a:spcPts val="1600"/>
+              </a:spcBef>
+              <a:spcAft>
+                <a:spcPts val="1600"/>
+              </a:spcAft>
+              <a:buNone/>
+            </a:pPr>
+            <a:r>
+              <a:rPr lang="vi-VN" sz="2000"/>
+              <a:t>	- Tìm </a:t>
+            </a:r>
+            <a:r>
+              <a:rPr lang="vi-VN" sz="2000" dirty="0"/>
+              <a:t>kiếm số </a:t>
+            </a:r>
+            <a:r>
+              <a:rPr lang="vi-VN" sz="2000" i="1" dirty="0"/>
+              <a:t>x </a:t>
+            </a:r>
+            <a:r>
+              <a:rPr lang="vi-VN" sz="2000" dirty="0"/>
+              <a:t>có trong dãy số hay không?</a:t>
+            </a:r>
+          </a:p>
+          <a:p>
+            <a:endParaRPr lang="en-US" sz="1800" dirty="0"/>
+          </a:p>
+        </p:txBody>
+      </p:sp>
+      <p:sp>
+        <p:nvSpPr>
+          <p:cNvPr id="3" name="Slide Number Placeholder 2">
+            <a:extLst>
+              <a:ext uri="{FF2B5EF4-FFF2-40B4-BE49-F238E27FC236}">
+                <a16:creationId xmlns:a16="http://schemas.microsoft.com/office/drawing/2014/main" id="{88B0D64F-7CF2-46F2-BD85-02DB2074180B}"/>
+              </a:ext>
+            </a:extLst>
+          </p:cNvPr>
+          <p:cNvSpPr>
+            <a:spLocks noGrp="1"/>
+          </p:cNvSpPr>
+          <p:nvPr>
+            <p:ph type="sldNum" idx="12"/>
+          </p:nvPr>
+        </p:nvSpPr>
+        <p:spPr/>
+        <p:txBody>
+          <a:bodyPr/>
+          <a:lstStyle/>
+          <a:p>
+            <a:pPr marL="0" lvl="0" indent="0" algn="r" rtl="0">
+              <a:spcBef>
+                <a:spcPts val="0"/>
+              </a:spcBef>
+              <a:spcAft>
+                <a:spcPts val="0"/>
+              </a:spcAft>
+              <a:buNone/>
+            </a:pPr>
+            <a:fld id="{00000000-1234-1234-1234-123412341234}" type="slidenum">
+              <a:rPr lang="en" smtClean="0"/>
+              <a:t>10</a:t>
+            </a:fld>
+            <a:endParaRPr lang="en"/>
+          </a:p>
+        </p:txBody>
+      </p:sp>
+    </p:spTree>
+    <p:extLst>
+      <p:ext uri="{BB962C8B-B14F-4D97-AF65-F5344CB8AC3E}">
+        <p14:creationId xmlns:p14="http://schemas.microsoft.com/office/powerpoint/2010/main" val="3867401442"/>
+      </p:ext>
+    </p:extLst>
+  </p:cSld>
+  <p:clrMapOvr>
+    <a:masterClrMapping/>
+  </p:clrMapOvr>
+  <p:timing>
+    <p:tnLst>
+      <p:par>
+        <p:cTn id="1" dur="indefinite" restart="never" nodeType="tmRoot">
+          <p:childTnLst>
+            <p:seq concurrent="1" nextAc="seek">
+              <p:cTn id="2" dur="indefinite" nodeType="mainSeq">
+                <p:childTnLst>
+                  <p:par>
+                    <p:cTn id="3" fill="hold">
+                      <p:stCondLst>
+                        <p:cond delay="indefinite"/>
+                      </p:stCondLst>
+                      <p:childTnLst>
+                        <p:par>
+                          <p:cTn id="4" fill="hold">
+                            <p:stCondLst>
+                              <p:cond delay="0"/>
+                            </p:stCondLst>
+                            <p:childTnLst>
+                              <p:par>
+                                <p:cTn id="5" presetID="10" presetClass="entr" presetSubtype="0" fill="hold" grpId="0" nodeType="clickEffect">
+                                  <p:stCondLst>
+                                    <p:cond delay="0"/>
+                                  </p:stCondLst>
+                                  <p:childTnLst>
+                                    <p:set>
+                                      <p:cBhvr>
+                                        <p:cTn id="6" dur="1" fill="hold">
+                                          <p:stCondLst>
+                                            <p:cond delay="0"/>
+                                          </p:stCondLst>
+                                        </p:cTn>
+                                        <p:tgtEl>
+                                          <p:spTgt spid="2"/>
+                                        </p:tgtEl>
+                                        <p:attrNameLst>
+                                          <p:attrName>style.visibility</p:attrName>
+                                        </p:attrNameLst>
+                                      </p:cBhvr>
+                                      <p:to>
+                                        <p:strVal val="visible"/>
+                                      </p:to>
+                                    </p:set>
+                                    <p:animEffect transition="in" filter="fade">
+                                      <p:cBhvr>
+                                        <p:cTn id="7" dur="500"/>
+                                        <p:tgtEl>
+                                          <p:spTgt spid="2"/>
+                                        </p:tgtEl>
+                                      </p:cBhvr>
+                                    </p:animEffect>
+                                  </p:childTnLst>
+                                </p:cTn>
+                              </p:par>
+                            </p:childTnLst>
+                          </p:cTn>
+                        </p:par>
+                      </p:childTnLst>
+                    </p:cTn>
+                  </p:par>
+                </p:childTnLst>
+              </p:cTn>
+              <p:prevCondLst>
+                <p:cond evt="onPrev" delay="0">
+                  <p:tgtEl>
+                    <p:sldTgt/>
+                  </p:tgtEl>
+                </p:cond>
+              </p:prevCondLst>
+              <p:nextCondLst>
+                <p:cond evt="onNext" delay="0">
+                  <p:tgtEl>
+                    <p:sldTgt/>
+                  </p:tgtEl>
+                </p:cond>
+              </p:nextCondLst>
+            </p:seq>
+          </p:childTnLst>
+        </p:cTn>
+      </p:par>
+    </p:tnLst>
+    <p:bldLst>
+      <p:bldP spid="2" grpId="0"/>
+    </p:bldLst>
+  </p:timing>
+</p:sld>
+</file>
+
+<file path=ppt/slides/slide11.xml><?xml version="1.0" encoding="utf-8"?>
+<p:sld xmlns:a="http://schemas.openxmlformats.org/drawingml/2006/main" xmlns:r="http://schemas.openxmlformats.org/officeDocument/2006/relationships" xmlns:p="http://schemas.openxmlformats.org/presentationml/2006/main">
+  <p:cSld>
+    <p:spTree>
+      <p:nvGrpSpPr>
+        <p:cNvPr id="1" name="Shape 107"/>
+        <p:cNvGrpSpPr/>
+        <p:nvPr/>
+      </p:nvGrpSpPr>
+      <p:grpSpPr>
+        <a:xfrm>
+          <a:off x="0" y="0"/>
+          <a:ext cx="0" cy="0"/>
+          <a:chOff x="0" y="0"/>
+          <a:chExt cx="0" cy="0"/>
+        </a:xfrm>
+      </p:grpSpPr>
+      <p:sp>
+        <p:nvSpPr>
+          <p:cNvPr id="108" name="Google Shape;108;p21"/>
+          <p:cNvSpPr txBox="1">
+            <a:spLocks noGrp="1"/>
+          </p:cNvSpPr>
+          <p:nvPr>
+            <p:ph type="title"/>
+          </p:nvPr>
+        </p:nvSpPr>
+        <p:spPr>
+          <a:xfrm>
+            <a:off x="311700" y="288567"/>
+            <a:ext cx="8520600" cy="763500"/>
+          </a:xfrm>
+          <a:prstGeom prst="rect">
+            <a:avLst/>
+          </a:prstGeom>
+        </p:spPr>
+        <p:txBody>
+          <a:bodyPr spcFirstLastPara="1" wrap="square" lIns="91425" tIns="91425" rIns="91425" bIns="91425" anchor="t" anchorCtr="0">
+            <a:noAutofit/>
+          </a:bodyPr>
+          <a:lstStyle/>
+          <a:p>
+            <a:pPr marL="0" lvl="0" indent="0" algn="l" rtl="0">
+              <a:spcBef>
+                <a:spcPts val="0"/>
+              </a:spcBef>
+              <a:spcAft>
+                <a:spcPts val="0"/>
+              </a:spcAft>
+              <a:buNone/>
+            </a:pPr>
+            <a:r>
+              <a:rPr lang="en"/>
+              <a:t>2. Các bài toán điển hình</a:t>
+            </a:r>
+            <a:endParaRPr/>
+          </a:p>
+        </p:txBody>
+      </p:sp>
+      <p:sp>
+        <p:nvSpPr>
+          <p:cNvPr id="109" name="Google Shape;109;p21"/>
+          <p:cNvSpPr txBox="1">
+            <a:spLocks noGrp="1"/>
+          </p:cNvSpPr>
+          <p:nvPr>
+            <p:ph type="body" idx="1"/>
+          </p:nvPr>
+        </p:nvSpPr>
+        <p:spPr>
+          <a:xfrm>
+            <a:off x="311700" y="1536633"/>
+            <a:ext cx="8520600" cy="4555200"/>
+          </a:xfrm>
+          <a:prstGeom prst="rect">
+            <a:avLst/>
+          </a:prstGeom>
+        </p:spPr>
+        <p:txBody>
+          <a:bodyPr spcFirstLastPara="1" wrap="square" lIns="91425" tIns="91425" rIns="91425" bIns="91425" anchor="t" anchorCtr="0">
+            <a:noAutofit/>
+          </a:bodyPr>
+          <a:lstStyle/>
+          <a:p>
+            <a:pPr marL="0" lvl="0" indent="457200" algn="l" rtl="0">
+              <a:spcBef>
+                <a:spcPts val="0"/>
+              </a:spcBef>
+              <a:spcAft>
+                <a:spcPts val="0"/>
+              </a:spcAft>
+              <a:buNone/>
+            </a:pPr>
+            <a:r>
+              <a:rPr lang="en" sz="2500" b="1" dirty="0"/>
+              <a:t>Binary Search</a:t>
+            </a:r>
+            <a:r>
+              <a:rPr lang="en" b="1" dirty="0"/>
+              <a:t> </a:t>
+            </a:r>
+            <a:endParaRPr dirty="0"/>
+          </a:p>
+          <a:p>
+            <a:pPr marL="457200" lvl="0" indent="-355600" algn="l" rtl="0">
+              <a:spcBef>
+                <a:spcPts val="1600"/>
+              </a:spcBef>
+              <a:spcAft>
+                <a:spcPts val="0"/>
+              </a:spcAft>
+              <a:buSzPts val="2000"/>
+              <a:buChar char="●"/>
+            </a:pPr>
+            <a:r>
+              <a:rPr lang="en" sz="2000" dirty="0"/>
+              <a:t>Ở mỗi bước, so sánh x với giá trị ở giữa dãy số. </a:t>
+            </a:r>
+            <a:endParaRPr sz="2000" dirty="0"/>
+          </a:p>
+          <a:p>
+            <a:pPr marL="457200" lvl="0" indent="0" algn="l" rtl="0">
+              <a:spcBef>
+                <a:spcPts val="1600"/>
+              </a:spcBef>
+              <a:spcAft>
+                <a:spcPts val="0"/>
+              </a:spcAft>
+              <a:buNone/>
+            </a:pPr>
+            <a:endParaRPr sz="2000" dirty="0"/>
+          </a:p>
+          <a:p>
+            <a:pPr marL="457200" lvl="0" indent="-355600" algn="l" rtl="0">
+              <a:spcBef>
+                <a:spcPts val="1600"/>
+              </a:spcBef>
+              <a:spcAft>
+                <a:spcPts val="0"/>
+              </a:spcAft>
+              <a:buSzPts val="2000"/>
+              <a:buChar char="●"/>
+            </a:pPr>
+            <a:r>
+              <a:rPr lang="en" sz="2000" dirty="0"/>
+              <a:t>Nếu giá trị trùng khớp thì trả về vị trí giữa đó.</a:t>
+            </a:r>
+            <a:endParaRPr sz="2000" dirty="0"/>
+          </a:p>
+          <a:p>
+            <a:pPr marL="457200" lvl="0" indent="0" algn="l" rtl="0">
+              <a:spcBef>
+                <a:spcPts val="1600"/>
+              </a:spcBef>
+              <a:spcAft>
+                <a:spcPts val="0"/>
+              </a:spcAft>
+              <a:buNone/>
+            </a:pPr>
+            <a:endParaRPr sz="2000" dirty="0"/>
+          </a:p>
+          <a:p>
+            <a:pPr marL="457200" lvl="0" indent="-355600" algn="l" rtl="0">
+              <a:spcBef>
+                <a:spcPts val="1600"/>
+              </a:spcBef>
+              <a:spcAft>
+                <a:spcPts val="0"/>
+              </a:spcAft>
+              <a:buSzPts val="2000"/>
+              <a:buChar char="●"/>
+            </a:pPr>
+            <a:r>
+              <a:rPr lang="en" sz="2000" dirty="0"/>
+              <a:t>Nếu x nhỏ hơn giá trị ở giữa, lặp lại thuật toán cho bên trái dãy số, ngược lại đệ quy cho bên phải của dãy số.</a:t>
+            </a:r>
+            <a:endParaRPr sz="2000" dirty="0"/>
+          </a:p>
+          <a:p>
+            <a:pPr marL="0" lvl="0" indent="0" algn="l" rtl="0">
+              <a:spcBef>
+                <a:spcPts val="1600"/>
+              </a:spcBef>
+              <a:spcAft>
+                <a:spcPts val="1600"/>
+              </a:spcAft>
+              <a:buNone/>
+            </a:pPr>
+            <a:endParaRPr dirty="0"/>
+          </a:p>
+        </p:txBody>
+      </p:sp>
+      <p:sp>
+        <p:nvSpPr>
+          <p:cNvPr id="2" name="Slide Number Placeholder 1">
+            <a:extLst>
+              <a:ext uri="{FF2B5EF4-FFF2-40B4-BE49-F238E27FC236}">
+                <a16:creationId xmlns:a16="http://schemas.microsoft.com/office/drawing/2014/main" id="{9B2EEC6F-EDD4-4981-8DC0-D5F29EDBD062}"/>
+              </a:ext>
+            </a:extLst>
+          </p:cNvPr>
+          <p:cNvSpPr>
+            <a:spLocks noGrp="1"/>
+          </p:cNvSpPr>
+          <p:nvPr>
+            <p:ph type="sldNum" idx="12"/>
+          </p:nvPr>
+        </p:nvSpPr>
+        <p:spPr/>
+        <p:txBody>
+          <a:bodyPr/>
+          <a:lstStyle/>
+          <a:p>
+            <a:pPr marL="0" lvl="0" indent="0" algn="r" rtl="0">
+              <a:spcBef>
+                <a:spcPts val="0"/>
+              </a:spcBef>
+              <a:spcAft>
+                <a:spcPts val="0"/>
+              </a:spcAft>
+              <a:buNone/>
+            </a:pPr>
+            <a:fld id="{00000000-1234-1234-1234-123412341234}" type="slidenum">
+              <a:rPr lang="en" smtClean="0"/>
+              <a:t>11</a:t>
+            </a:fld>
+            <a:endParaRPr lang="en"/>
+          </a:p>
+        </p:txBody>
+      </p:sp>
+    </p:spTree>
+  </p:cSld>
+  <p:clrMapOvr>
+    <a:masterClrMapping/>
+  </p:clrMapOvr>
+</p:sld>
+</file>
+
+<file path=ppt/slides/slide12.xml><?xml version="1.0" encoding="utf-8"?>
+<p:sld xmlns:a="http://schemas.openxmlformats.org/drawingml/2006/main" xmlns:r="http://schemas.openxmlformats.org/officeDocument/2006/relationships" xmlns:p="http://schemas.openxmlformats.org/presentationml/2006/main">
+  <p:cSld>
+    <p:spTree>
+      <p:nvGrpSpPr>
         <p:cNvPr id="1" name="Shape 113"/>
         <p:cNvGrpSpPr/>
         <p:nvPr/>
@@ -8843,7 +9475,7 @@
             </a:pPr>
             <a:fld id="{00000000-1234-1234-1234-123412341234}" type="slidenum">
               <a:rPr lang="en" smtClean="0"/>
-              <a:t>10</a:t>
+              <a:t>12</a:t>
             </a:fld>
             <a:endParaRPr lang="en"/>
           </a:p>
@@ -8857,7 +9489,7 @@
 </p:sld>
 </file>
 
-<file path=ppt/slides/slide11.xml><?xml version="1.0" encoding="utf-8"?>
+<file path=ppt/slides/slide13.xml><?xml version="1.0" encoding="utf-8"?>
 <p:sld xmlns:a="http://schemas.openxmlformats.org/drawingml/2006/main" xmlns:r="http://schemas.openxmlformats.org/officeDocument/2006/relationships" xmlns:p="http://schemas.openxmlformats.org/presentationml/2006/main">
   <p:cSld>
     <p:spTree>
@@ -8976,9 +9608,20 @@
                   <a:srgbClr val="FFFFFF"/>
                 </a:highlight>
               </a:rPr>
-              <a:t>Chia mảng cần sắp xếp thành hai nửa. </a:t>
+              <a:t>Chia mảng cần sắp xếp thành hai nửa</a:t>
             </a:r>
-            <a:endParaRPr sz="2000" dirty="0">
+            <a:r>
+              <a:rPr lang="en" sz="2000">
+                <a:solidFill>
+                  <a:srgbClr val="222222"/>
+                </a:solidFill>
+                <a:highlight>
+                  <a:srgbClr val="FFFFFF"/>
+                </a:highlight>
+              </a:rPr>
+              <a:t>. </a:t>
+            </a:r>
+            <a:endParaRPr lang="vi-VN" sz="2000">
               <a:solidFill>
                 <a:srgbClr val="222222"/>
               </a:solidFill>
@@ -8997,7 +9640,7 @@
               </a:spcAft>
               <a:buNone/>
             </a:pPr>
-            <a:endParaRPr sz="2000" dirty="0">
+            <a:endParaRPr lang="vi-VN" sz="2000">
               <a:solidFill>
                 <a:srgbClr val="222222"/>
               </a:solidFill>
@@ -9017,6 +9660,17 @@
               <a:buSzPts val="2000"/>
               <a:buChar char="●"/>
             </a:pPr>
+            <a:r>
+              <a:rPr lang="en" sz="2000">
+                <a:solidFill>
+                  <a:srgbClr val="222222"/>
+                </a:solidFill>
+                <a:highlight>
+                  <a:srgbClr val="FFFFFF"/>
+                </a:highlight>
+              </a:rPr>
+              <a:t>Tiếp </a:t>
+            </a:r>
             <a:r>
               <a:rPr lang="en" sz="2000" dirty="0">
                 <a:solidFill>
@@ -9026,7 +9680,7 @@
                   <a:srgbClr val="FFFFFF"/>
                 </a:highlight>
               </a:rPr>
-              <a:t>Tiếp tục lặp lại việc này ở các nửa mảng đã chia cho đến khi không thể chia được nữa. </a:t>
+              <a:t>tục lặp lại việc này ở các nửa mảng đã chia cho đến khi không thể chia được nữa. </a:t>
             </a:r>
             <a:endParaRPr sz="2000" dirty="0">
               <a:solidFill>
@@ -9126,7 +9780,7 @@
             </a:pPr>
             <a:fld id="{00000000-1234-1234-1234-123412341234}" type="slidenum">
               <a:rPr lang="en" smtClean="0"/>
-              <a:t>11</a:t>
+              <a:t>13</a:t>
             </a:fld>
             <a:endParaRPr lang="en"/>
           </a:p>
@@ -9140,7 +9794,7 @@
 </p:sld>
 </file>
 
-<file path=ppt/slides/slide12.xml><?xml version="1.0" encoding="utf-8"?>
+<file path=ppt/slides/slide14.xml><?xml version="1.0" encoding="utf-8"?>
 <p:sld xmlns:a="http://schemas.openxmlformats.org/drawingml/2006/main" xmlns:r="http://schemas.openxmlformats.org/officeDocument/2006/relationships" xmlns:p="http://schemas.openxmlformats.org/presentationml/2006/main">
   <p:cSld>
     <p:spTree>
@@ -9305,7 +9959,7 @@
             </a:pPr>
             <a:fld id="{00000000-1234-1234-1234-123412341234}" type="slidenum">
               <a:rPr lang="en" smtClean="0"/>
-              <a:t>12</a:t>
+              <a:t>14</a:t>
             </a:fld>
             <a:endParaRPr lang="en"/>
           </a:p>
@@ -9319,7 +9973,7 @@
 </p:sld>
 </file>
 
-<file path=ppt/slides/slide13.xml><?xml version="1.0" encoding="utf-8"?>
+<file path=ppt/slides/slide15.xml><?xml version="1.0" encoding="utf-8"?>
 <p:sld xmlns:a="http://schemas.openxmlformats.org/drawingml/2006/main" xmlns:r="http://schemas.openxmlformats.org/officeDocument/2006/relationships" xmlns:p="http://schemas.openxmlformats.org/presentationml/2006/main">
   <p:cSld>
     <p:spTree>
@@ -9474,6 +10128,9 @@
           <a:lstStyle/>
           <a:p>
             <a:pPr marL="0" lvl="0" indent="0" algn="l" rtl="0">
+              <a:lnSpc>
+                <a:spcPct val="150000"/>
+              </a:lnSpc>
               <a:spcBef>
                 <a:spcPts val="0"/>
               </a:spcBef>
@@ -9522,7 +10179,7 @@
             </a:pPr>
             <a:fld id="{00000000-1234-1234-1234-123412341234}" type="slidenum">
               <a:rPr lang="en" smtClean="0"/>
-              <a:t>13</a:t>
+              <a:t>15</a:t>
             </a:fld>
             <a:endParaRPr lang="en"/>
           </a:p>
@@ -9536,7 +10193,7 @@
 </p:sld>
 </file>
 
-<file path=ppt/slides/slide14.xml><?xml version="1.0" encoding="utf-8"?>
+<file path=ppt/slides/slide16.xml><?xml version="1.0" encoding="utf-8"?>
 <p:sld xmlns:a="http://schemas.openxmlformats.org/drawingml/2006/main" xmlns:r="http://schemas.openxmlformats.org/officeDocument/2006/relationships" xmlns:p="http://schemas.openxmlformats.org/presentationml/2006/main">
   <p:cSld>
     <p:spTree>
@@ -9728,6 +10385,9 @@
           <a:lstStyle/>
           <a:p>
             <a:pPr marL="0" lvl="0" indent="0" algn="l" rtl="0">
+              <a:lnSpc>
+                <a:spcPct val="150000"/>
+              </a:lnSpc>
               <a:spcBef>
                 <a:spcPts val="0"/>
               </a:spcBef>
@@ -9758,6 +10418,9 @@
           </a:p>
           <a:p>
             <a:pPr marL="0" lvl="0" indent="0" algn="l" rtl="0">
+              <a:lnSpc>
+                <a:spcPct val="150000"/>
+              </a:lnSpc>
               <a:spcBef>
                 <a:spcPts val="0"/>
               </a:spcBef>
@@ -9777,6 +10440,9 @@
           </a:p>
           <a:p>
             <a:pPr marL="0" lvl="0" indent="0" algn="l" rtl="0">
+              <a:lnSpc>
+                <a:spcPct val="150000"/>
+              </a:lnSpc>
               <a:spcBef>
                 <a:spcPts val="0"/>
               </a:spcBef>
@@ -9839,7 +10505,7 @@
             </a:pPr>
             <a:fld id="{00000000-1234-1234-1234-123412341234}" type="slidenum">
               <a:rPr lang="en" smtClean="0"/>
-              <a:t>14</a:t>
+              <a:t>16</a:t>
             </a:fld>
             <a:endParaRPr lang="en"/>
           </a:p>
@@ -9853,7 +10519,7 @@
 </p:sld>
 </file>
 
-<file path=ppt/slides/slide15.xml><?xml version="1.0" encoding="utf-8"?>
+<file path=ppt/slides/slide17.xml><?xml version="1.0" encoding="utf-8"?>
 <p:sld xmlns:a="http://schemas.openxmlformats.org/drawingml/2006/main" xmlns:r="http://schemas.openxmlformats.org/officeDocument/2006/relationships" xmlns:p="http://schemas.openxmlformats.org/presentationml/2006/main">
   <p:cSld>
     <p:spTree>
@@ -10061,7 +10727,7 @@
         <p:spPr>
           <a:xfrm>
             <a:off x="5585575" y="2066350"/>
-            <a:ext cx="3312900" cy="3000000"/>
+            <a:ext cx="3312900" cy="3502892"/>
           </a:xfrm>
           <a:prstGeom prst="rect">
             <a:avLst/>
@@ -10078,6 +10744,9 @@
           <a:lstStyle/>
           <a:p>
             <a:pPr marL="0" lvl="0" indent="0" algn="l" rtl="0">
+              <a:lnSpc>
+                <a:spcPct val="150000"/>
+              </a:lnSpc>
               <a:spcBef>
                 <a:spcPts val="0"/>
               </a:spcBef>
@@ -10094,7 +10763,7 @@
                 <a:highlight>
                   <a:srgbClr val="FFFFFF"/>
                 </a:highlight>
-                <a:latin typeface="Roboto"/>
+                <a:latin typeface="+mj-lt"/>
                 <a:ea typeface="Roboto"/>
                 <a:cs typeface="Roboto"/>
                 <a:sym typeface="Roboto"/>
@@ -10108,7 +10777,7 @@
               <a:highlight>
                 <a:srgbClr val="FFFFFF"/>
               </a:highlight>
-              <a:latin typeface="Roboto"/>
+              <a:latin typeface="+mj-lt"/>
               <a:ea typeface="Roboto"/>
               <a:cs typeface="Roboto"/>
               <a:sym typeface="Roboto"/>
@@ -10116,6 +10785,9 @@
           </a:p>
           <a:p>
             <a:pPr marL="0" lvl="0" indent="0" algn="l" rtl="0">
+              <a:lnSpc>
+                <a:spcPct val="150000"/>
+              </a:lnSpc>
               <a:spcBef>
                 <a:spcPts val="0"/>
               </a:spcBef>
@@ -10131,7 +10803,7 @@
               <a:highlight>
                 <a:srgbClr val="FFFFFF"/>
               </a:highlight>
-              <a:latin typeface="Roboto"/>
+              <a:latin typeface="+mj-lt"/>
               <a:ea typeface="Roboto"/>
               <a:cs typeface="Roboto"/>
               <a:sym typeface="Roboto"/>
@@ -10139,6 +10811,9 @@
           </a:p>
           <a:p>
             <a:pPr marL="0" lvl="0" indent="0" algn="l" rtl="0">
+              <a:lnSpc>
+                <a:spcPct val="150000"/>
+              </a:lnSpc>
               <a:spcBef>
                 <a:spcPts val="0"/>
               </a:spcBef>
@@ -10155,7 +10830,7 @@
                 <a:highlight>
                   <a:srgbClr val="FFFFFF"/>
                 </a:highlight>
-                <a:latin typeface="Roboto"/>
+                <a:latin typeface="+mj-lt"/>
                 <a:ea typeface="Roboto"/>
                 <a:cs typeface="Roboto"/>
                 <a:sym typeface="Roboto"/>
@@ -10169,7 +10844,7 @@
               <a:highlight>
                 <a:srgbClr val="FFFFFF"/>
               </a:highlight>
-              <a:latin typeface="Roboto"/>
+              <a:latin typeface="+mj-lt"/>
               <a:ea typeface="Roboto"/>
               <a:cs typeface="Roboto"/>
               <a:sym typeface="Roboto"/>
@@ -10209,7 +10884,7 @@
             </a:pPr>
             <a:fld id="{00000000-1234-1234-1234-123412341234}" type="slidenum">
               <a:rPr lang="en" smtClean="0"/>
-              <a:t>15</a:t>
+              <a:t>17</a:t>
             </a:fld>
             <a:endParaRPr lang="en"/>
           </a:p>
@@ -10223,7 +10898,7 @@
 </p:sld>
 </file>
 
-<file path=ppt/slides/slide16.xml><?xml version="1.0" encoding="utf-8"?>
+<file path=ppt/slides/slide18.xml><?xml version="1.0" encoding="utf-8"?>
 <p:sld xmlns:a="http://schemas.openxmlformats.org/drawingml/2006/main" xmlns:r="http://schemas.openxmlformats.org/officeDocument/2006/relationships" xmlns:p="http://schemas.openxmlformats.org/presentationml/2006/main">
   <p:cSld>
     <p:spTree>
@@ -10468,7 +11143,7 @@
             </a:pPr>
             <a:fld id="{00000000-1234-1234-1234-123412341234}" type="slidenum">
               <a:rPr lang="en" smtClean="0"/>
-              <a:t>16</a:t>
+              <a:t>18</a:t>
             </a:fld>
             <a:endParaRPr lang="en"/>
           </a:p>
@@ -10482,8 +11157,8 @@
 </p:sld>
 </file>
 
-<file path=ppt/slides/slide17.xml><?xml version="1.0" encoding="utf-8"?>
-<p:sld xmlns:a="http://schemas.openxmlformats.org/drawingml/2006/main" xmlns:r="http://schemas.openxmlformats.org/officeDocument/2006/relationships" xmlns:p="http://schemas.openxmlformats.org/presentationml/2006/main">
+<file path=ppt/slides/slide19.xml><?xml version="1.0" encoding="utf-8"?>
+<p:sld xmlns:a="http://schemas.openxmlformats.org/drawingml/2006/main" xmlns:r="http://schemas.openxmlformats.org/officeDocument/2006/relationships" xmlns:p="http://schemas.openxmlformats.org/presentationml/2006/main" show="0">
   <p:cSld>
     <p:spTree>
       <p:nvGrpSpPr>
@@ -10541,108 +11216,178 @@
           </a:p>
         </p:txBody>
       </p:sp>
-      <p:sp>
-        <p:nvSpPr>
-          <p:cNvPr id="166" name="Google Shape;166;p29"/>
-          <p:cNvSpPr txBox="1">
-            <a:spLocks noGrp="1"/>
-          </p:cNvSpPr>
-          <p:nvPr>
-            <p:ph type="body" idx="1"/>
-          </p:nvPr>
-        </p:nvSpPr>
-        <p:spPr>
-          <a:xfrm>
-            <a:off x="311700" y="1536625"/>
-            <a:ext cx="8593200" cy="4555200"/>
-          </a:xfrm>
-          <a:prstGeom prst="rect">
-            <a:avLst/>
-          </a:prstGeom>
-        </p:spPr>
-        <p:txBody>
-          <a:bodyPr spcFirstLastPara="1" wrap="square" lIns="91425" tIns="91425" rIns="91425" bIns="91425" anchor="t" anchorCtr="0">
-            <a:noAutofit/>
-          </a:bodyPr>
-          <a:lstStyle/>
-          <a:p>
-            <a:pPr marL="0" lvl="0" indent="0" algn="l" rtl="0">
-              <a:spcBef>
-                <a:spcPts val="0"/>
-              </a:spcBef>
-              <a:spcAft>
-                <a:spcPts val="0"/>
-              </a:spcAft>
-              <a:buNone/>
-            </a:pPr>
-            <a:r>
-              <a:rPr lang="en" dirty="0"/>
-              <a:t>	</a:t>
-            </a:r>
-            <a:r>
-              <a:rPr lang="en" sz="2500" b="1" dirty="0"/>
-              <a:t>Karatsuba’s algorithm</a:t>
-            </a:r>
-            <a:endParaRPr sz="2500" b="1" dirty="0"/>
-          </a:p>
-          <a:p>
-            <a:pPr marL="0" lvl="0" indent="0" algn="l" rtl="0">
-              <a:spcBef>
-                <a:spcPts val="1600"/>
-              </a:spcBef>
-              <a:spcAft>
-                <a:spcPts val="0"/>
-              </a:spcAft>
-              <a:buNone/>
-            </a:pPr>
-            <a:r>
-              <a:rPr lang="en" sz="2000" dirty="0"/>
-              <a:t>Công thức nhân hai số lớn X và Y sử dụng ba phép nhân các số nhỏ hơn.</a:t>
-            </a:r>
-            <a:endParaRPr sz="2000" dirty="0"/>
-          </a:p>
-          <a:p>
-            <a:pPr marL="0" lvl="0" indent="0" algn="l" rtl="0">
-              <a:spcBef>
-                <a:spcPts val="1600"/>
-              </a:spcBef>
-              <a:spcAft>
-                <a:spcPts val="0"/>
-              </a:spcAft>
-              <a:buNone/>
-            </a:pPr>
-            <a:r>
-              <a:rPr lang="en" sz="2000" dirty="0"/>
-              <a:t>	Cho x và y là hai số n bit trong hệ số B và m &lt; n, ta có</a:t>
-            </a:r>
-            <a:endParaRPr sz="2000" dirty="0"/>
-          </a:p>
-          <a:p>
-            <a:pPr marL="0" lvl="0" indent="0" algn="l" rtl="0">
-              <a:spcBef>
-                <a:spcPts val="1600"/>
-              </a:spcBef>
-              <a:spcAft>
-                <a:spcPts val="0"/>
-              </a:spcAft>
-              <a:buNone/>
-            </a:pPr>
-            <a:endParaRPr sz="2000" dirty="0"/>
-          </a:p>
-          <a:p>
-            <a:pPr marL="0" lvl="0" indent="0" algn="l" rtl="0">
-              <a:spcBef>
-                <a:spcPts val="1600"/>
-              </a:spcBef>
-              <a:spcAft>
-                <a:spcPts val="1600"/>
-              </a:spcAft>
-              <a:buNone/>
-            </a:pPr>
-            <a:endParaRPr sz="2000" dirty="0"/>
-          </a:p>
-        </p:txBody>
-      </p:sp>
+      <mc:AlternateContent xmlns:mc="http://schemas.openxmlformats.org/markup-compatibility/2006" xmlns:a14="http://schemas.microsoft.com/office/drawing/2010/main">
+        <mc:Choice Requires="a14">
+          <p:sp>
+            <p:nvSpPr>
+              <p:cNvPr id="166" name="Google Shape;166;p29"/>
+              <p:cNvSpPr txBox="1">
+                <a:spLocks noGrp="1"/>
+              </p:cNvSpPr>
+              <p:nvPr>
+                <p:ph type="body" idx="1"/>
+              </p:nvPr>
+            </p:nvSpPr>
+            <p:spPr>
+              <a:xfrm>
+                <a:off x="311700" y="1536625"/>
+                <a:ext cx="8593200" cy="4555200"/>
+              </a:xfrm>
+              <a:prstGeom prst="rect">
+                <a:avLst/>
+              </a:prstGeom>
+            </p:spPr>
+            <p:txBody>
+              <a:bodyPr spcFirstLastPara="1" wrap="square" lIns="91425" tIns="91425" rIns="91425" bIns="91425" anchor="t" anchorCtr="0">
+                <a:noAutofit/>
+              </a:bodyPr>
+              <a:lstStyle/>
+              <a:p>
+                <a:pPr marL="0" lvl="0" indent="0" algn="l" rtl="0">
+                  <a:spcBef>
+                    <a:spcPts val="0"/>
+                  </a:spcBef>
+                  <a:spcAft>
+                    <a:spcPts val="0"/>
+                  </a:spcAft>
+                  <a:buNone/>
+                </a:pPr>
+                <a:r>
+                  <a:rPr lang="en" dirty="0"/>
+                  <a:t>	</a:t>
+                </a:r>
+                <a:r>
+                  <a:rPr lang="en" sz="2500" b="1" dirty="0"/>
+                  <a:t>Karatsuba’s algorithm</a:t>
+                </a:r>
+                <a:endParaRPr sz="2500" b="1" dirty="0"/>
+              </a:p>
+              <a:p>
+                <a:pPr marL="0" lvl="0" indent="0" algn="l" rtl="0">
+                  <a:spcBef>
+                    <a:spcPts val="1600"/>
+                  </a:spcBef>
+                  <a:spcAft>
+                    <a:spcPts val="0"/>
+                  </a:spcAft>
+                  <a:buNone/>
+                </a:pPr>
+                <a:r>
+                  <a:rPr lang="en" sz="2000" dirty="0"/>
+                  <a:t>Công thức nhân hai số lớn X và Y sử dụng ba phép nhân các số nhỏ hơn.</a:t>
+                </a:r>
+                <a:endParaRPr sz="2000" dirty="0"/>
+              </a:p>
+              <a:p>
+                <a:pPr marL="0" lvl="0" indent="0" algn="l" rtl="0">
+                  <a:spcBef>
+                    <a:spcPts val="1600"/>
+                  </a:spcBef>
+                  <a:spcAft>
+                    <a:spcPts val="0"/>
+                  </a:spcAft>
+                  <a:buNone/>
+                </a:pPr>
+                <a:r>
+                  <a:rPr lang="en" sz="2000" dirty="0"/>
+                  <a:t>	Cho x và y là hai số n bit trong hệ số B và </a:t>
+                </a:r>
+                <a14:m>
+                  <m:oMath xmlns:m="http://schemas.openxmlformats.org/officeDocument/2006/math">
+                    <m:r>
+                      <a:rPr lang="en" sz="2000" i="1" dirty="0" smtClean="0">
+                        <a:latin typeface="Cambria Math" panose="02040503050406030204" pitchFamily="18" charset="0"/>
+                      </a:rPr>
+                      <m:t>𝑚</m:t>
+                    </m:r>
+                    <m:r>
+                      <a:rPr lang="en" sz="2000" i="1" dirty="0" smtClean="0">
+                        <a:latin typeface="Cambria Math" panose="02040503050406030204" pitchFamily="18" charset="0"/>
+                      </a:rPr>
+                      <m:t> &lt; </m:t>
+                    </m:r>
+                    <m:r>
+                      <a:rPr lang="en" sz="2000" i="1" dirty="0" smtClean="0">
+                        <a:latin typeface="Cambria Math" panose="02040503050406030204" pitchFamily="18" charset="0"/>
+                      </a:rPr>
+                      <m:t>𝑛</m:t>
+                    </m:r>
+                  </m:oMath>
+                </a14:m>
+                <a:r>
+                  <a:rPr lang="en" sz="2000" dirty="0"/>
+                  <a:t>, ta có</a:t>
+                </a:r>
+                <a:endParaRPr sz="2000" dirty="0"/>
+              </a:p>
+              <a:p>
+                <a:pPr marL="0" lvl="0" indent="0" algn="l" rtl="0">
+                  <a:spcBef>
+                    <a:spcPts val="1600"/>
+                  </a:spcBef>
+                  <a:spcAft>
+                    <a:spcPts val="0"/>
+                  </a:spcAft>
+                  <a:buNone/>
+                </a:pPr>
+                <a:endParaRPr sz="2000" dirty="0"/>
+              </a:p>
+              <a:p>
+                <a:pPr marL="0" lvl="0" indent="0" algn="l" rtl="0">
+                  <a:spcBef>
+                    <a:spcPts val="1600"/>
+                  </a:spcBef>
+                  <a:spcAft>
+                    <a:spcPts val="1600"/>
+                  </a:spcAft>
+                  <a:buNone/>
+                </a:pPr>
+                <a:endParaRPr sz="2000" dirty="0"/>
+              </a:p>
+            </p:txBody>
+          </p:sp>
+        </mc:Choice>
+        <mc:Fallback xmlns="">
+          <p:sp>
+            <p:nvSpPr>
+              <p:cNvPr id="166" name="Google Shape;166;p29"/>
+              <p:cNvSpPr txBox="1">
+                <a:spLocks noGrp="1" noRot="1" noChangeAspect="1" noMove="1" noResize="1" noEditPoints="1" noAdjustHandles="1" noChangeArrowheads="1" noChangeShapeType="1" noTextEdit="1"/>
+              </p:cNvSpPr>
+              <p:nvPr>
+                <p:ph type="body" idx="1"/>
+              </p:nvPr>
+            </p:nvSpPr>
+            <p:spPr>
+              <a:xfrm>
+                <a:off x="311700" y="1536625"/>
+                <a:ext cx="8593200" cy="4555200"/>
+              </a:xfrm>
+              <a:prstGeom prst="rect">
+                <a:avLst/>
+              </a:prstGeom>
+              <a:blipFill>
+                <a:blip r:embed="rId3"/>
+                <a:stretch>
+                  <a:fillRect l="-709"/>
+                </a:stretch>
+              </a:blipFill>
+            </p:spPr>
+            <p:txBody>
+              <a:bodyPr/>
+              <a:lstStyle/>
+              <a:p>
+                <a:r>
+                  <a:rPr lang="vi-VN">
+                    <a:noFill/>
+                  </a:rPr>
+                  <a:t> </a:t>
+                </a:r>
+              </a:p>
+            </p:txBody>
+          </p:sp>
+        </mc:Fallback>
+      </mc:AlternateContent>
       <p:pic>
         <p:nvPicPr>
           <p:cNvPr id="167" name="Google Shape;167;p29"/>
@@ -10650,7 +11395,7 @@
           <p:nvPr/>
         </p:nvPicPr>
         <p:blipFill>
-          <a:blip r:embed="rId3">
+          <a:blip r:embed="rId4">
             <a:alphaModFix/>
           </a:blip>
           <a:stretch>
@@ -10678,7 +11423,7 @@
           <p:nvPr/>
         </p:nvPicPr>
         <p:blipFill>
-          <a:blip r:embed="rId4">
+          <a:blip r:embed="rId5">
             <a:alphaModFix/>
           </a:blip>
           <a:stretch>
@@ -10731,7 +11476,7 @@
             </a:pPr>
             <a:fld id="{00000000-1234-1234-1234-123412341234}" type="slidenum">
               <a:rPr lang="en" smtClean="0"/>
-              <a:t>17</a:t>
+              <a:t>19</a:t>
             </a:fld>
             <a:endParaRPr lang="en"/>
           </a:p>
@@ -10745,8 +11490,297 @@
 </p:sld>
 </file>
 
-<file path=ppt/slides/slide18.xml><?xml version="1.0" encoding="utf-8"?>
+<file path=ppt/slides/slide2.xml><?xml version="1.0" encoding="utf-8"?>
 <p:sld xmlns:a="http://schemas.openxmlformats.org/drawingml/2006/main" xmlns:r="http://schemas.openxmlformats.org/officeDocument/2006/relationships" xmlns:p="http://schemas.openxmlformats.org/presentationml/2006/main">
+  <p:cSld>
+    <p:spTree>
+      <p:nvGrpSpPr>
+        <p:cNvPr id="1" name="Shape 64"/>
+        <p:cNvGrpSpPr/>
+        <p:nvPr/>
+      </p:nvGrpSpPr>
+      <p:grpSpPr>
+        <a:xfrm>
+          <a:off x="0" y="0"/>
+          <a:ext cx="0" cy="0"/>
+          <a:chOff x="0" y="0"/>
+          <a:chExt cx="0" cy="0"/>
+        </a:xfrm>
+      </p:grpSpPr>
+      <p:sp>
+        <p:nvSpPr>
+          <p:cNvPr id="65" name="Google Shape;65;p14"/>
+          <p:cNvSpPr txBox="1">
+            <a:spLocks noGrp="1"/>
+          </p:cNvSpPr>
+          <p:nvPr>
+            <p:ph type="title"/>
+          </p:nvPr>
+        </p:nvSpPr>
+        <p:spPr>
+          <a:xfrm>
+            <a:off x="311700" y="288567"/>
+            <a:ext cx="8520600" cy="763500"/>
+          </a:xfrm>
+          <a:prstGeom prst="rect">
+            <a:avLst/>
+          </a:prstGeom>
+        </p:spPr>
+        <p:txBody>
+          <a:bodyPr spcFirstLastPara="1" wrap="square" lIns="91425" tIns="91425" rIns="91425" bIns="91425" anchor="t" anchorCtr="0">
+            <a:noAutofit/>
+          </a:bodyPr>
+          <a:lstStyle/>
+          <a:p>
+            <a:pPr marL="0" lvl="0" indent="0" algn="l" rtl="0">
+              <a:spcBef>
+                <a:spcPts val="0"/>
+              </a:spcBef>
+              <a:spcAft>
+                <a:spcPts val="0"/>
+              </a:spcAft>
+              <a:buNone/>
+            </a:pPr>
+            <a:r>
+              <a:rPr lang="en"/>
+              <a:t>Thông tin nhóm</a:t>
+            </a:r>
+            <a:endParaRPr/>
+          </a:p>
+        </p:txBody>
+      </p:sp>
+      <p:sp>
+        <p:nvSpPr>
+          <p:cNvPr id="66" name="Google Shape;66;p14"/>
+          <p:cNvSpPr txBox="1">
+            <a:spLocks noGrp="1"/>
+          </p:cNvSpPr>
+          <p:nvPr>
+            <p:ph type="body" idx="1"/>
+          </p:nvPr>
+        </p:nvSpPr>
+        <p:spPr>
+          <a:xfrm>
+            <a:off x="311700" y="1536633"/>
+            <a:ext cx="8520600" cy="4555200"/>
+          </a:xfrm>
+          <a:prstGeom prst="rect">
+            <a:avLst/>
+          </a:prstGeom>
+        </p:spPr>
+        <p:txBody>
+          <a:bodyPr spcFirstLastPara="1" wrap="square" lIns="91425" tIns="91425" rIns="91425" bIns="91425" anchor="t" anchorCtr="0">
+            <a:noAutofit/>
+          </a:bodyPr>
+          <a:lstStyle/>
+          <a:p>
+            <a:pPr marL="457200" lvl="0" indent="-355600" algn="l" rtl="0">
+              <a:spcBef>
+                <a:spcPts val="0"/>
+              </a:spcBef>
+              <a:spcAft>
+                <a:spcPts val="0"/>
+              </a:spcAft>
+              <a:buSzPts val="2000"/>
+              <a:buAutoNum type="arabicPeriod"/>
+            </a:pPr>
+            <a:r>
+              <a:rPr lang="en" sz="2000"/>
+              <a:t>Nguyễn Phú Quốc</a:t>
+            </a:r>
+            <a:endParaRPr sz="2000"/>
+          </a:p>
+          <a:p>
+            <a:pPr marL="914400" lvl="0" indent="0" algn="l" rtl="0">
+              <a:spcBef>
+                <a:spcPts val="1600"/>
+              </a:spcBef>
+              <a:spcAft>
+                <a:spcPts val="0"/>
+              </a:spcAft>
+              <a:buNone/>
+            </a:pPr>
+            <a:r>
+              <a:rPr lang="en" sz="2000" i="1">
+                <a:solidFill>
+                  <a:srgbClr val="434343"/>
+                </a:solidFill>
+              </a:rPr>
+              <a:t>18520343 - KHTN2018</a:t>
+            </a:r>
+            <a:endParaRPr sz="2000" i="1">
+              <a:solidFill>
+                <a:srgbClr val="434343"/>
+              </a:solidFill>
+            </a:endParaRPr>
+          </a:p>
+          <a:p>
+            <a:pPr marL="457200" lvl="0" indent="-355600" algn="l" rtl="0">
+              <a:spcBef>
+                <a:spcPts val="1600"/>
+              </a:spcBef>
+              <a:spcAft>
+                <a:spcPts val="0"/>
+              </a:spcAft>
+              <a:buSzPts val="2000"/>
+              <a:buAutoNum type="arabicPeriod"/>
+            </a:pPr>
+            <a:r>
+              <a:rPr lang="en" sz="2000"/>
+              <a:t>Trần Trung Anh</a:t>
+            </a:r>
+            <a:endParaRPr sz="2000"/>
+          </a:p>
+          <a:p>
+            <a:pPr marL="914400" lvl="0" indent="0" algn="l" rtl="0">
+              <a:spcBef>
+                <a:spcPts val="1600"/>
+              </a:spcBef>
+              <a:spcAft>
+                <a:spcPts val="0"/>
+              </a:spcAft>
+              <a:buNone/>
+            </a:pPr>
+            <a:r>
+              <a:rPr lang="en" sz="2000" i="1">
+                <a:solidFill>
+                  <a:srgbClr val="434343"/>
+                </a:solidFill>
+              </a:rPr>
+              <a:t>18520473 - KHTN2018</a:t>
+            </a:r>
+            <a:endParaRPr sz="2000" i="1">
+              <a:solidFill>
+                <a:srgbClr val="434343"/>
+              </a:solidFill>
+            </a:endParaRPr>
+          </a:p>
+          <a:p>
+            <a:pPr marL="457200" lvl="0" indent="-355600" algn="l" rtl="0">
+              <a:spcBef>
+                <a:spcPts val="1600"/>
+              </a:spcBef>
+              <a:spcAft>
+                <a:spcPts val="0"/>
+              </a:spcAft>
+              <a:buSzPts val="2000"/>
+              <a:buAutoNum type="arabicPeriod"/>
+            </a:pPr>
+            <a:r>
+              <a:rPr lang="en" sz="2000"/>
+              <a:t>Nguyễn Văn Tiến</a:t>
+            </a:r>
+            <a:endParaRPr sz="2000"/>
+          </a:p>
+          <a:p>
+            <a:pPr marL="914400" lvl="0" indent="0" algn="l" rtl="0">
+              <a:spcBef>
+                <a:spcPts val="1600"/>
+              </a:spcBef>
+              <a:spcAft>
+                <a:spcPts val="1600"/>
+              </a:spcAft>
+              <a:buNone/>
+            </a:pPr>
+            <a:r>
+              <a:rPr lang="en" sz="2000" i="1">
+                <a:solidFill>
+                  <a:srgbClr val="434343"/>
+                </a:solidFill>
+              </a:rPr>
+              <a:t>18521489 - KHTN2018</a:t>
+            </a:r>
+            <a:endParaRPr sz="2000" i="1">
+              <a:solidFill>
+                <a:srgbClr val="434343"/>
+              </a:solidFill>
+            </a:endParaRPr>
+          </a:p>
+        </p:txBody>
+      </p:sp>
+      <p:sp>
+        <p:nvSpPr>
+          <p:cNvPr id="2" name="Slide Number Placeholder 1">
+            <a:extLst>
+              <a:ext uri="{FF2B5EF4-FFF2-40B4-BE49-F238E27FC236}">
+                <a16:creationId xmlns:a16="http://schemas.microsoft.com/office/drawing/2014/main" id="{2E777B5E-6540-4E96-A562-459C1DA42421}"/>
+              </a:ext>
+            </a:extLst>
+          </p:cNvPr>
+          <p:cNvSpPr>
+            <a:spLocks noGrp="1"/>
+          </p:cNvSpPr>
+          <p:nvPr>
+            <p:ph type="sldNum" idx="12"/>
+          </p:nvPr>
+        </p:nvSpPr>
+        <p:spPr/>
+        <p:txBody>
+          <a:bodyPr/>
+          <a:lstStyle/>
+          <a:p>
+            <a:pPr marL="0" lvl="0" indent="0" algn="r" rtl="0">
+              <a:spcBef>
+                <a:spcPts val="0"/>
+              </a:spcBef>
+              <a:spcAft>
+                <a:spcPts val="0"/>
+              </a:spcAft>
+              <a:buNone/>
+            </a:pPr>
+            <a:fld id="{00000000-1234-1234-1234-123412341234}" type="slidenum">
+              <a:rPr lang="en" smtClean="0"/>
+              <a:t>2</a:t>
+            </a:fld>
+            <a:endParaRPr lang="en"/>
+          </a:p>
+        </p:txBody>
+      </p:sp>
+      <p:sp>
+        <p:nvSpPr>
+          <p:cNvPr id="3" name="Hộp Văn bản 2">
+            <a:extLst>
+              <a:ext uri="{FF2B5EF4-FFF2-40B4-BE49-F238E27FC236}">
+                <a16:creationId xmlns:a16="http://schemas.microsoft.com/office/drawing/2014/main" id="{DCBEF49B-8ADB-4CD3-A713-E494B62D0F31}"/>
+              </a:ext>
+            </a:extLst>
+          </p:cNvPr>
+          <p:cNvSpPr txBox="1"/>
+          <p:nvPr/>
+        </p:nvSpPr>
+        <p:spPr>
+          <a:xfrm>
+            <a:off x="1342103" y="5954673"/>
+            <a:ext cx="6459794" cy="400110"/>
+          </a:xfrm>
+          <a:prstGeom prst="rect">
+            <a:avLst/>
+          </a:prstGeom>
+          <a:noFill/>
+        </p:spPr>
+        <p:txBody>
+          <a:bodyPr wrap="square" rtlCol="0">
+            <a:spAutoFit/>
+          </a:bodyPr>
+          <a:lstStyle/>
+          <a:p>
+            <a:r>
+              <a:rPr lang="vi-VN" sz="2000" b="1"/>
+              <a:t>https://github.com/tiennvuit/CS112.L11.KHTN</a:t>
+            </a:r>
+          </a:p>
+        </p:txBody>
+      </p:sp>
+    </p:spTree>
+  </p:cSld>
+  <p:clrMapOvr>
+    <a:masterClrMapping/>
+  </p:clrMapOvr>
+</p:sld>
+</file>
+
+<file path=ppt/slides/slide20.xml><?xml version="1.0" encoding="utf-8"?>
+<p:sld xmlns:a="http://schemas.openxmlformats.org/drawingml/2006/main" xmlns:r="http://schemas.openxmlformats.org/officeDocument/2006/relationships" xmlns:p="http://schemas.openxmlformats.org/presentationml/2006/main" show="0">
   <p:cSld>
     <p:spTree>
       <p:nvGrpSpPr>
@@ -10906,7 +11940,7 @@
             </a:pPr>
             <a:fld id="{00000000-1234-1234-1234-123412341234}" type="slidenum">
               <a:rPr lang="en" smtClean="0"/>
-              <a:t>18</a:t>
+              <a:t>20</a:t>
             </a:fld>
             <a:endParaRPr lang="en"/>
           </a:p>
@@ -10970,8 +12004,8 @@
 </p:sld>
 </file>
 
-<file path=ppt/slides/slide19.xml><?xml version="1.0" encoding="utf-8"?>
-<p:sld xmlns:a="http://schemas.openxmlformats.org/drawingml/2006/main" xmlns:r="http://schemas.openxmlformats.org/officeDocument/2006/relationships" xmlns:p="http://schemas.openxmlformats.org/presentationml/2006/main">
+<file path=ppt/slides/slide21.xml><?xml version="1.0" encoding="utf-8"?>
+<p:sld xmlns:a="http://schemas.openxmlformats.org/drawingml/2006/main" xmlns:r="http://schemas.openxmlformats.org/officeDocument/2006/relationships" xmlns:p="http://schemas.openxmlformats.org/presentationml/2006/main" show="0">
   <p:cSld>
     <p:spTree>
       <p:nvGrpSpPr>
@@ -11216,14 +12250,14 @@
             </a:pPr>
             <a:fld id="{00000000-1234-1234-1234-123412341234}" type="slidenum">
               <a:rPr lang="en" smtClean="0"/>
-              <a:t>19</a:t>
+              <a:t>21</a:t>
             </a:fld>
             <a:endParaRPr lang="en"/>
           </a:p>
         </p:txBody>
       </p:sp>
-      <mc:AlternateContent xmlns:mc="http://schemas.openxmlformats.org/markup-compatibility/2006">
-        <mc:Choice xmlns:a14="http://schemas.microsoft.com/office/drawing/2010/main" Requires="a14">
+      <mc:AlternateContent xmlns:mc="http://schemas.openxmlformats.org/markup-compatibility/2006" xmlns:a14="http://schemas.microsoft.com/office/drawing/2010/main">
+        <mc:Choice Requires="a14">
           <p:sp>
             <p:nvSpPr>
               <p:cNvPr id="4" name="TextBox 3">
@@ -11252,6 +12286,7 @@
               </a:bodyPr>
               <a:lstStyle/>
               <a:p>
+                <a:pPr/>
                 <a14:m>
                   <m:oMathPara xmlns:m="http://schemas.openxmlformats.org/officeDocument/2006/math">
                     <m:oMathParaPr>
@@ -11571,7 +12606,7 @@
             </p:txBody>
           </p:sp>
         </mc:Choice>
-        <mc:Fallback>
+        <mc:Fallback xmlns="">
           <p:sp>
             <p:nvSpPr>
               <p:cNvPr id="4" name="TextBox 3">
@@ -11616,8 +12651,8 @@
           </p:sp>
         </mc:Fallback>
       </mc:AlternateContent>
-      <mc:AlternateContent xmlns:mc="http://schemas.openxmlformats.org/markup-compatibility/2006">
-        <mc:Choice xmlns:a14="http://schemas.microsoft.com/office/drawing/2010/main" Requires="a14">
+      <mc:AlternateContent xmlns:mc="http://schemas.openxmlformats.org/markup-compatibility/2006" xmlns:a14="http://schemas.microsoft.com/office/drawing/2010/main">
+        <mc:Choice Requires="a14">
           <p:sp>
             <p:nvSpPr>
               <p:cNvPr id="18" name="TextBox 17">
@@ -11646,6 +12681,7 @@
               </a:bodyPr>
               <a:lstStyle/>
               <a:p>
+                <a:pPr/>
                 <a14:m>
                   <m:oMathPara xmlns:m="http://schemas.openxmlformats.org/officeDocument/2006/math">
                     <m:oMathParaPr>
@@ -11952,7 +12988,7 @@
             </p:txBody>
           </p:sp>
         </mc:Choice>
-        <mc:Fallback>
+        <mc:Fallback xmlns="">
           <p:sp>
             <p:nvSpPr>
               <p:cNvPr id="18" name="TextBox 17">
@@ -11997,8 +13033,8 @@
           </p:sp>
         </mc:Fallback>
       </mc:AlternateContent>
-      <mc:AlternateContent xmlns:mc="http://schemas.openxmlformats.org/markup-compatibility/2006">
-        <mc:Choice xmlns:a14="http://schemas.microsoft.com/office/drawing/2010/main" Requires="a14">
+      <mc:AlternateContent xmlns:mc="http://schemas.openxmlformats.org/markup-compatibility/2006" xmlns:a14="http://schemas.microsoft.com/office/drawing/2010/main">
+        <mc:Choice Requires="a14">
           <p:sp>
             <p:nvSpPr>
               <p:cNvPr id="5" name="TextBox 4">
@@ -12367,7 +13403,7 @@
             </p:txBody>
           </p:sp>
         </mc:Choice>
-        <mc:Fallback>
+        <mc:Fallback xmlns="">
           <p:sp>
             <p:nvSpPr>
               <p:cNvPr id="5" name="TextBox 4">
@@ -12412,8 +13448,8 @@
           </p:sp>
         </mc:Fallback>
       </mc:AlternateContent>
-      <mc:AlternateContent xmlns:mc="http://schemas.openxmlformats.org/markup-compatibility/2006">
-        <mc:Choice xmlns:a14="http://schemas.microsoft.com/office/drawing/2010/main" Requires="a14">
+      <mc:AlternateContent xmlns:mc="http://schemas.openxmlformats.org/markup-compatibility/2006" xmlns:a14="http://schemas.microsoft.com/office/drawing/2010/main">
+        <mc:Choice Requires="a14">
           <p:sp>
             <p:nvSpPr>
               <p:cNvPr id="20" name="TextBox 19">
@@ -12608,7 +13644,7 @@
             </p:txBody>
           </p:sp>
         </mc:Choice>
-        <mc:Fallback>
+        <mc:Fallback xmlns="">
           <p:sp>
             <p:nvSpPr>
               <p:cNvPr id="20" name="TextBox 19">
@@ -12737,262 +13773,8 @@
 </p:sld>
 </file>
 
-<file path=ppt/slides/slide2.xml><?xml version="1.0" encoding="utf-8"?>
-<p:sld xmlns:a="http://schemas.openxmlformats.org/drawingml/2006/main" xmlns:r="http://schemas.openxmlformats.org/officeDocument/2006/relationships" xmlns:p="http://schemas.openxmlformats.org/presentationml/2006/main">
-  <p:cSld>
-    <p:spTree>
-      <p:nvGrpSpPr>
-        <p:cNvPr id="1" name="Shape 64"/>
-        <p:cNvGrpSpPr/>
-        <p:nvPr/>
-      </p:nvGrpSpPr>
-      <p:grpSpPr>
-        <a:xfrm>
-          <a:off x="0" y="0"/>
-          <a:ext cx="0" cy="0"/>
-          <a:chOff x="0" y="0"/>
-          <a:chExt cx="0" cy="0"/>
-        </a:xfrm>
-      </p:grpSpPr>
-      <p:sp>
-        <p:nvSpPr>
-          <p:cNvPr id="65" name="Google Shape;65;p14"/>
-          <p:cNvSpPr txBox="1">
-            <a:spLocks noGrp="1"/>
-          </p:cNvSpPr>
-          <p:nvPr>
-            <p:ph type="title"/>
-          </p:nvPr>
-        </p:nvSpPr>
-        <p:spPr>
-          <a:xfrm>
-            <a:off x="311700" y="288567"/>
-            <a:ext cx="8520600" cy="763500"/>
-          </a:xfrm>
-          <a:prstGeom prst="rect">
-            <a:avLst/>
-          </a:prstGeom>
-        </p:spPr>
-        <p:txBody>
-          <a:bodyPr spcFirstLastPara="1" wrap="square" lIns="91425" tIns="91425" rIns="91425" bIns="91425" anchor="t" anchorCtr="0">
-            <a:noAutofit/>
-          </a:bodyPr>
-          <a:lstStyle/>
-          <a:p>
-            <a:pPr marL="0" lvl="0" indent="0" algn="l" rtl="0">
-              <a:spcBef>
-                <a:spcPts val="0"/>
-              </a:spcBef>
-              <a:spcAft>
-                <a:spcPts val="0"/>
-              </a:spcAft>
-              <a:buNone/>
-            </a:pPr>
-            <a:r>
-              <a:rPr lang="en"/>
-              <a:t>Thông tin nhóm</a:t>
-            </a:r>
-            <a:endParaRPr/>
-          </a:p>
-        </p:txBody>
-      </p:sp>
-      <p:sp>
-        <p:nvSpPr>
-          <p:cNvPr id="66" name="Google Shape;66;p14"/>
-          <p:cNvSpPr txBox="1">
-            <a:spLocks noGrp="1"/>
-          </p:cNvSpPr>
-          <p:nvPr>
-            <p:ph type="body" idx="1"/>
-          </p:nvPr>
-        </p:nvSpPr>
-        <p:spPr>
-          <a:xfrm>
-            <a:off x="311700" y="1536633"/>
-            <a:ext cx="8520600" cy="4555200"/>
-          </a:xfrm>
-          <a:prstGeom prst="rect">
-            <a:avLst/>
-          </a:prstGeom>
-        </p:spPr>
-        <p:txBody>
-          <a:bodyPr spcFirstLastPara="1" wrap="square" lIns="91425" tIns="91425" rIns="91425" bIns="91425" anchor="t" anchorCtr="0">
-            <a:noAutofit/>
-          </a:bodyPr>
-          <a:lstStyle/>
-          <a:p>
-            <a:pPr marL="457200" lvl="0" indent="-355600" algn="l" rtl="0">
-              <a:spcBef>
-                <a:spcPts val="0"/>
-              </a:spcBef>
-              <a:spcAft>
-                <a:spcPts val="0"/>
-              </a:spcAft>
-              <a:buSzPts val="2000"/>
-              <a:buAutoNum type="arabicPeriod"/>
-            </a:pPr>
-            <a:r>
-              <a:rPr lang="en" sz="2000"/>
-              <a:t>Nguyễn Phú Quốc</a:t>
-            </a:r>
-            <a:endParaRPr sz="2000"/>
-          </a:p>
-          <a:p>
-            <a:pPr marL="914400" lvl="0" indent="0" algn="l" rtl="0">
-              <a:spcBef>
-                <a:spcPts val="1600"/>
-              </a:spcBef>
-              <a:spcAft>
-                <a:spcPts val="0"/>
-              </a:spcAft>
-              <a:buNone/>
-            </a:pPr>
-            <a:r>
-              <a:rPr lang="en" sz="2000" i="1">
-                <a:solidFill>
-                  <a:srgbClr val="434343"/>
-                </a:solidFill>
-              </a:rPr>
-              <a:t>18520343 - KHTN2018</a:t>
-            </a:r>
-            <a:endParaRPr sz="2000" i="1">
-              <a:solidFill>
-                <a:srgbClr val="434343"/>
-              </a:solidFill>
-            </a:endParaRPr>
-          </a:p>
-          <a:p>
-            <a:pPr marL="457200" lvl="0" indent="-355600" algn="l" rtl="0">
-              <a:spcBef>
-                <a:spcPts val="1600"/>
-              </a:spcBef>
-              <a:spcAft>
-                <a:spcPts val="0"/>
-              </a:spcAft>
-              <a:buSzPts val="2000"/>
-              <a:buAutoNum type="arabicPeriod"/>
-            </a:pPr>
-            <a:r>
-              <a:rPr lang="en" sz="2000"/>
-              <a:t>Trần Trung Anh</a:t>
-            </a:r>
-            <a:endParaRPr sz="2000"/>
-          </a:p>
-          <a:p>
-            <a:pPr marL="914400" lvl="0" indent="0" algn="l" rtl="0">
-              <a:spcBef>
-                <a:spcPts val="1600"/>
-              </a:spcBef>
-              <a:spcAft>
-                <a:spcPts val="0"/>
-              </a:spcAft>
-              <a:buNone/>
-            </a:pPr>
-            <a:r>
-              <a:rPr lang="en" sz="2000" i="1">
-                <a:solidFill>
-                  <a:srgbClr val="434343"/>
-                </a:solidFill>
-              </a:rPr>
-              <a:t>18520473 - KHTN2018</a:t>
-            </a:r>
-            <a:endParaRPr sz="2000" i="1">
-              <a:solidFill>
-                <a:srgbClr val="434343"/>
-              </a:solidFill>
-            </a:endParaRPr>
-          </a:p>
-          <a:p>
-            <a:pPr marL="457200" lvl="0" indent="-355600" algn="l" rtl="0">
-              <a:spcBef>
-                <a:spcPts val="1600"/>
-              </a:spcBef>
-              <a:spcAft>
-                <a:spcPts val="0"/>
-              </a:spcAft>
-              <a:buSzPts val="2000"/>
-              <a:buAutoNum type="arabicPeriod"/>
-            </a:pPr>
-            <a:r>
-              <a:rPr lang="en" sz="2000"/>
-              <a:t>Nguyễn Văn Tiến</a:t>
-            </a:r>
-            <a:endParaRPr sz="2000"/>
-          </a:p>
-          <a:p>
-            <a:pPr marL="914400" lvl="0" indent="0" algn="l" rtl="0">
-              <a:spcBef>
-                <a:spcPts val="1600"/>
-              </a:spcBef>
-              <a:spcAft>
-                <a:spcPts val="1600"/>
-              </a:spcAft>
-              <a:buNone/>
-            </a:pPr>
-            <a:r>
-              <a:rPr lang="en" sz="2000" i="1">
-                <a:solidFill>
-                  <a:srgbClr val="434343"/>
-                </a:solidFill>
-              </a:rPr>
-              <a:t>18521489 - KHTN2018</a:t>
-            </a:r>
-            <a:endParaRPr sz="2000" i="1">
-              <a:solidFill>
-                <a:srgbClr val="434343"/>
-              </a:solidFill>
-            </a:endParaRPr>
-          </a:p>
-        </p:txBody>
-      </p:sp>
-      <p:sp>
-        <p:nvSpPr>
-          <p:cNvPr id="2" name="Slide Number Placeholder 1">
-            <a:extLst>
-              <a:ext uri="{FF2B5EF4-FFF2-40B4-BE49-F238E27FC236}">
-                <a16:creationId xmlns:a16="http://schemas.microsoft.com/office/drawing/2014/main" id="{2E777B5E-6540-4E96-A562-459C1DA42421}"/>
-              </a:ext>
-            </a:extLst>
-          </p:cNvPr>
-          <p:cNvSpPr>
-            <a:spLocks noGrp="1"/>
-          </p:cNvSpPr>
-          <p:nvPr>
-            <p:ph type="sldNum" idx="12"/>
-          </p:nvPr>
-        </p:nvSpPr>
-        <p:spPr/>
-        <p:txBody>
-          <a:bodyPr/>
-          <a:lstStyle/>
-          <a:p>
-            <a:pPr marL="0" lvl="0" indent="0" algn="r" rtl="0">
-              <a:spcBef>
-                <a:spcPts val="0"/>
-              </a:spcBef>
-              <a:spcAft>
-                <a:spcPts val="0"/>
-              </a:spcAft>
-              <a:buNone/>
-            </a:pPr>
-            <a:fld id="{00000000-1234-1234-1234-123412341234}" type="slidenum">
-              <a:rPr lang="en" smtClean="0"/>
-              <a:t>2</a:t>
-            </a:fld>
-            <a:endParaRPr lang="en"/>
-          </a:p>
-        </p:txBody>
-      </p:sp>
-    </p:spTree>
-  </p:cSld>
-  <p:clrMapOvr>
-    <a:masterClrMapping/>
-  </p:clrMapOvr>
-</p:sld>
-</file>
-
-<file path=ppt/slides/slide20.xml><?xml version="1.0" encoding="utf-8"?>
-<p:sld xmlns:a="http://schemas.openxmlformats.org/drawingml/2006/main" xmlns:r="http://schemas.openxmlformats.org/officeDocument/2006/relationships" xmlns:p="http://schemas.openxmlformats.org/presentationml/2006/main">
+<file path=ppt/slides/slide22.xml><?xml version="1.0" encoding="utf-8"?>
+<p:sld xmlns:a="http://schemas.openxmlformats.org/drawingml/2006/main" xmlns:r="http://schemas.openxmlformats.org/officeDocument/2006/relationships" xmlns:p="http://schemas.openxmlformats.org/presentationml/2006/main" show="0">
   <p:cSld>
     <p:spTree>
       <p:nvGrpSpPr>
@@ -13082,7 +13864,7 @@
             </a:pPr>
             <a:fld id="{00000000-1234-1234-1234-123412341234}" type="slidenum">
               <a:rPr lang="en" smtClean="0"/>
-              <a:t>20</a:t>
+              <a:t>22</a:t>
             </a:fld>
             <a:endParaRPr lang="en"/>
           </a:p>
@@ -13211,8 +13993,8 @@
           </a:p>
         </p:txBody>
       </p:sp>
-      <mc:AlternateContent xmlns:mc="http://schemas.openxmlformats.org/markup-compatibility/2006">
-        <mc:Choice xmlns:a14="http://schemas.microsoft.com/office/drawing/2010/main" Requires="a14">
+      <mc:AlternateContent xmlns:mc="http://schemas.openxmlformats.org/markup-compatibility/2006" xmlns:a14="http://schemas.microsoft.com/office/drawing/2010/main">
+        <mc:Choice Requires="a14">
           <p:sp>
             <p:nvSpPr>
               <p:cNvPr id="3" name="TextBox 2">
@@ -13342,7 +14124,7 @@
             </p:txBody>
           </p:sp>
         </mc:Choice>
-        <mc:Fallback>
+        <mc:Fallback xmlns="">
           <p:sp>
             <p:nvSpPr>
               <p:cNvPr id="3" name="TextBox 2">
@@ -13400,7 +14182,7 @@
 </p:sld>
 </file>
 
-<file path=ppt/slides/slide21.xml><?xml version="1.0" encoding="utf-8"?>
+<file path=ppt/slides/slide23.xml><?xml version="1.0" encoding="utf-8"?>
 <p:sld xmlns:a="http://schemas.openxmlformats.org/drawingml/2006/main" xmlns:r="http://schemas.openxmlformats.org/officeDocument/2006/relationships" xmlns:p="http://schemas.openxmlformats.org/presentationml/2006/main">
   <p:cSld>
     <p:spTree>
@@ -13516,21 +14298,22 @@
             </a:pPr>
             <a:r>
               <a:rPr lang="en" sz="2000"/>
-              <a:t>Có thể giải quyết những vấn đề khó.</a:t>
+              <a:t>Có thể giải quyết những vấn đề khó với độ phức tạp không quá lớn.</a:t>
             </a:r>
             <a:endParaRPr sz="2000"/>
           </a:p>
           <a:p>
-            <a:pPr marL="457200" lvl="0" indent="0" algn="l" rtl="0">
+            <a:pPr marL="457200" lvl="0" indent="-355600" algn="l" rtl="0">
               <a:spcBef>
                 <a:spcPts val="1600"/>
               </a:spcBef>
               <a:spcAft>
                 <a:spcPts val="0"/>
               </a:spcAft>
-              <a:buNone/>
-            </a:pPr>
-            <a:endParaRPr sz="1900"/>
+              <a:buSzPts val="2000"/>
+              <a:buChar char="●"/>
+            </a:pPr>
+            <a:endParaRPr lang="vi-VN" sz="2000"/>
           </a:p>
           <a:p>
             <a:pPr marL="457200" lvl="0" indent="-355600" algn="l" rtl="0">
@@ -13550,18 +14333,6 @@
             <a:endParaRPr sz="2000"/>
           </a:p>
           <a:p>
-            <a:pPr marL="457200" lvl="0" indent="0" algn="l" rtl="0">
-              <a:spcBef>
-                <a:spcPts val="1600"/>
-              </a:spcBef>
-              <a:spcAft>
-                <a:spcPts val="0"/>
-              </a:spcAft>
-              <a:buNone/>
-            </a:pPr>
-            <a:endParaRPr sz="2000"/>
-          </a:p>
-          <a:p>
             <a:pPr marL="457200" lvl="0" indent="-342900" algn="l" rtl="0">
               <a:spcBef>
                 <a:spcPts val="1600"/>
@@ -13575,8 +14346,28 @@
               <a:buSzPts val="1800"/>
               <a:buChar char="●"/>
             </a:pPr>
+            <a:endParaRPr lang="vi-VN" sz="2000">
+              <a:solidFill>
+                <a:schemeClr val="dk1"/>
+              </a:solidFill>
+            </a:endParaRPr>
+          </a:p>
+          <a:p>
+            <a:pPr marL="457200" lvl="0" indent="-342900" algn="l" rtl="0">
+              <a:spcBef>
+                <a:spcPts val="1600"/>
+              </a:spcBef>
+              <a:spcAft>
+                <a:spcPts val="0"/>
+              </a:spcAft>
+              <a:buClr>
+                <a:schemeClr val="dk1"/>
+              </a:buClr>
+              <a:buSzPts val="1800"/>
+              <a:buChar char="●"/>
+            </a:pPr>
             <a:r>
-              <a:rPr lang="en">
+              <a:rPr lang="en" sz="2000">
                 <a:solidFill>
                   <a:schemeClr val="dk1"/>
                 </a:solidFill>
@@ -13643,7 +14434,7 @@
             </a:pPr>
             <a:fld id="{00000000-1234-1234-1234-123412341234}" type="slidenum">
               <a:rPr lang="en" smtClean="0"/>
-              <a:t>21</a:t>
+              <a:t>23</a:t>
             </a:fld>
             <a:endParaRPr lang="en"/>
           </a:p>
@@ -13657,7 +14448,7 @@
 </p:sld>
 </file>
 
-<file path=ppt/slides/slide22.xml><?xml version="1.0" encoding="utf-8"?>
+<file path=ppt/slides/slide24.xml><?xml version="1.0" encoding="utf-8"?>
 <p:sld xmlns:a="http://schemas.openxmlformats.org/drawingml/2006/main" xmlns:r="http://schemas.openxmlformats.org/officeDocument/2006/relationships" xmlns:p="http://schemas.openxmlformats.org/presentationml/2006/main">
   <p:cSld>
     <p:spTree>
@@ -13686,8 +14477,8 @@
         </p:nvSpPr>
         <p:spPr>
           <a:xfrm>
-            <a:off x="311700" y="1536633"/>
-            <a:ext cx="8520600" cy="4555200"/>
+            <a:off x="311700" y="1184821"/>
+            <a:ext cx="8520600" cy="5384611"/>
           </a:xfrm>
           <a:prstGeom prst="rect">
             <a:avLst/>
@@ -13709,14 +14500,14 @@
               <a:buNone/>
             </a:pPr>
             <a:r>
-              <a:rPr lang="en" dirty="0"/>
+              <a:rPr lang="en" sz="2000" dirty="0"/>
               <a:t>	</a:t>
             </a:r>
             <a:r>
-              <a:rPr lang="en" sz="2500" b="1" dirty="0"/>
+              <a:rPr lang="en" sz="2800" b="1" dirty="0"/>
               <a:t>Nhược điểm</a:t>
             </a:r>
-            <a:endParaRPr sz="2500" b="1" dirty="0"/>
+            <a:endParaRPr sz="2800" b="1" dirty="0"/>
           </a:p>
           <a:p>
             <a:pPr marL="457200" lvl="0" indent="-342900" algn="l" rtl="0">
@@ -13730,22 +14521,14 @@
               <a:buChar char="●"/>
             </a:pPr>
             <a:r>
-              <a:rPr lang="en" dirty="0"/>
-              <a:t>Cài đặt đệ quy khiến chương trình thực thi chậm và dễ xảy ra lỗi.</a:t>
+              <a:rPr lang="en" sz="2000" dirty="0"/>
+              <a:t>Cài đặt đệ quy khiến chương trình thực thi chậm và dễ xảy ra </a:t>
             </a:r>
-            <a:endParaRPr dirty="0"/>
-          </a:p>
-          <a:p>
-            <a:pPr marL="457200" lvl="0" indent="0" algn="l" rtl="0">
-              <a:spcBef>
-                <a:spcPts val="1600"/>
-              </a:spcBef>
-              <a:spcAft>
-                <a:spcPts val="0"/>
-              </a:spcAft>
-              <a:buNone/>
-            </a:pPr>
-            <a:endParaRPr dirty="0"/>
+            <a:r>
+              <a:rPr lang="en" sz="2000"/>
+              <a:t>lỗi.</a:t>
+            </a:r>
+            <a:endParaRPr sz="2000" dirty="0"/>
           </a:p>
           <a:p>
             <a:pPr marL="457200" lvl="0" indent="-342900" algn="l" rtl="0">
@@ -13758,23 +14541,7 @@
               <a:buSzPts val="1800"/>
               <a:buChar char="●"/>
             </a:pPr>
-            <a:r>
-              <a:rPr lang="en" dirty="0"/>
-              <a:t>Có thể cần thêm bộ nhớ để lưu trữ tạm các phần chia nhỏ.</a:t>
-            </a:r>
-            <a:endParaRPr dirty="0"/>
-          </a:p>
-          <a:p>
-            <a:pPr marL="457200" lvl="0" indent="0" algn="l" rtl="0">
-              <a:spcBef>
-                <a:spcPts val="1600"/>
-              </a:spcBef>
-              <a:spcAft>
-                <a:spcPts val="0"/>
-              </a:spcAft>
-              <a:buNone/>
-            </a:pPr>
-            <a:endParaRPr dirty="0"/>
+            <a:endParaRPr lang="vi-VN" sz="2000"/>
           </a:p>
           <a:p>
             <a:pPr marL="457200" lvl="0" indent="-342900" algn="l" rtl="0">
@@ -13788,22 +14555,18 @@
               <a:buChar char="●"/>
             </a:pPr>
             <a:r>
-              <a:rPr lang="en" dirty="0"/>
-              <a:t>Khó khăn trong việc lựa chọn điều kiện dừng.</a:t>
+              <a:rPr lang="en" sz="2000"/>
+              <a:t>Có </a:t>
             </a:r>
-            <a:endParaRPr dirty="0"/>
-          </a:p>
-          <a:p>
-            <a:pPr marL="457200" lvl="0" indent="0" algn="l" rtl="0">
-              <a:spcBef>
-                <a:spcPts val="1600"/>
-              </a:spcBef>
-              <a:spcAft>
-                <a:spcPts val="0"/>
-              </a:spcAft>
-              <a:buNone/>
-            </a:pPr>
-            <a:endParaRPr dirty="0"/>
+            <a:r>
+              <a:rPr lang="en" sz="2000" dirty="0"/>
+              <a:t>thể cần thêm bộ nhớ để lưu trữ tạm các phần chia </a:t>
+            </a:r>
+            <a:r>
+              <a:rPr lang="en" sz="2000"/>
+              <a:t>nhỏ.</a:t>
+            </a:r>
+            <a:endParaRPr sz="2000" dirty="0"/>
           </a:p>
           <a:p>
             <a:pPr marL="457200" lvl="0" indent="-342900" algn="l" rtl="0">
@@ -13816,47 +14579,70 @@
               <a:buSzPts val="1800"/>
               <a:buChar char="●"/>
             </a:pPr>
+            <a:endParaRPr lang="vi-VN" sz="2000"/>
+          </a:p>
+          <a:p>
+            <a:pPr marL="457200" lvl="0" indent="-342900" algn="l" rtl="0">
+              <a:spcBef>
+                <a:spcPts val="1600"/>
+              </a:spcBef>
+              <a:spcAft>
+                <a:spcPts val="0"/>
+              </a:spcAft>
+              <a:buSzPts val="1800"/>
+              <a:buChar char="●"/>
+            </a:pPr>
             <a:r>
-              <a:rPr lang="en" dirty="0"/>
-              <a:t>Các vấn đề con có thể trùng lặp.</a:t>
+              <a:rPr lang="en" sz="2000"/>
+              <a:t>Khó </a:t>
             </a:r>
-            <a:endParaRPr dirty="0"/>
-          </a:p>
-          <a:p>
-            <a:pPr marL="0" lvl="0" indent="0" algn="l" rtl="0">
+            <a:r>
+              <a:rPr lang="en" sz="2000" dirty="0"/>
+              <a:t>khăn trong việc lựa chọn điều kiện </a:t>
+            </a:r>
+            <a:r>
+              <a:rPr lang="en" sz="2000"/>
+              <a:t>dừng.</a:t>
+            </a:r>
+            <a:endParaRPr sz="2000" dirty="0"/>
+          </a:p>
+          <a:p>
+            <a:pPr marL="457200" lvl="0" indent="-342900" algn="l" rtl="0">
               <a:spcBef>
                 <a:spcPts val="1600"/>
               </a:spcBef>
               <a:spcAft>
                 <a:spcPts val="0"/>
               </a:spcAft>
-              <a:buNone/>
-            </a:pPr>
-            <a:endParaRPr dirty="0"/>
-          </a:p>
-          <a:p>
-            <a:pPr marL="0" lvl="0" indent="0" algn="l" rtl="0">
+              <a:buSzPts val="1800"/>
+              <a:buChar char="●"/>
+            </a:pPr>
+            <a:endParaRPr lang="vi-VN" sz="2000"/>
+          </a:p>
+          <a:p>
+            <a:pPr marL="457200" lvl="0" indent="-342900" algn="l" rtl="0">
               <a:spcBef>
                 <a:spcPts val="1600"/>
               </a:spcBef>
               <a:spcAft>
                 <a:spcPts val="0"/>
               </a:spcAft>
-              <a:buNone/>
-            </a:pPr>
-            <a:endParaRPr dirty="0"/>
-          </a:p>
-          <a:p>
-            <a:pPr marL="0" lvl="0" indent="0" algn="l" rtl="0">
-              <a:spcBef>
-                <a:spcPts val="1600"/>
-              </a:spcBef>
-              <a:spcAft>
-                <a:spcPts val="1600"/>
-              </a:spcAft>
-              <a:buNone/>
-            </a:pPr>
-            <a:endParaRPr dirty="0"/>
+              <a:buSzPts val="1800"/>
+              <a:buChar char="●"/>
+            </a:pPr>
+            <a:r>
+              <a:rPr lang="en" sz="2000"/>
+              <a:t>Các </a:t>
+            </a:r>
+            <a:r>
+              <a:rPr lang="en" sz="2000" dirty="0"/>
+              <a:t>vấn đề con có thể trùng </a:t>
+            </a:r>
+            <a:r>
+              <a:rPr lang="en" sz="2000"/>
+              <a:t>lặp.</a:t>
+            </a:r>
+            <a:endParaRPr sz="2000" dirty="0"/>
           </a:p>
         </p:txBody>
       </p:sp>
@@ -13934,7 +14720,7 @@
             </a:pPr>
             <a:fld id="{00000000-1234-1234-1234-123412341234}" type="slidenum">
               <a:rPr lang="en" smtClean="0"/>
-              <a:t>22</a:t>
+              <a:t>24</a:t>
             </a:fld>
             <a:endParaRPr lang="en"/>
           </a:p>
@@ -13948,7 +14734,7 @@
 </p:sld>
 </file>
 
-<file path=ppt/slides/slide23.xml><?xml version="1.0" encoding="utf-8"?>
+<file path=ppt/slides/slide25.xml><?xml version="1.0" encoding="utf-8"?>
 <p:sld xmlns:a="http://schemas.openxmlformats.org/drawingml/2006/main" xmlns:r="http://schemas.openxmlformats.org/officeDocument/2006/relationships" xmlns:p="http://schemas.openxmlformats.org/presentationml/2006/main">
   <p:cSld>
     <p:spTree>
@@ -14039,7 +14825,7 @@
             </a:pPr>
             <a:fld id="{00000000-1234-1234-1234-123412341234}" type="slidenum">
               <a:rPr lang="en" smtClean="0"/>
-              <a:t>23</a:t>
+              <a:t>25</a:t>
             </a:fld>
             <a:endParaRPr lang="en"/>
           </a:p>
@@ -14075,30 +14861,56 @@
               <a:buAutoNum type="arabicPeriod"/>
             </a:pPr>
             <a:r>
-              <a:rPr lang="vi-VN" sz="2200" dirty="0"/>
-              <a:t>Chia thành một số bài toán con là các trường hợp nhỏ hơn của cùng một bài toán.</a:t>
+              <a:rPr lang="vi-VN" sz="2000" dirty="0"/>
+              <a:t>Chia thành một số bài toán con là các trường hợp nhỏ hơn của cùng một bài </a:t>
             </a:r>
-            <a:endParaRPr lang="en-US" sz="2200" dirty="0"/>
+            <a:r>
+              <a:rPr lang="vi-VN" sz="2000"/>
+              <a:t>toán.</a:t>
+            </a:r>
           </a:p>
           <a:p>
             <a:pPr marL="571500" indent="-457200">
               <a:buAutoNum type="arabicPeriod"/>
             </a:pPr>
-            <a:r>
-              <a:rPr lang="vi-VN" sz="2200" dirty="0"/>
-              <a:t>Mỗi bài toán con có thể được giải một cách đệ quy, về cơ bản có nghĩa là mỗi trường hợp của bài toán con có bản chất giống hệt nhau.</a:t>
-            </a:r>
-            <a:endParaRPr lang="en-US" sz="2200" dirty="0"/>
+            <a:endParaRPr lang="en-US" sz="2000" dirty="0"/>
           </a:p>
           <a:p>
             <a:pPr marL="571500" indent="-457200">
               <a:buAutoNum type="arabicPeriod"/>
             </a:pPr>
             <a:r>
-              <a:rPr lang="vi-VN" sz="2200" dirty="0"/>
+              <a:rPr lang="vi-VN" sz="2000" dirty="0"/>
+              <a:t>Mỗi bài toán con có thể được giải một cách </a:t>
+            </a:r>
+            <a:r>
+              <a:rPr lang="vi-VN" sz="2000"/>
+              <a:t>đệ quy (mỗi </a:t>
+            </a:r>
+            <a:r>
+              <a:rPr lang="vi-VN" sz="2000" dirty="0"/>
+              <a:t>trường hợp của bài toán con có bản chất giống </a:t>
+            </a:r>
+            <a:r>
+              <a:rPr lang="vi-VN" sz="2000"/>
+              <a:t>hệt nhau).</a:t>
+            </a:r>
+          </a:p>
+          <a:p>
+            <a:pPr marL="571500" indent="-457200">
+              <a:buAutoNum type="arabicPeriod"/>
+            </a:pPr>
+            <a:endParaRPr lang="en-US" sz="2000" dirty="0"/>
+          </a:p>
+          <a:p>
+            <a:pPr marL="571500" indent="-457200">
+              <a:buAutoNum type="arabicPeriod"/>
+            </a:pPr>
+            <a:r>
+              <a:rPr lang="vi-VN" sz="2000" dirty="0"/>
               <a:t>Các giải pháp của mỗi bài toán con có thể được kết hợp để giải quyết vấn đề trong tầm tay.</a:t>
             </a:r>
-            <a:endParaRPr lang="en-US" sz="2200" dirty="0"/>
+            <a:endParaRPr lang="en-US" sz="2000" dirty="0"/>
           </a:p>
         </p:txBody>
       </p:sp>
@@ -14115,7 +14927,7 @@
 </p:sld>
 </file>
 
-<file path=ppt/slides/slide24.xml><?xml version="1.0" encoding="utf-8"?>
+<file path=ppt/slides/slide26.xml><?xml version="1.0" encoding="utf-8"?>
 <p:sld xmlns:a="http://schemas.openxmlformats.org/drawingml/2006/main" xmlns:r="http://schemas.openxmlformats.org/officeDocument/2006/relationships" xmlns:p="http://schemas.openxmlformats.org/presentationml/2006/main">
   <p:cSld>
     <p:spTree>
@@ -14174,127 +14986,503 @@
           </a:p>
         </p:txBody>
       </p:sp>
-      <p:sp>
-        <p:nvSpPr>
-          <p:cNvPr id="209" name="Google Shape;209;p34"/>
-          <p:cNvSpPr txBox="1">
-            <a:spLocks noGrp="1"/>
-          </p:cNvSpPr>
-          <p:nvPr>
-            <p:ph type="body" idx="1"/>
-          </p:nvPr>
-        </p:nvSpPr>
-        <p:spPr>
-          <a:xfrm>
-            <a:off x="311700" y="1735983"/>
-            <a:ext cx="8520600" cy="4555200"/>
-          </a:xfrm>
-          <a:prstGeom prst="rect">
-            <a:avLst/>
-          </a:prstGeom>
-        </p:spPr>
-        <p:txBody>
-          <a:bodyPr spcFirstLastPara="1" wrap="square" lIns="91425" tIns="91425" rIns="91425" bIns="91425" anchor="t" anchorCtr="0">
-            <a:noAutofit/>
-          </a:bodyPr>
-          <a:lstStyle/>
-          <a:p>
-            <a:pPr marL="0" lvl="0" indent="0" algn="l" rtl="0">
-              <a:spcBef>
-                <a:spcPts val="0"/>
-              </a:spcBef>
-              <a:spcAft>
-                <a:spcPts val="0"/>
-              </a:spcAft>
-              <a:buNone/>
-            </a:pPr>
-            <a:r>
-              <a:rPr lang="en" dirty="0"/>
-              <a:t>Gọi F(n) là số thứ n trong dãy số Fibonacci với:</a:t>
-            </a:r>
-            <a:endParaRPr dirty="0"/>
-          </a:p>
-          <a:p>
-            <a:pPr marL="457200" lvl="0" indent="-342900" algn="l" rtl="0">
-              <a:spcBef>
-                <a:spcPts val="1600"/>
-              </a:spcBef>
-              <a:spcAft>
-                <a:spcPts val="0"/>
-              </a:spcAft>
-              <a:buSzPts val="1800"/>
-              <a:buChar char="●"/>
-            </a:pPr>
-            <a:r>
-              <a:rPr lang="en" dirty="0"/>
-              <a:t>F(1) = 1</a:t>
-            </a:r>
-            <a:endParaRPr dirty="0"/>
-          </a:p>
-          <a:p>
-            <a:pPr marL="457200" lvl="0" indent="-342900" algn="l" rtl="0">
-              <a:spcBef>
-                <a:spcPts val="0"/>
-              </a:spcBef>
-              <a:spcAft>
-                <a:spcPts val="0"/>
-              </a:spcAft>
-              <a:buSzPts val="1800"/>
-              <a:buChar char="●"/>
-            </a:pPr>
-            <a:r>
-              <a:rPr lang="en" dirty="0"/>
-              <a:t>F(2) = 1</a:t>
-            </a:r>
-            <a:endParaRPr dirty="0"/>
-          </a:p>
-          <a:p>
-            <a:pPr marL="457200" lvl="0" indent="-342900" algn="l" rtl="0">
-              <a:spcBef>
-                <a:spcPts val="0"/>
-              </a:spcBef>
-              <a:spcAft>
-                <a:spcPts val="0"/>
-              </a:spcAft>
-              <a:buSzPts val="1800"/>
-              <a:buChar char="●"/>
-            </a:pPr>
-            <a:r>
-              <a:rPr lang="en" dirty="0"/>
-              <a:t>F(n) = F(n - 1) + F(n - 2)</a:t>
-            </a:r>
-            <a:endParaRPr dirty="0"/>
-          </a:p>
-          <a:p>
-            <a:pPr marL="0" lvl="0" indent="0" algn="l" rtl="0">
-              <a:spcBef>
-                <a:spcPts val="1600"/>
-              </a:spcBef>
-              <a:spcAft>
-                <a:spcPts val="0"/>
-              </a:spcAft>
-              <a:buNone/>
-            </a:pPr>
-            <a:r>
-              <a:rPr lang="en" dirty="0"/>
-              <a:t>Hãy tính F(n) mod 10^9 + 7, biết 1 &lt;= n &lt;= 10^18.</a:t>
-            </a:r>
-            <a:endParaRPr dirty="0"/>
-          </a:p>
-          <a:p>
-            <a:pPr marL="0" lvl="0" indent="0" algn="l" rtl="0">
-              <a:spcBef>
-                <a:spcPts val="1600"/>
-              </a:spcBef>
-              <a:spcAft>
-                <a:spcPts val="1600"/>
-              </a:spcAft>
-              <a:buNone/>
-            </a:pPr>
-            <a:endParaRPr dirty="0"/>
-          </a:p>
-        </p:txBody>
-      </p:sp>
+      <mc:AlternateContent xmlns:mc="http://schemas.openxmlformats.org/markup-compatibility/2006" xmlns:a14="http://schemas.microsoft.com/office/drawing/2010/main">
+        <mc:Choice Requires="a14">
+          <p:sp>
+            <p:nvSpPr>
+              <p:cNvPr id="209" name="Google Shape;209;p34"/>
+              <p:cNvSpPr txBox="1">
+                <a:spLocks noGrp="1"/>
+              </p:cNvSpPr>
+              <p:nvPr>
+                <p:ph type="body" idx="1"/>
+              </p:nvPr>
+            </p:nvSpPr>
+            <p:spPr>
+              <a:xfrm>
+                <a:off x="311700" y="1735983"/>
+                <a:ext cx="8520600" cy="4555200"/>
+              </a:xfrm>
+              <a:prstGeom prst="rect">
+                <a:avLst/>
+              </a:prstGeom>
+            </p:spPr>
+            <p:txBody>
+              <a:bodyPr spcFirstLastPara="1" wrap="square" lIns="91425" tIns="91425" rIns="91425" bIns="91425" anchor="t" anchorCtr="0">
+                <a:noAutofit/>
+              </a:bodyPr>
+              <a:lstStyle/>
+              <a:p>
+                <a:pPr marL="0" lvl="0" indent="0" algn="l" rtl="0">
+                  <a:spcBef>
+                    <a:spcPts val="0"/>
+                  </a:spcBef>
+                  <a:spcAft>
+                    <a:spcPts val="0"/>
+                  </a:spcAft>
+                  <a:buNone/>
+                </a:pPr>
+                <a:r>
+                  <a:rPr lang="vi-VN" dirty="0"/>
+                  <a:t>Gọi </a:t>
+                </a:r>
+                <a14:m>
+                  <m:oMath xmlns:m="http://schemas.openxmlformats.org/officeDocument/2006/math">
+                    <m:r>
+                      <a:rPr lang="vi-VN" i="1" dirty="0" smtClean="0">
+                        <a:latin typeface="Cambria Math" panose="02040503050406030204" pitchFamily="18" charset="0"/>
+                      </a:rPr>
+                      <m:t>𝐹</m:t>
+                    </m:r>
+                    <m:r>
+                      <a:rPr lang="vi-VN" i="1" dirty="0" smtClean="0">
+                        <a:latin typeface="Cambria Math" panose="02040503050406030204" pitchFamily="18" charset="0"/>
+                      </a:rPr>
+                      <m:t>(</m:t>
+                    </m:r>
+                    <m:r>
+                      <a:rPr lang="vi-VN" i="1" dirty="0" smtClean="0">
+                        <a:latin typeface="Cambria Math" panose="02040503050406030204" pitchFamily="18" charset="0"/>
+                      </a:rPr>
+                      <m:t>𝑛</m:t>
+                    </m:r>
+                    <m:r>
+                      <a:rPr lang="vi-VN" i="1" dirty="0" smtClean="0">
+                        <a:latin typeface="Cambria Math" panose="02040503050406030204" pitchFamily="18" charset="0"/>
+                      </a:rPr>
+                      <m:t>)</m:t>
+                    </m:r>
+                  </m:oMath>
+                </a14:m>
+                <a:r>
+                  <a:rPr lang="vi-VN" dirty="0"/>
+                  <a:t> là số thứ n trong dãy số Fibonacci với:</a:t>
+                </a:r>
+              </a:p>
+              <a:p>
+                <a:pPr marL="457200" lvl="0" indent="-342900" algn="l" rtl="0">
+                  <a:spcBef>
+                    <a:spcPts val="1600"/>
+                  </a:spcBef>
+                  <a:spcAft>
+                    <a:spcPts val="0"/>
+                  </a:spcAft>
+                  <a:buSzPts val="1800"/>
+                  <a:buChar char="●"/>
+                </a:pPr>
+                <a14:m>
+                  <m:oMath xmlns:m="http://schemas.openxmlformats.org/officeDocument/2006/math">
+                    <m:r>
+                      <a:rPr lang="vi-VN" i="1" dirty="0" smtClean="0">
+                        <a:latin typeface="Cambria Math" panose="02040503050406030204" pitchFamily="18" charset="0"/>
+                      </a:rPr>
+                      <m:t>𝐹</m:t>
+                    </m:r>
+                    <m:r>
+                      <a:rPr lang="vi-VN" i="1" dirty="0" smtClean="0">
+                        <a:latin typeface="Cambria Math" panose="02040503050406030204" pitchFamily="18" charset="0"/>
+                      </a:rPr>
+                      <m:t>(</m:t>
+                    </m:r>
+                    <m:r>
+                      <a:rPr lang="vi-VN" i="1" dirty="0" smtClean="0">
+                        <a:latin typeface="Cambria Math" panose="02040503050406030204" pitchFamily="18" charset="0"/>
+                      </a:rPr>
+                      <m:t>1</m:t>
+                    </m:r>
+                    <m:r>
+                      <a:rPr lang="vi-VN" i="1" dirty="0" smtClean="0">
+                        <a:latin typeface="Cambria Math" panose="02040503050406030204" pitchFamily="18" charset="0"/>
+                      </a:rPr>
+                      <m:t>) = </m:t>
+                    </m:r>
+                    <m:r>
+                      <a:rPr lang="vi-VN" i="1" dirty="0" smtClean="0">
+                        <a:latin typeface="Cambria Math" panose="02040503050406030204" pitchFamily="18" charset="0"/>
+                      </a:rPr>
+                      <m:t>1</m:t>
+                    </m:r>
+                  </m:oMath>
+                </a14:m>
+                <a:endParaRPr lang="vi-VN" dirty="0"/>
+              </a:p>
+              <a:p>
+                <a:pPr marL="457200" lvl="0" indent="-342900" algn="l" rtl="0">
+                  <a:spcBef>
+                    <a:spcPts val="0"/>
+                  </a:spcBef>
+                  <a:spcAft>
+                    <a:spcPts val="0"/>
+                  </a:spcAft>
+                  <a:buSzPts val="1800"/>
+                  <a:buChar char="●"/>
+                </a:pPr>
+                <a14:m>
+                  <m:oMath xmlns:m="http://schemas.openxmlformats.org/officeDocument/2006/math">
+                    <m:r>
+                      <a:rPr lang="vi-VN" i="1" dirty="0" smtClean="0">
+                        <a:latin typeface="Cambria Math" panose="02040503050406030204" pitchFamily="18" charset="0"/>
+                      </a:rPr>
+                      <m:t>𝐹</m:t>
+                    </m:r>
+                    <m:r>
+                      <a:rPr lang="vi-VN" i="1" dirty="0" smtClean="0">
+                        <a:latin typeface="Cambria Math" panose="02040503050406030204" pitchFamily="18" charset="0"/>
+                      </a:rPr>
+                      <m:t>(</m:t>
+                    </m:r>
+                    <m:r>
+                      <a:rPr lang="vi-VN" i="1" dirty="0" smtClean="0">
+                        <a:latin typeface="Cambria Math" panose="02040503050406030204" pitchFamily="18" charset="0"/>
+                      </a:rPr>
+                      <m:t>2</m:t>
+                    </m:r>
+                    <m:r>
+                      <a:rPr lang="vi-VN" i="1" dirty="0" smtClean="0">
+                        <a:latin typeface="Cambria Math" panose="02040503050406030204" pitchFamily="18" charset="0"/>
+                      </a:rPr>
+                      <m:t>) = </m:t>
+                    </m:r>
+                    <m:r>
+                      <a:rPr lang="vi-VN" i="1" dirty="0" smtClean="0">
+                        <a:latin typeface="Cambria Math" panose="02040503050406030204" pitchFamily="18" charset="0"/>
+                      </a:rPr>
+                      <m:t>1</m:t>
+                    </m:r>
+                  </m:oMath>
+                </a14:m>
+                <a:endParaRPr lang="vi-VN" dirty="0"/>
+              </a:p>
+              <a:p>
+                <a:pPr marL="457200" lvl="0" indent="-342900" algn="l" rtl="0">
+                  <a:spcBef>
+                    <a:spcPts val="0"/>
+                  </a:spcBef>
+                  <a:spcAft>
+                    <a:spcPts val="0"/>
+                  </a:spcAft>
+                  <a:buSzPts val="1800"/>
+                  <a:buChar char="●"/>
+                </a:pPr>
+                <a14:m>
+                  <m:oMath xmlns:m="http://schemas.openxmlformats.org/officeDocument/2006/math">
+                    <m:r>
+                      <a:rPr lang="vi-VN" i="1" dirty="0" smtClean="0">
+                        <a:latin typeface="Cambria Math" panose="02040503050406030204" pitchFamily="18" charset="0"/>
+                      </a:rPr>
+                      <m:t>𝐹</m:t>
+                    </m:r>
+                    <m:r>
+                      <a:rPr lang="vi-VN" i="1" dirty="0" smtClean="0">
+                        <a:latin typeface="Cambria Math" panose="02040503050406030204" pitchFamily="18" charset="0"/>
+                      </a:rPr>
+                      <m:t>(</m:t>
+                    </m:r>
+                    <m:r>
+                      <a:rPr lang="vi-VN" i="1" dirty="0" smtClean="0">
+                        <a:latin typeface="Cambria Math" panose="02040503050406030204" pitchFamily="18" charset="0"/>
+                      </a:rPr>
+                      <m:t>𝑛</m:t>
+                    </m:r>
+                    <m:r>
+                      <a:rPr lang="vi-VN" i="1" dirty="0" smtClean="0">
+                        <a:latin typeface="Cambria Math" panose="02040503050406030204" pitchFamily="18" charset="0"/>
+                      </a:rPr>
+                      <m:t>) = </m:t>
+                    </m:r>
+                    <m:r>
+                      <a:rPr lang="vi-VN" i="1" dirty="0" smtClean="0">
+                        <a:latin typeface="Cambria Math" panose="02040503050406030204" pitchFamily="18" charset="0"/>
+                      </a:rPr>
+                      <m:t>𝐹</m:t>
+                    </m:r>
+                    <m:r>
+                      <a:rPr lang="vi-VN" i="1" dirty="0" smtClean="0">
+                        <a:latin typeface="Cambria Math" panose="02040503050406030204" pitchFamily="18" charset="0"/>
+                      </a:rPr>
+                      <m:t>(</m:t>
+                    </m:r>
+                    <m:r>
+                      <a:rPr lang="vi-VN" i="1" dirty="0" smtClean="0">
+                        <a:latin typeface="Cambria Math" panose="02040503050406030204" pitchFamily="18" charset="0"/>
+                      </a:rPr>
+                      <m:t>𝑛</m:t>
+                    </m:r>
+                    <m:r>
+                      <a:rPr lang="vi-VN" i="1" dirty="0" smtClean="0">
+                        <a:latin typeface="Cambria Math" panose="02040503050406030204" pitchFamily="18" charset="0"/>
+                      </a:rPr>
+                      <m:t> − </m:t>
+                    </m:r>
+                    <m:r>
+                      <a:rPr lang="vi-VN" i="1" dirty="0" smtClean="0">
+                        <a:latin typeface="Cambria Math" panose="02040503050406030204" pitchFamily="18" charset="0"/>
+                      </a:rPr>
+                      <m:t>1</m:t>
+                    </m:r>
+                    <m:r>
+                      <a:rPr lang="vi-VN" i="1" dirty="0" smtClean="0">
+                        <a:latin typeface="Cambria Math" panose="02040503050406030204" pitchFamily="18" charset="0"/>
+                      </a:rPr>
+                      <m:t>) + </m:t>
+                    </m:r>
+                    <m:r>
+                      <a:rPr lang="vi-VN" i="1" dirty="0" smtClean="0">
+                        <a:latin typeface="Cambria Math" panose="02040503050406030204" pitchFamily="18" charset="0"/>
+                      </a:rPr>
+                      <m:t>𝐹</m:t>
+                    </m:r>
+                    <m:r>
+                      <a:rPr lang="vi-VN" i="1" dirty="0" smtClean="0">
+                        <a:latin typeface="Cambria Math" panose="02040503050406030204" pitchFamily="18" charset="0"/>
+                      </a:rPr>
+                      <m:t>(</m:t>
+                    </m:r>
+                    <m:r>
+                      <a:rPr lang="vi-VN" i="1" dirty="0" smtClean="0">
+                        <a:latin typeface="Cambria Math" panose="02040503050406030204" pitchFamily="18" charset="0"/>
+                      </a:rPr>
+                      <m:t>𝑛</m:t>
+                    </m:r>
+                    <m:r>
+                      <a:rPr lang="vi-VN" i="1" dirty="0" smtClean="0">
+                        <a:latin typeface="Cambria Math" panose="02040503050406030204" pitchFamily="18" charset="0"/>
+                      </a:rPr>
+                      <m:t> − </m:t>
+                    </m:r>
+                    <m:r>
+                      <a:rPr lang="vi-VN" i="1" dirty="0" smtClean="0">
+                        <a:latin typeface="Cambria Math" panose="02040503050406030204" pitchFamily="18" charset="0"/>
+                      </a:rPr>
+                      <m:t>2</m:t>
+                    </m:r>
+                    <m:r>
+                      <a:rPr lang="vi-VN" i="1" dirty="0" smtClean="0">
+                        <a:latin typeface="Cambria Math" panose="02040503050406030204" pitchFamily="18" charset="0"/>
+                      </a:rPr>
+                      <m:t>)</m:t>
+                    </m:r>
+                  </m:oMath>
+                </a14:m>
+                <a:endParaRPr lang="vi-VN" dirty="0"/>
+              </a:p>
+              <a:p>
+                <a:pPr marL="0" lvl="0" indent="0" algn="l" rtl="0">
+                  <a:spcBef>
+                    <a:spcPts val="1600"/>
+                  </a:spcBef>
+                  <a:spcAft>
+                    <a:spcPts val="0"/>
+                  </a:spcAft>
+                  <a:buNone/>
+                </a:pPr>
+                <a:r>
+                  <a:rPr lang="vi-VN" dirty="0"/>
+                  <a:t>Hãy tính </a:t>
+                </a:r>
+                <a14:m>
+                  <m:oMath xmlns:m="http://schemas.openxmlformats.org/officeDocument/2006/math">
+                    <m:r>
+                      <a:rPr lang="vi-VN" i="1" dirty="0" smtClean="0">
+                        <a:latin typeface="Cambria Math" panose="02040503050406030204" pitchFamily="18" charset="0"/>
+                      </a:rPr>
+                      <m:t>𝐹</m:t>
+                    </m:r>
+                    <m:r>
+                      <a:rPr lang="vi-VN" i="1" dirty="0" smtClean="0">
+                        <a:latin typeface="Cambria Math" panose="02040503050406030204" pitchFamily="18" charset="0"/>
+                      </a:rPr>
+                      <m:t>(</m:t>
+                    </m:r>
+                    <m:r>
+                      <a:rPr lang="vi-VN" i="1" dirty="0" smtClean="0">
+                        <a:latin typeface="Cambria Math" panose="02040503050406030204" pitchFamily="18" charset="0"/>
+                      </a:rPr>
+                      <m:t>𝑛</m:t>
+                    </m:r>
+                    <m:r>
+                      <a:rPr lang="vi-VN" i="1" dirty="0" smtClean="0">
+                        <a:latin typeface="Cambria Math" panose="02040503050406030204" pitchFamily="18" charset="0"/>
+                      </a:rPr>
+                      <m:t>) </m:t>
+                    </m:r>
+                  </m:oMath>
+                </a14:m>
+                <a:r>
+                  <a:rPr lang="vi-VN" dirty="0"/>
+                  <a:t>mod </a:t>
+                </a:r>
+                <a14:m>
+                  <m:oMath xmlns:m="http://schemas.openxmlformats.org/officeDocument/2006/math">
+                    <m:sSup>
+                      <m:sSupPr>
+                        <m:ctrlPr>
+                          <a:rPr lang="vi-VN" b="0" i="1" dirty="0" smtClean="0">
+                            <a:latin typeface="Cambria Math" panose="02040503050406030204" pitchFamily="18" charset="0"/>
+                          </a:rPr>
+                        </m:ctrlPr>
+                      </m:sSupPr>
+                      <m:e>
+                        <m:r>
+                          <a:rPr lang="vi-VN" i="1" dirty="0" smtClean="0">
+                            <a:latin typeface="Cambria Math" panose="02040503050406030204" pitchFamily="18" charset="0"/>
+                          </a:rPr>
+                          <m:t>10</m:t>
+                        </m:r>
+                      </m:e>
+                      <m:sup>
+                        <m:r>
+                          <a:rPr lang="vi-VN" b="0" i="1" dirty="0" smtClean="0">
+                            <a:latin typeface="Cambria Math" panose="02040503050406030204" pitchFamily="18" charset="0"/>
+                          </a:rPr>
+                          <m:t>9</m:t>
+                        </m:r>
+                      </m:sup>
+                    </m:sSup>
+                    <m:r>
+                      <a:rPr lang="vi-VN" i="1" dirty="0" smtClean="0">
+                        <a:latin typeface="Cambria Math" panose="02040503050406030204" pitchFamily="18" charset="0"/>
+                      </a:rPr>
+                      <m:t> + </m:t>
+                    </m:r>
+                    <m:r>
+                      <a:rPr lang="vi-VN" i="1" dirty="0" smtClean="0">
+                        <a:latin typeface="Cambria Math" panose="02040503050406030204" pitchFamily="18" charset="0"/>
+                      </a:rPr>
+                      <m:t>7</m:t>
+                    </m:r>
+                  </m:oMath>
+                </a14:m>
+                <a:r>
+                  <a:rPr lang="vi-VN" dirty="0"/>
+                  <a:t>, biết </a:t>
+                </a:r>
+                <a14:m>
+                  <m:oMath xmlns:m="http://schemas.openxmlformats.org/officeDocument/2006/math">
+                    <m:r>
+                      <a:rPr lang="vi-VN" i="1" dirty="0" smtClean="0">
+                        <a:latin typeface="Cambria Math" panose="02040503050406030204" pitchFamily="18" charset="0"/>
+                      </a:rPr>
+                      <m:t>1</m:t>
+                    </m:r>
+                    <m:r>
+                      <a:rPr lang="vi-VN" b="0" i="1" dirty="0" smtClean="0">
+                        <a:latin typeface="Cambria Math" panose="02040503050406030204" pitchFamily="18" charset="0"/>
+                      </a:rPr>
+                      <m:t>≤ </m:t>
+                    </m:r>
+                    <m:r>
+                      <a:rPr lang="vi-VN" i="1" dirty="0" smtClean="0">
+                        <a:latin typeface="Cambria Math" panose="02040503050406030204" pitchFamily="18" charset="0"/>
+                      </a:rPr>
+                      <m:t> </m:t>
+                    </m:r>
+                    <m:r>
+                      <a:rPr lang="vi-VN" i="1" dirty="0" smtClean="0">
+                        <a:latin typeface="Cambria Math" panose="02040503050406030204" pitchFamily="18" charset="0"/>
+                      </a:rPr>
+                      <m:t>𝑛</m:t>
+                    </m:r>
+                    <m:r>
+                      <a:rPr lang="vi-VN" b="0" i="1" dirty="0" smtClean="0">
+                        <a:latin typeface="Cambria Math" panose="02040503050406030204" pitchFamily="18" charset="0"/>
+                      </a:rPr>
+                      <m:t>≤</m:t>
+                    </m:r>
+                    <m:r>
+                      <a:rPr lang="vi-VN" i="1" dirty="0" smtClean="0">
+                        <a:latin typeface="Cambria Math" panose="02040503050406030204" pitchFamily="18" charset="0"/>
+                      </a:rPr>
+                      <m:t> </m:t>
+                    </m:r>
+                    <m:sSup>
+                      <m:sSupPr>
+                        <m:ctrlPr>
+                          <a:rPr lang="vi-VN" b="0" i="1" dirty="0" smtClean="0">
+                            <a:latin typeface="Cambria Math" panose="02040503050406030204" pitchFamily="18" charset="0"/>
+                          </a:rPr>
+                        </m:ctrlPr>
+                      </m:sSupPr>
+                      <m:e>
+                        <m:r>
+                          <a:rPr lang="vi-VN" i="1" dirty="0" smtClean="0">
+                            <a:latin typeface="Cambria Math" panose="02040503050406030204" pitchFamily="18" charset="0"/>
+                          </a:rPr>
+                          <m:t>10</m:t>
+                        </m:r>
+                      </m:e>
+                      <m:sup>
+                        <m:r>
+                          <a:rPr lang="vi-VN" b="0" i="1" dirty="0" smtClean="0">
+                            <a:latin typeface="Cambria Math" panose="02040503050406030204" pitchFamily="18" charset="0"/>
+                          </a:rPr>
+                          <m:t>18</m:t>
+                        </m:r>
+                      </m:sup>
+                    </m:sSup>
+                  </m:oMath>
+                </a14:m>
+                <a:r>
+                  <a:rPr lang="vi-VN" dirty="0"/>
+                  <a:t> .</a:t>
+                </a:r>
+              </a:p>
+              <a:p>
+                <a:pPr marL="0" lvl="0" indent="0" algn="l" rtl="0">
+                  <a:spcBef>
+                    <a:spcPts val="1600"/>
+                  </a:spcBef>
+                  <a:spcAft>
+                    <a:spcPts val="1600"/>
+                  </a:spcAft>
+                  <a:buNone/>
+                </a:pPr>
+                <a:endParaRPr dirty="0"/>
+              </a:p>
+            </p:txBody>
+          </p:sp>
+        </mc:Choice>
+        <mc:Fallback xmlns="">
+          <p:sp>
+            <p:nvSpPr>
+              <p:cNvPr id="209" name="Google Shape;209;p34"/>
+              <p:cNvSpPr txBox="1">
+                <a:spLocks noGrp="1" noRot="1" noChangeAspect="1" noMove="1" noResize="1" noEditPoints="1" noAdjustHandles="1" noChangeArrowheads="1" noChangeShapeType="1" noTextEdit="1"/>
+              </p:cNvSpPr>
+              <p:nvPr>
+                <p:ph type="body" idx="1"/>
+              </p:nvPr>
+            </p:nvSpPr>
+            <p:spPr>
+              <a:xfrm>
+                <a:off x="311700" y="1735983"/>
+                <a:ext cx="8520600" cy="4555200"/>
+              </a:xfrm>
+              <a:prstGeom prst="rect">
+                <a:avLst/>
+              </a:prstGeom>
+              <a:blipFill>
+                <a:blip r:embed="rId3"/>
+                <a:stretch>
+                  <a:fillRect l="-572"/>
+                </a:stretch>
+              </a:blipFill>
+            </p:spPr>
+            <p:txBody>
+              <a:bodyPr/>
+              <a:lstStyle/>
+              <a:p>
+                <a:r>
+                  <a:rPr lang="vi-VN">
+                    <a:noFill/>
+                  </a:rPr>
+                  <a:t> </a:t>
+                </a:r>
+              </a:p>
+            </p:txBody>
+          </p:sp>
+        </mc:Fallback>
+      </mc:AlternateContent>
       <p:sp>
         <p:nvSpPr>
           <p:cNvPr id="2" name="Slide Number Placeholder 1">
@@ -14327,9 +15515,45 @@
             </a:pPr>
             <a:fld id="{00000000-1234-1234-1234-123412341234}" type="slidenum">
               <a:rPr lang="en" smtClean="0"/>
-              <a:t>24</a:t>
+              <a:t>26</a:t>
             </a:fld>
             <a:endParaRPr lang="en"/>
+          </a:p>
+        </p:txBody>
+      </p:sp>
+      <p:sp>
+        <p:nvSpPr>
+          <p:cNvPr id="6" name="Hộp Văn bản 5">
+            <a:extLst>
+              <a:ext uri="{FF2B5EF4-FFF2-40B4-BE49-F238E27FC236}">
+                <a16:creationId xmlns:a16="http://schemas.microsoft.com/office/drawing/2014/main" id="{61E46E47-E8D6-44EA-AFA4-A0DC98E0F822}"/>
+              </a:ext>
+            </a:extLst>
+          </p:cNvPr>
+          <p:cNvSpPr txBox="1"/>
+          <p:nvPr/>
+        </p:nvSpPr>
+        <p:spPr>
+          <a:xfrm>
+            <a:off x="1478771" y="6291183"/>
+            <a:ext cx="6186458" cy="307777"/>
+          </a:xfrm>
+          <a:prstGeom prst="rect">
+            <a:avLst/>
+          </a:prstGeom>
+          <a:noFill/>
+        </p:spPr>
+        <p:txBody>
+          <a:bodyPr wrap="square">
+            <a:spAutoFit/>
+          </a:bodyPr>
+          <a:lstStyle/>
+          <a:p>
+            <a:pPr algn="ctr"/>
+            <a:r>
+              <a:rPr lang="vi-VN"/>
+              <a:t>Hint: https://www.geeksforgeeks.org/matrix-exponentiation/</a:t>
+            </a:r>
           </a:p>
         </p:txBody>
       </p:sp>
@@ -14341,7 +15565,7 @@
 </p:sld>
 </file>
 
-<file path=ppt/slides/slide25.xml><?xml version="1.0" encoding="utf-8"?>
+<file path=ppt/slides/slide27.xml><?xml version="1.0" encoding="utf-8"?>
 <p:sld xmlns:a="http://schemas.openxmlformats.org/drawingml/2006/main" xmlns:r="http://schemas.openxmlformats.org/officeDocument/2006/relationships" xmlns:p="http://schemas.openxmlformats.org/presentationml/2006/main">
   <p:cSld>
     <p:spTree>
@@ -14521,9 +15745,6 @@
           </a:p>
           <a:p>
             <a:pPr marL="457200" lvl="0" indent="-342900" algn="just" rtl="0">
-              <a:lnSpc>
-                <a:spcPct val="120000"/>
-              </a:lnSpc>
               <a:spcBef>
                 <a:spcPts val="0"/>
               </a:spcBef>
@@ -14560,9 +15781,6 @@
           </a:p>
           <a:p>
             <a:pPr marL="457200" lvl="0" indent="-342900" algn="l" rtl="0">
-              <a:lnSpc>
-                <a:spcPct val="130000"/>
-              </a:lnSpc>
               <a:spcBef>
                 <a:spcPts val="0"/>
               </a:spcBef>
@@ -14625,7 +15843,7 @@
             </a:pPr>
             <a:fld id="{00000000-1234-1234-1234-123412341234}" type="slidenum">
               <a:rPr lang="en" smtClean="0"/>
-              <a:t>25</a:t>
+              <a:t>27</a:t>
             </a:fld>
             <a:endParaRPr lang="en"/>
           </a:p>
@@ -14639,7 +15857,7 @@
 </p:sld>
 </file>
 
-<file path=ppt/slides/slide26.xml><?xml version="1.0" encoding="utf-8"?>
+<file path=ppt/slides/slide28.xml><?xml version="1.0" encoding="utf-8"?>
 <p:sld xmlns:a="http://schemas.openxmlformats.org/drawingml/2006/main" xmlns:r="http://schemas.openxmlformats.org/officeDocument/2006/relationships" xmlns:p="http://schemas.openxmlformats.org/presentationml/2006/main">
   <p:cSld>
     <p:spTree>
@@ -14758,13 +15976,187 @@
             </a:pPr>
             <a:fld id="{00000000-1234-1234-1234-123412341234}" type="slidenum">
               <a:rPr lang="en" smtClean="0"/>
-              <a:t>26</a:t>
+              <a:t>28</a:t>
             </a:fld>
             <a:endParaRPr lang="en"/>
           </a:p>
         </p:txBody>
       </p:sp>
     </p:spTree>
+  </p:cSld>
+  <p:clrMapOvr>
+    <a:masterClrMapping/>
+  </p:clrMapOvr>
+</p:sld>
+</file>
+
+<file path=ppt/slides/slide29.xml><?xml version="1.0" encoding="utf-8"?>
+<p:sld xmlns:a="http://schemas.openxmlformats.org/drawingml/2006/main" xmlns:r="http://schemas.openxmlformats.org/officeDocument/2006/relationships" xmlns:p="http://schemas.openxmlformats.org/presentationml/2006/main">
+  <p:cSld>
+    <p:spTree>
+      <p:nvGrpSpPr>
+        <p:cNvPr id="1" name=""/>
+        <p:cNvGrpSpPr/>
+        <p:nvPr/>
+      </p:nvGrpSpPr>
+      <p:grpSpPr>
+        <a:xfrm>
+          <a:off x="0" y="0"/>
+          <a:ext cx="0" cy="0"/>
+          <a:chOff x="0" y="0"/>
+          <a:chExt cx="0" cy="0"/>
+        </a:xfrm>
+      </p:grpSpPr>
+      <p:sp>
+        <p:nvSpPr>
+          <p:cNvPr id="5" name="Chỗ dành sẵn cho Văn bản 4">
+            <a:extLst>
+              <a:ext uri="{FF2B5EF4-FFF2-40B4-BE49-F238E27FC236}">
+                <a16:creationId xmlns:a16="http://schemas.microsoft.com/office/drawing/2014/main" id="{9B8B8AB8-1B4F-4C1C-AB74-41E95326140E}"/>
+              </a:ext>
+            </a:extLst>
+          </p:cNvPr>
+          <p:cNvSpPr>
+            <a:spLocks noGrp="1"/>
+          </p:cNvSpPr>
+          <p:nvPr>
+            <p:ph type="body" idx="1"/>
+          </p:nvPr>
+        </p:nvSpPr>
+        <p:spPr/>
+        <p:txBody>
+          <a:bodyPr/>
+          <a:lstStyle/>
+          <a:p>
+            <a:r>
+              <a:rPr lang="en-US" sz="2400"/>
+              <a:t>Does more work on the sub-problems and hence has more time consumption.</a:t>
+            </a:r>
+          </a:p>
+          <a:p>
+            <a:r>
+              <a:rPr lang="en-US" sz="2400"/>
+              <a:t>In divide and conquer the sub-problems are independent of each other.</a:t>
+            </a:r>
+            <a:endParaRPr lang="vi-VN" sz="2400"/>
+          </a:p>
+        </p:txBody>
+      </p:sp>
+      <p:sp>
+        <p:nvSpPr>
+          <p:cNvPr id="6" name="Chỗ dành sẵn cho Văn bản 5">
+            <a:extLst>
+              <a:ext uri="{FF2B5EF4-FFF2-40B4-BE49-F238E27FC236}">
+                <a16:creationId xmlns:a16="http://schemas.microsoft.com/office/drawing/2014/main" id="{B1DD1192-CC0F-4A82-A12F-E11BB88BC1A7}"/>
+              </a:ext>
+            </a:extLst>
+          </p:cNvPr>
+          <p:cNvSpPr>
+            <a:spLocks noGrp="1"/>
+          </p:cNvSpPr>
+          <p:nvPr>
+            <p:ph type="body" idx="2"/>
+          </p:nvPr>
+        </p:nvSpPr>
+        <p:spPr/>
+        <p:txBody>
+          <a:bodyPr/>
+          <a:lstStyle/>
+          <a:p>
+            <a:r>
+              <a:rPr lang="en-US" sz="2400"/>
+              <a:t>Solves the sub-problems only once and then stores it in the table.</a:t>
+            </a:r>
+          </a:p>
+          <a:p>
+            <a:r>
+              <a:rPr lang="en-US" sz="2400"/>
+              <a:t>In dynamic programming the sub-problem are not independent.</a:t>
+            </a:r>
+            <a:endParaRPr lang="vi-VN" sz="2400"/>
+          </a:p>
+        </p:txBody>
+      </p:sp>
+      <p:sp>
+        <p:nvSpPr>
+          <p:cNvPr id="4" name="Chỗ dành sẵn cho Số hiệu Bản chiếu 3">
+            <a:extLst>
+              <a:ext uri="{FF2B5EF4-FFF2-40B4-BE49-F238E27FC236}">
+                <a16:creationId xmlns:a16="http://schemas.microsoft.com/office/drawing/2014/main" id="{28EB0925-A082-45CB-9FE7-A7332E408C88}"/>
+              </a:ext>
+            </a:extLst>
+          </p:cNvPr>
+          <p:cNvSpPr>
+            <a:spLocks noGrp="1"/>
+          </p:cNvSpPr>
+          <p:nvPr>
+            <p:ph type="sldNum" idx="12"/>
+          </p:nvPr>
+        </p:nvSpPr>
+        <p:spPr/>
+        <p:txBody>
+          <a:bodyPr/>
+          <a:lstStyle/>
+          <a:p>
+            <a:pPr marL="0" lvl="0" indent="0" algn="r" rtl="0">
+              <a:spcBef>
+                <a:spcPts val="0"/>
+              </a:spcBef>
+              <a:spcAft>
+                <a:spcPts val="0"/>
+              </a:spcAft>
+              <a:buNone/>
+            </a:pPr>
+            <a:fld id="{00000000-1234-1234-1234-123412341234}" type="slidenum">
+              <a:rPr lang="en" smtClean="0"/>
+              <a:t>29</a:t>
+            </a:fld>
+            <a:endParaRPr lang="en"/>
+          </a:p>
+        </p:txBody>
+      </p:sp>
+      <p:sp>
+        <p:nvSpPr>
+          <p:cNvPr id="2" name="Tiêu đề 1">
+            <a:extLst>
+              <a:ext uri="{FF2B5EF4-FFF2-40B4-BE49-F238E27FC236}">
+                <a16:creationId xmlns:a16="http://schemas.microsoft.com/office/drawing/2014/main" id="{8E6B90E3-D884-4D68-8204-460C0A6C78AD}"/>
+              </a:ext>
+            </a:extLst>
+          </p:cNvPr>
+          <p:cNvSpPr>
+            <a:spLocks noGrp="1"/>
+          </p:cNvSpPr>
+          <p:nvPr>
+            <p:ph type="title"/>
+          </p:nvPr>
+        </p:nvSpPr>
+        <p:spPr/>
+        <p:txBody>
+          <a:bodyPr/>
+          <a:lstStyle/>
+          <a:p>
+            <a:r>
+              <a:rPr lang="vi-VN">
+                <a:solidFill>
+                  <a:srgbClr val="FF0000"/>
+                </a:solidFill>
+              </a:rPr>
+              <a:t>Dynamic programming </a:t>
+            </a:r>
+            <a:r>
+              <a:rPr lang="vi-VN"/>
+              <a:t>verus Divide and conquer</a:t>
+            </a:r>
+          </a:p>
+        </p:txBody>
+      </p:sp>
+    </p:spTree>
+    <p:extLst>
+      <p:ext uri="{BB962C8B-B14F-4D97-AF65-F5344CB8AC3E}">
+        <p14:creationId xmlns:p14="http://schemas.microsoft.com/office/powerpoint/2010/main" val="3205130317"/>
+      </p:ext>
+    </p:extLst>
   </p:cSld>
   <p:clrMapOvr>
     <a:masterClrMapping/>
@@ -14857,6 +16249,9 @@
           <a:lstStyle/>
           <a:p>
             <a:pPr marL="457200" lvl="0" indent="-374650" algn="l" rtl="0">
+              <a:lnSpc>
+                <a:spcPct val="200000"/>
+              </a:lnSpc>
               <a:spcBef>
                 <a:spcPts val="0"/>
               </a:spcBef>
@@ -14874,6 +16269,9 @@
           </a:p>
           <a:p>
             <a:pPr marL="457200" lvl="0" indent="-374650" algn="l" rtl="0">
+              <a:lnSpc>
+                <a:spcPct val="200000"/>
+              </a:lnSpc>
               <a:spcBef>
                 <a:spcPts val="0"/>
               </a:spcBef>
@@ -14891,6 +16289,9 @@
           </a:p>
           <a:p>
             <a:pPr marL="457200" lvl="0" indent="-374650" algn="l" rtl="0">
+              <a:lnSpc>
+                <a:spcPct val="200000"/>
+              </a:lnSpc>
               <a:spcBef>
                 <a:spcPts val="0"/>
               </a:spcBef>
@@ -14904,9 +16305,13 @@
               <a:rPr lang="en" sz="2300" dirty="0"/>
               <a:t>Ưu và nhược điểm của phương pháp.</a:t>
             </a:r>
+            <a:endParaRPr sz="2300" dirty="0"/>
           </a:p>
           <a:p>
             <a:pPr marL="457200" lvl="0" indent="-374650" algn="l" rtl="0">
+              <a:lnSpc>
+                <a:spcPct val="200000"/>
+              </a:lnSpc>
               <a:spcBef>
                 <a:spcPts val="0"/>
               </a:spcBef>
@@ -14918,12 +16323,15 @@
             </a:pPr>
             <a:r>
               <a:rPr lang="en" sz="2300" dirty="0"/>
-              <a:t>Khi nào dùng chia và trị</a:t>
+              <a:t>Tài liệu tham khảo.</a:t>
             </a:r>
             <a:endParaRPr sz="2300" dirty="0"/>
           </a:p>
           <a:p>
             <a:pPr marL="457200" lvl="0" indent="-374650" algn="l" rtl="0">
+              <a:lnSpc>
+                <a:spcPct val="200000"/>
+              </a:lnSpc>
               <a:spcBef>
                 <a:spcPts val="0"/>
               </a:spcBef>
@@ -14934,33 +16342,8 @@
               <a:buAutoNum type="arabicPeriod"/>
             </a:pPr>
             <a:r>
-              <a:rPr lang="en-US" sz="2300" dirty="0" err="1"/>
-              <a:t>Bài</a:t>
-            </a:r>
-            <a:r>
-              <a:rPr lang="en-US" sz="2300" dirty="0"/>
-              <a:t> </a:t>
-            </a:r>
-            <a:r>
-              <a:rPr lang="en-US" sz="2300" dirty="0" err="1"/>
-              <a:t>tập</a:t>
-            </a:r>
-            <a:endParaRPr sz="2300" dirty="0"/>
-          </a:p>
-          <a:p>
-            <a:pPr marL="457200" lvl="0" indent="-374650" algn="l" rtl="0">
-              <a:spcBef>
-                <a:spcPts val="0"/>
-              </a:spcBef>
-              <a:spcAft>
-                <a:spcPts val="0"/>
-              </a:spcAft>
-              <a:buSzPts val="2300"/>
-              <a:buAutoNum type="arabicPeriod"/>
-            </a:pPr>
-            <a:r>
-              <a:rPr lang="en" sz="2300"/>
-              <a:t>Tài liệu tham khảo</a:t>
+              <a:rPr lang="en" sz="2300" dirty="0"/>
+              <a:t>Bài tập</a:t>
             </a:r>
             <a:endParaRPr sz="2300" dirty="0"/>
           </a:p>
@@ -15005,6 +16388,1424 @@
         </p:txBody>
       </p:sp>
     </p:spTree>
+  </p:cSld>
+  <p:clrMapOvr>
+    <a:masterClrMapping/>
+  </p:clrMapOvr>
+</p:sld>
+</file>
+
+<file path=ppt/slides/slide30.xml><?xml version="1.0" encoding="utf-8"?>
+<p:sld xmlns:a="http://schemas.openxmlformats.org/drawingml/2006/main" xmlns:r="http://schemas.openxmlformats.org/officeDocument/2006/relationships" xmlns:p="http://schemas.openxmlformats.org/presentationml/2006/main">
+  <p:cSld>
+    <p:spTree>
+      <p:nvGrpSpPr>
+        <p:cNvPr id="1" name=""/>
+        <p:cNvGrpSpPr/>
+        <p:nvPr/>
+      </p:nvGrpSpPr>
+      <p:grpSpPr>
+        <a:xfrm>
+          <a:off x="0" y="0"/>
+          <a:ext cx="0" cy="0"/>
+          <a:chOff x="0" y="0"/>
+          <a:chExt cx="0" cy="0"/>
+        </a:xfrm>
+      </p:grpSpPr>
+      <p:sp>
+        <p:nvSpPr>
+          <p:cNvPr id="4" name="Chỗ dành sẵn cho Số hiệu Bản chiếu 3">
+            <a:extLst>
+              <a:ext uri="{FF2B5EF4-FFF2-40B4-BE49-F238E27FC236}">
+                <a16:creationId xmlns:a16="http://schemas.microsoft.com/office/drawing/2014/main" id="{AC884FE1-0D71-4E90-B66A-4BFE24735BA2}"/>
+              </a:ext>
+            </a:extLst>
+          </p:cNvPr>
+          <p:cNvSpPr>
+            <a:spLocks noGrp="1"/>
+          </p:cNvSpPr>
+          <p:nvPr>
+            <p:ph type="sldNum" idx="12"/>
+          </p:nvPr>
+        </p:nvSpPr>
+        <p:spPr/>
+        <p:txBody>
+          <a:bodyPr/>
+          <a:lstStyle/>
+          <a:p>
+            <a:pPr marL="0" lvl="0" indent="0" algn="r" rtl="0">
+              <a:spcBef>
+                <a:spcPts val="0"/>
+              </a:spcBef>
+              <a:spcAft>
+                <a:spcPts val="0"/>
+              </a:spcAft>
+              <a:buNone/>
+            </a:pPr>
+            <a:fld id="{00000000-1234-1234-1234-123412341234}" type="slidenum">
+              <a:rPr lang="en" smtClean="0"/>
+              <a:t>30</a:t>
+            </a:fld>
+            <a:endParaRPr lang="en"/>
+          </a:p>
+        </p:txBody>
+      </p:sp>
+      <p:sp>
+        <p:nvSpPr>
+          <p:cNvPr id="6" name="Tiêu đề 5">
+            <a:extLst>
+              <a:ext uri="{FF2B5EF4-FFF2-40B4-BE49-F238E27FC236}">
+                <a16:creationId xmlns:a16="http://schemas.microsoft.com/office/drawing/2014/main" id="{4E93D49B-5E49-415B-A49E-7766A489832D}"/>
+              </a:ext>
+            </a:extLst>
+          </p:cNvPr>
+          <p:cNvSpPr>
+            <a:spLocks noGrp="1"/>
+          </p:cNvSpPr>
+          <p:nvPr>
+            <p:ph type="title"/>
+          </p:nvPr>
+        </p:nvSpPr>
+        <p:spPr/>
+        <p:txBody>
+          <a:bodyPr/>
+          <a:lstStyle/>
+          <a:p>
+            <a:r>
+              <a:rPr lang="vi-VN"/>
+              <a:t>Dynamic programming in Fibonacy</a:t>
+            </a:r>
+          </a:p>
+        </p:txBody>
+      </p:sp>
+      <p:pic>
+        <p:nvPicPr>
+          <p:cNvPr id="1026" name="Picture 2" descr="enter image description here">
+            <a:extLst>
+              <a:ext uri="{FF2B5EF4-FFF2-40B4-BE49-F238E27FC236}">
+                <a16:creationId xmlns:a16="http://schemas.microsoft.com/office/drawing/2014/main" id="{CF9415C8-058D-4F2B-B639-48E703D6DD63}"/>
+              </a:ext>
+            </a:extLst>
+          </p:cNvPr>
+          <p:cNvPicPr>
+            <a:picLocks noChangeAspect="1" noChangeArrowheads="1"/>
+          </p:cNvPicPr>
+          <p:nvPr/>
+        </p:nvPicPr>
+        <p:blipFill>
+          <a:blip r:embed="rId2">
+            <a:extLst>
+              <a:ext uri="{28A0092B-C50C-407E-A947-70E740481C1C}">
+                <a14:useLocalDpi xmlns:a14="http://schemas.microsoft.com/office/drawing/2010/main" val="0"/>
+              </a:ext>
+            </a:extLst>
+          </a:blip>
+          <a:srcRect/>
+          <a:stretch>
+            <a:fillRect/>
+          </a:stretch>
+        </p:blipFill>
+        <p:spPr bwMode="auto">
+          <a:xfrm>
+            <a:off x="816108" y="1763759"/>
+            <a:ext cx="7511784" cy="4055842"/>
+          </a:xfrm>
+          <a:prstGeom prst="rect">
+            <a:avLst/>
+          </a:prstGeom>
+          <a:noFill/>
+          <a:extLst>
+            <a:ext uri="{909E8E84-426E-40DD-AFC4-6F175D3DCCD1}">
+              <a14:hiddenFill xmlns:a14="http://schemas.microsoft.com/office/drawing/2010/main">
+                <a:solidFill>
+                  <a:srgbClr val="FFFFFF"/>
+                </a:solidFill>
+              </a14:hiddenFill>
+            </a:ext>
+          </a:extLst>
+        </p:spPr>
+      </p:pic>
+    </p:spTree>
+    <p:extLst>
+      <p:ext uri="{BB962C8B-B14F-4D97-AF65-F5344CB8AC3E}">
+        <p14:creationId xmlns:p14="http://schemas.microsoft.com/office/powerpoint/2010/main" val="2643809021"/>
+      </p:ext>
+    </p:extLst>
+  </p:cSld>
+  <p:clrMapOvr>
+    <a:masterClrMapping/>
+  </p:clrMapOvr>
+</p:sld>
+</file>
+
+<file path=ppt/slides/slide31.xml><?xml version="1.0" encoding="utf-8"?>
+<p:sld xmlns:a="http://schemas.openxmlformats.org/drawingml/2006/main" xmlns:r="http://schemas.openxmlformats.org/officeDocument/2006/relationships" xmlns:p="http://schemas.openxmlformats.org/presentationml/2006/main">
+  <p:cSld>
+    <p:spTree>
+      <p:nvGrpSpPr>
+        <p:cNvPr id="1" name=""/>
+        <p:cNvGrpSpPr/>
+        <p:nvPr/>
+      </p:nvGrpSpPr>
+      <p:grpSpPr>
+        <a:xfrm>
+          <a:off x="0" y="0"/>
+          <a:ext cx="0" cy="0"/>
+          <a:chOff x="0" y="0"/>
+          <a:chExt cx="0" cy="0"/>
+        </a:xfrm>
+      </p:grpSpPr>
+      <p:sp>
+        <p:nvSpPr>
+          <p:cNvPr id="2" name="Chỗ dành sẵn cho Số hiệu Bản chiếu 1">
+            <a:extLst>
+              <a:ext uri="{FF2B5EF4-FFF2-40B4-BE49-F238E27FC236}">
+                <a16:creationId xmlns:a16="http://schemas.microsoft.com/office/drawing/2014/main" id="{EE1730C1-1346-4BB9-9FD0-8FBBA93649CB}"/>
+              </a:ext>
+            </a:extLst>
+          </p:cNvPr>
+          <p:cNvSpPr>
+            <a:spLocks noGrp="1"/>
+          </p:cNvSpPr>
+          <p:nvPr>
+            <p:ph type="sldNum" idx="12"/>
+          </p:nvPr>
+        </p:nvSpPr>
+        <p:spPr/>
+        <p:txBody>
+          <a:bodyPr/>
+          <a:lstStyle/>
+          <a:p>
+            <a:pPr marL="0" lvl="0" indent="0" algn="r" rtl="0">
+              <a:spcBef>
+                <a:spcPts val="0"/>
+              </a:spcBef>
+              <a:spcAft>
+                <a:spcPts val="0"/>
+              </a:spcAft>
+              <a:buNone/>
+            </a:pPr>
+            <a:fld id="{00000000-1234-1234-1234-123412341234}" type="slidenum">
+              <a:rPr lang="en" smtClean="0"/>
+              <a:t>31</a:t>
+            </a:fld>
+            <a:endParaRPr lang="en"/>
+          </a:p>
+        </p:txBody>
+      </p:sp>
+      <p:sp>
+        <p:nvSpPr>
+          <p:cNvPr id="3" name="Tiêu đề 2">
+            <a:extLst>
+              <a:ext uri="{FF2B5EF4-FFF2-40B4-BE49-F238E27FC236}">
+                <a16:creationId xmlns:a16="http://schemas.microsoft.com/office/drawing/2014/main" id="{B86F74A0-BFD7-47EF-82BB-9F8716890A6E}"/>
+              </a:ext>
+            </a:extLst>
+          </p:cNvPr>
+          <p:cNvSpPr>
+            <a:spLocks noGrp="1"/>
+          </p:cNvSpPr>
+          <p:nvPr>
+            <p:ph type="title"/>
+          </p:nvPr>
+        </p:nvSpPr>
+        <p:spPr/>
+        <p:txBody>
+          <a:bodyPr/>
+          <a:lstStyle/>
+          <a:p>
+            <a:r>
+              <a:rPr lang="vi-VN"/>
+              <a:t>Divide and conquer in Fibonacy </a:t>
+            </a:r>
+          </a:p>
+        </p:txBody>
+      </p:sp>
+      <p:pic>
+        <p:nvPicPr>
+          <p:cNvPr id="2050" name="Picture 2" descr="Divide and Conquer approach">
+            <a:extLst>
+              <a:ext uri="{FF2B5EF4-FFF2-40B4-BE49-F238E27FC236}">
+                <a16:creationId xmlns:a16="http://schemas.microsoft.com/office/drawing/2014/main" id="{C9814473-740E-4548-8A68-A49272A2D748}"/>
+              </a:ext>
+            </a:extLst>
+          </p:cNvPr>
+          <p:cNvPicPr>
+            <a:picLocks noChangeAspect="1" noChangeArrowheads="1"/>
+          </p:cNvPicPr>
+          <p:nvPr/>
+        </p:nvPicPr>
+        <p:blipFill>
+          <a:blip r:embed="rId2">
+            <a:extLst>
+              <a:ext uri="{28A0092B-C50C-407E-A947-70E740481C1C}">
+                <a14:useLocalDpi xmlns:a14="http://schemas.microsoft.com/office/drawing/2010/main" val="0"/>
+              </a:ext>
+            </a:extLst>
+          </a:blip>
+          <a:srcRect/>
+          <a:stretch>
+            <a:fillRect/>
+          </a:stretch>
+        </p:blipFill>
+        <p:spPr bwMode="auto">
+          <a:xfrm>
+            <a:off x="1113503" y="1722568"/>
+            <a:ext cx="6916994" cy="3412864"/>
+          </a:xfrm>
+          <a:prstGeom prst="rect">
+            <a:avLst/>
+          </a:prstGeom>
+          <a:noFill/>
+          <a:extLst>
+            <a:ext uri="{909E8E84-426E-40DD-AFC4-6F175D3DCCD1}">
+              <a14:hiddenFill xmlns:a14="http://schemas.microsoft.com/office/drawing/2010/main">
+                <a:solidFill>
+                  <a:srgbClr val="FFFFFF"/>
+                </a:solidFill>
+              </a14:hiddenFill>
+            </a:ext>
+          </a:extLst>
+        </p:spPr>
+      </p:pic>
+      <p:sp>
+        <p:nvSpPr>
+          <p:cNvPr id="6" name="Hộp Văn bản 5">
+            <a:extLst>
+              <a:ext uri="{FF2B5EF4-FFF2-40B4-BE49-F238E27FC236}">
+                <a16:creationId xmlns:a16="http://schemas.microsoft.com/office/drawing/2014/main" id="{A00A4B43-9A13-41CD-ADD4-E4EA43D250D4}"/>
+              </a:ext>
+            </a:extLst>
+          </p:cNvPr>
+          <p:cNvSpPr txBox="1"/>
+          <p:nvPr/>
+        </p:nvSpPr>
+        <p:spPr>
+          <a:xfrm>
+            <a:off x="486696" y="6146736"/>
+            <a:ext cx="4572000" cy="461665"/>
+          </a:xfrm>
+          <a:prstGeom prst="rect">
+            <a:avLst/>
+          </a:prstGeom>
+          <a:noFill/>
+        </p:spPr>
+        <p:txBody>
+          <a:bodyPr wrap="square">
+            <a:spAutoFit/>
+          </a:bodyPr>
+          <a:lstStyle/>
+          <a:p>
+            <a:r>
+              <a:rPr lang="vi-VN" sz="1200" i="1"/>
+              <a:t>https://stackoverflow.com/questions/13538459/difference-between-divide-and-conquer-algo-and-dynamic-programming</a:t>
+            </a:r>
+          </a:p>
+        </p:txBody>
+      </p:sp>
+    </p:spTree>
+    <p:extLst>
+      <p:ext uri="{BB962C8B-B14F-4D97-AF65-F5344CB8AC3E}">
+        <p14:creationId xmlns:p14="http://schemas.microsoft.com/office/powerpoint/2010/main" val="2191595057"/>
+      </p:ext>
+    </p:extLst>
+  </p:cSld>
+  <p:clrMapOvr>
+    <a:masterClrMapping/>
+  </p:clrMapOvr>
+</p:sld>
+</file>
+
+<file path=ppt/slides/slide32.xml><?xml version="1.0" encoding="utf-8"?>
+<p:sld xmlns:a="http://schemas.openxmlformats.org/drawingml/2006/main" xmlns:r="http://schemas.openxmlformats.org/officeDocument/2006/relationships" xmlns:p="http://schemas.openxmlformats.org/presentationml/2006/main">
+  <p:cSld>
+    <p:spTree>
+      <p:nvGrpSpPr>
+        <p:cNvPr id="1" name=""/>
+        <p:cNvGrpSpPr/>
+        <p:nvPr/>
+      </p:nvGrpSpPr>
+      <p:grpSpPr>
+        <a:xfrm>
+          <a:off x="0" y="0"/>
+          <a:ext cx="0" cy="0"/>
+          <a:chOff x="0" y="0"/>
+          <a:chExt cx="0" cy="0"/>
+        </a:xfrm>
+      </p:grpSpPr>
+      <p:sp>
+        <p:nvSpPr>
+          <p:cNvPr id="2" name="Tiêu đề 1">
+            <a:extLst>
+              <a:ext uri="{FF2B5EF4-FFF2-40B4-BE49-F238E27FC236}">
+                <a16:creationId xmlns:a16="http://schemas.microsoft.com/office/drawing/2014/main" id="{8092987F-C43C-467C-83F7-C5982E2C49D8}"/>
+              </a:ext>
+            </a:extLst>
+          </p:cNvPr>
+          <p:cNvSpPr>
+            <a:spLocks noGrp="1"/>
+          </p:cNvSpPr>
+          <p:nvPr>
+            <p:ph type="title"/>
+          </p:nvPr>
+        </p:nvSpPr>
+        <p:spPr/>
+        <p:txBody>
+          <a:bodyPr/>
+          <a:lstStyle/>
+          <a:p>
+            <a:r>
+              <a:rPr lang="vi-VN"/>
+              <a:t>Giải recurence relation</a:t>
+            </a:r>
+          </a:p>
+        </p:txBody>
+      </p:sp>
+      <p:sp>
+        <p:nvSpPr>
+          <p:cNvPr id="3" name="Chỗ dành sẵn cho Văn bản 2">
+            <a:extLst>
+              <a:ext uri="{FF2B5EF4-FFF2-40B4-BE49-F238E27FC236}">
+                <a16:creationId xmlns:a16="http://schemas.microsoft.com/office/drawing/2014/main" id="{4A4A6BD4-E880-49C7-B234-D2767438560F}"/>
+              </a:ext>
+            </a:extLst>
+          </p:cNvPr>
+          <p:cNvSpPr>
+            <a:spLocks noGrp="1"/>
+          </p:cNvSpPr>
+          <p:nvPr>
+            <p:ph type="body" idx="1"/>
+          </p:nvPr>
+        </p:nvSpPr>
+        <p:spPr>
+          <a:xfrm>
+            <a:off x="311700" y="1536633"/>
+            <a:ext cx="3449139" cy="3138606"/>
+          </a:xfrm>
+        </p:spPr>
+        <p:txBody>
+          <a:bodyPr/>
+          <a:lstStyle/>
+          <a:p>
+            <a:r>
+              <a:rPr lang="vi-VN" sz="2000">
+                <a:latin typeface="+mn-lt"/>
+              </a:rPr>
+              <a:t>Sử dụng:</a:t>
+            </a:r>
+          </a:p>
+          <a:p>
+            <a:pPr lvl="1"/>
+            <a:r>
+              <a:rPr lang="vi-VN" sz="2000" b="0">
+                <a:latin typeface="+mn-lt"/>
+              </a:rPr>
+              <a:t>Phương pháp thế</a:t>
+            </a:r>
+          </a:p>
+          <a:p>
+            <a:pPr lvl="1"/>
+            <a:r>
+              <a:rPr lang="vi-VN" sz="2000">
+                <a:latin typeface="+mn-lt"/>
+              </a:rPr>
+              <a:t>Recursive tree</a:t>
+            </a:r>
+          </a:p>
+          <a:p>
+            <a:pPr lvl="1"/>
+            <a:r>
+              <a:rPr lang="vi-VN" sz="2000" b="0">
+                <a:latin typeface="+mn-lt"/>
+              </a:rPr>
+              <a:t>Master theorem</a:t>
+            </a:r>
+          </a:p>
+        </p:txBody>
+      </p:sp>
+      <p:sp>
+        <p:nvSpPr>
+          <p:cNvPr id="4" name="Chỗ dành sẵn cho Số hiệu Bản chiếu 3">
+            <a:extLst>
+              <a:ext uri="{FF2B5EF4-FFF2-40B4-BE49-F238E27FC236}">
+                <a16:creationId xmlns:a16="http://schemas.microsoft.com/office/drawing/2014/main" id="{DAC8783A-7483-4FBD-9942-B2AAD98208AB}"/>
+              </a:ext>
+            </a:extLst>
+          </p:cNvPr>
+          <p:cNvSpPr>
+            <a:spLocks noGrp="1"/>
+          </p:cNvSpPr>
+          <p:nvPr>
+            <p:ph type="sldNum" idx="12"/>
+          </p:nvPr>
+        </p:nvSpPr>
+        <p:spPr/>
+        <p:txBody>
+          <a:bodyPr/>
+          <a:lstStyle/>
+          <a:p>
+            <a:pPr marL="0" lvl="0" indent="0" algn="r" rtl="0">
+              <a:spcBef>
+                <a:spcPts val="0"/>
+              </a:spcBef>
+              <a:spcAft>
+                <a:spcPts val="0"/>
+              </a:spcAft>
+              <a:buNone/>
+            </a:pPr>
+            <a:fld id="{00000000-1234-1234-1234-123412341234}" type="slidenum">
+              <a:rPr lang="en" smtClean="0"/>
+              <a:t>32</a:t>
+            </a:fld>
+            <a:endParaRPr lang="en"/>
+          </a:p>
+        </p:txBody>
+      </p:sp>
+      <mc:AlternateContent xmlns:mc="http://schemas.openxmlformats.org/markup-compatibility/2006" xmlns:a14="http://schemas.microsoft.com/office/drawing/2010/main">
+        <mc:Choice Requires="a14">
+          <p:sp>
+            <p:nvSpPr>
+              <p:cNvPr id="6" name="Hộp Văn bản 5">
+                <a:extLst>
+                  <a:ext uri="{FF2B5EF4-FFF2-40B4-BE49-F238E27FC236}">
+                    <a16:creationId xmlns:a16="http://schemas.microsoft.com/office/drawing/2014/main" id="{67279C3E-5A4C-4890-8C08-6E028041CBCD}"/>
+                  </a:ext>
+                </a:extLst>
+              </p:cNvPr>
+              <p:cNvSpPr txBox="1"/>
+              <p:nvPr/>
+            </p:nvSpPr>
+            <p:spPr>
+              <a:xfrm>
+                <a:off x="4033193" y="1157523"/>
+                <a:ext cx="4572000" cy="5584799"/>
+              </a:xfrm>
+              <a:prstGeom prst="rect">
+                <a:avLst/>
+              </a:prstGeom>
+              <a:noFill/>
+            </p:spPr>
+            <p:txBody>
+              <a:bodyPr wrap="square">
+                <a:spAutoFit/>
+              </a:bodyPr>
+              <a:lstStyle/>
+              <a:p>
+                <a:pPr>
+                  <a:lnSpc>
+                    <a:spcPct val="150000"/>
+                  </a:lnSpc>
+                </a:pPr>
+                <a:r>
+                  <a:rPr lang="vi-VN" sz="2000" b="0"/>
+                  <a:t>- </a:t>
+                </a:r>
+                <a14:m>
+                  <m:oMath xmlns:m="http://schemas.openxmlformats.org/officeDocument/2006/math">
+                    <m:r>
+                      <a:rPr lang="vi-VN" sz="2000" b="0" i="1" smtClean="0">
+                        <a:latin typeface="Cambria Math" panose="02040503050406030204" pitchFamily="18" charset="0"/>
+                      </a:rPr>
+                      <m:t>𝑇</m:t>
+                    </m:r>
+                    <m:d>
+                      <m:dPr>
+                        <m:ctrlPr>
+                          <a:rPr lang="vi-VN" sz="2000" b="0" i="1" smtClean="0">
+                            <a:latin typeface="Cambria Math" panose="02040503050406030204" pitchFamily="18" charset="0"/>
+                          </a:rPr>
+                        </m:ctrlPr>
+                      </m:dPr>
+                      <m:e>
+                        <m:r>
+                          <a:rPr lang="vi-VN" sz="2000" b="0" i="1" smtClean="0">
+                            <a:latin typeface="Cambria Math" panose="02040503050406030204" pitchFamily="18" charset="0"/>
+                          </a:rPr>
+                          <m:t>𝑛</m:t>
+                        </m:r>
+                      </m:e>
+                    </m:d>
+                    <m:r>
+                      <a:rPr lang="vi-VN" sz="2000" b="0" i="1" smtClean="0">
+                        <a:latin typeface="Cambria Math" panose="02040503050406030204" pitchFamily="18" charset="0"/>
+                      </a:rPr>
+                      <m:t>= </m:t>
+                    </m:r>
+                    <m:d>
+                      <m:dPr>
+                        <m:begChr m:val="{"/>
+                        <m:endChr m:val=""/>
+                        <m:ctrlPr>
+                          <a:rPr lang="vi-VN" sz="2000" b="0" i="1" smtClean="0">
+                            <a:latin typeface="Cambria Math" panose="02040503050406030204" pitchFamily="18" charset="0"/>
+                          </a:rPr>
+                        </m:ctrlPr>
+                      </m:dPr>
+                      <m:e>
+                        <m:eqArr>
+                          <m:eqArrPr>
+                            <m:ctrlPr>
+                              <a:rPr lang="vi-VN" sz="2000" b="0" i="1" smtClean="0">
+                                <a:latin typeface="Cambria Math" panose="02040503050406030204" pitchFamily="18" charset="0"/>
+                              </a:rPr>
+                            </m:ctrlPr>
+                          </m:eqArrPr>
+                          <m:e>
+                            <m:r>
+                              <a:rPr lang="vi-VN" sz="2000" b="0" i="1" smtClean="0">
+                                <a:latin typeface="Cambria Math" panose="02040503050406030204" pitchFamily="18" charset="0"/>
+                              </a:rPr>
+                              <m:t>1</m:t>
+                            </m:r>
+                            <m:r>
+                              <a:rPr lang="vi-VN" sz="2000" b="0" i="1" smtClean="0">
+                                <a:latin typeface="Cambria Math" panose="02040503050406030204" pitchFamily="18" charset="0"/>
+                              </a:rPr>
+                              <m:t>                        </m:t>
+                            </m:r>
+                            <m:r>
+                              <a:rPr lang="vi-VN" sz="2000" b="0" i="1" smtClean="0">
+                                <a:latin typeface="Cambria Math" panose="02040503050406030204" pitchFamily="18" charset="0"/>
+                              </a:rPr>
+                              <m:t>𝑖𝑓</m:t>
+                            </m:r>
+                            <m:r>
+                              <a:rPr lang="vi-VN" sz="2000" b="0" i="1" smtClean="0">
+                                <a:latin typeface="Cambria Math" panose="02040503050406030204" pitchFamily="18" charset="0"/>
+                              </a:rPr>
+                              <m:t> </m:t>
+                            </m:r>
+                            <m:r>
+                              <a:rPr lang="vi-VN" sz="2000" b="0" i="1" smtClean="0">
+                                <a:latin typeface="Cambria Math" panose="02040503050406030204" pitchFamily="18" charset="0"/>
+                              </a:rPr>
+                              <m:t>𝑛</m:t>
+                            </m:r>
+                            <m:r>
+                              <a:rPr lang="vi-VN" sz="2000" b="0" i="1" smtClean="0">
+                                <a:latin typeface="Cambria Math" panose="02040503050406030204" pitchFamily="18" charset="0"/>
+                              </a:rPr>
+                              <m:t>=</m:t>
+                            </m:r>
+                            <m:r>
+                              <a:rPr lang="vi-VN" sz="2000" b="0" i="1" smtClean="0">
+                                <a:latin typeface="Cambria Math" panose="02040503050406030204" pitchFamily="18" charset="0"/>
+                              </a:rPr>
+                              <m:t>1</m:t>
+                            </m:r>
+                          </m:e>
+                          <m:e>
+                            <m:r>
+                              <a:rPr lang="vi-VN" sz="2000" b="0" i="1" smtClean="0">
+                                <a:latin typeface="Cambria Math" panose="02040503050406030204" pitchFamily="18" charset="0"/>
+                              </a:rPr>
+                              <m:t>𝑇</m:t>
+                            </m:r>
+                            <m:d>
+                              <m:dPr>
+                                <m:ctrlPr>
+                                  <a:rPr lang="vi-VN" sz="2000" b="0" i="1" smtClean="0">
+                                    <a:latin typeface="Cambria Math" panose="02040503050406030204" pitchFamily="18" charset="0"/>
+                                  </a:rPr>
+                                </m:ctrlPr>
+                              </m:dPr>
+                              <m:e>
+                                <m:r>
+                                  <a:rPr lang="vi-VN" sz="2000" b="0" i="1" smtClean="0">
+                                    <a:latin typeface="Cambria Math" panose="02040503050406030204" pitchFamily="18" charset="0"/>
+                                  </a:rPr>
+                                  <m:t>𝑛</m:t>
+                                </m:r>
+                                <m:r>
+                                  <a:rPr lang="vi-VN" sz="2000" b="0" i="1" smtClean="0">
+                                    <a:latin typeface="Cambria Math" panose="02040503050406030204" pitchFamily="18" charset="0"/>
+                                  </a:rPr>
+                                  <m:t>−</m:t>
+                                </m:r>
+                                <m:r>
+                                  <a:rPr lang="vi-VN" sz="2000" b="0" i="1" smtClean="0">
+                                    <a:latin typeface="Cambria Math" panose="02040503050406030204" pitchFamily="18" charset="0"/>
+                                  </a:rPr>
+                                  <m:t>1</m:t>
+                                </m:r>
+                              </m:e>
+                            </m:d>
+                            <m:r>
+                              <a:rPr lang="vi-VN" sz="2000" b="0" i="1" smtClean="0">
+                                <a:latin typeface="Cambria Math" panose="02040503050406030204" pitchFamily="18" charset="0"/>
+                              </a:rPr>
+                              <m:t>+</m:t>
+                            </m:r>
+                            <m:r>
+                              <a:rPr lang="vi-VN" sz="2000" b="0" i="1" smtClean="0">
+                                <a:latin typeface="Cambria Math" panose="02040503050406030204" pitchFamily="18" charset="0"/>
+                              </a:rPr>
+                              <m:t>1</m:t>
+                            </m:r>
+                            <m:r>
+                              <a:rPr lang="vi-VN" sz="2000" b="0" i="1" smtClean="0">
+                                <a:latin typeface="Cambria Math" panose="02040503050406030204" pitchFamily="18" charset="0"/>
+                              </a:rPr>
+                              <m:t>   </m:t>
+                            </m:r>
+                            <m:r>
+                              <a:rPr lang="vi-VN" sz="2000" b="0" i="1" smtClean="0">
+                                <a:latin typeface="Cambria Math" panose="02040503050406030204" pitchFamily="18" charset="0"/>
+                              </a:rPr>
+                              <m:t>𝑖𝑓</m:t>
+                            </m:r>
+                            <m:r>
+                              <a:rPr lang="vi-VN" sz="2000" b="0" i="1" smtClean="0">
+                                <a:latin typeface="Cambria Math" panose="02040503050406030204" pitchFamily="18" charset="0"/>
+                              </a:rPr>
+                              <m:t> </m:t>
+                            </m:r>
+                            <m:r>
+                              <a:rPr lang="vi-VN" sz="2000" b="0" i="1" smtClean="0">
+                                <a:latin typeface="Cambria Math" panose="02040503050406030204" pitchFamily="18" charset="0"/>
+                              </a:rPr>
+                              <m:t>𝑛</m:t>
+                            </m:r>
+                            <m:r>
+                              <a:rPr lang="vi-VN" sz="2000" b="0" i="1" smtClean="0">
+                                <a:latin typeface="Cambria Math" panose="02040503050406030204" pitchFamily="18" charset="0"/>
+                              </a:rPr>
+                              <m:t>&gt;</m:t>
+                            </m:r>
+                            <m:r>
+                              <a:rPr lang="vi-VN" sz="2000" b="0" i="1" smtClean="0">
+                                <a:latin typeface="Cambria Math" panose="02040503050406030204" pitchFamily="18" charset="0"/>
+                              </a:rPr>
+                              <m:t>1</m:t>
+                            </m:r>
+                          </m:e>
+                        </m:eqArr>
+                      </m:e>
+                    </m:d>
+                  </m:oMath>
+                </a14:m>
+                <a:endParaRPr lang="vi-VN" sz="2000" b="0"/>
+              </a:p>
+              <a:p>
+                <a:pPr>
+                  <a:lnSpc>
+                    <a:spcPct val="150000"/>
+                  </a:lnSpc>
+                  <a:buFont typeface="Wingdings" panose="05000000000000000000" pitchFamily="2" charset="2"/>
+                  <a:buChar char="à"/>
+                </a:pPr>
+                <a14:m>
+                  <m:oMath xmlns:m="http://schemas.openxmlformats.org/officeDocument/2006/math">
+                    <m:r>
+                      <a:rPr lang="vi-VN" sz="2000" i="1" smtClean="0">
+                        <a:latin typeface="Cambria Math" panose="02040503050406030204" pitchFamily="18" charset="0"/>
+                        <a:sym typeface="Wingdings" panose="05000000000000000000" pitchFamily="2" charset="2"/>
+                      </a:rPr>
+                      <m:t>𝑇</m:t>
+                    </m:r>
+                    <m:r>
+                      <a:rPr lang="vi-VN" sz="2000" i="1" smtClean="0">
+                        <a:latin typeface="Cambria Math" panose="02040503050406030204" pitchFamily="18" charset="0"/>
+                        <a:sym typeface="Wingdings" panose="05000000000000000000" pitchFamily="2" charset="2"/>
+                      </a:rPr>
+                      <m:t>(</m:t>
+                    </m:r>
+                    <m:r>
+                      <a:rPr lang="vi-VN" sz="2000" i="1" smtClean="0">
+                        <a:latin typeface="Cambria Math" panose="02040503050406030204" pitchFamily="18" charset="0"/>
+                        <a:sym typeface="Wingdings" panose="05000000000000000000" pitchFamily="2" charset="2"/>
+                      </a:rPr>
+                      <m:t>𝑛</m:t>
+                    </m:r>
+                    <m:r>
+                      <a:rPr lang="vi-VN" sz="2000" i="1" smtClean="0">
+                        <a:latin typeface="Cambria Math" panose="02040503050406030204" pitchFamily="18" charset="0"/>
+                        <a:sym typeface="Wingdings" panose="05000000000000000000" pitchFamily="2" charset="2"/>
+                      </a:rPr>
+                      <m:t>) =</m:t>
+                    </m:r>
+                    <m:r>
+                      <a:rPr lang="vi-VN" sz="2000" b="0" i="1" smtClean="0">
+                        <a:latin typeface="Cambria Math" panose="02040503050406030204" pitchFamily="18" charset="0"/>
+                        <a:sym typeface="Wingdings" panose="05000000000000000000" pitchFamily="2" charset="2"/>
+                      </a:rPr>
+                      <m:t>𝑛</m:t>
+                    </m:r>
+                  </m:oMath>
+                </a14:m>
+                <a:endParaRPr lang="vi-VN" sz="2000"/>
+              </a:p>
+              <a:p>
+                <a:pPr>
+                  <a:lnSpc>
+                    <a:spcPct val="150000"/>
+                  </a:lnSpc>
+                </a:pPr>
+                <a:r>
+                  <a:rPr lang="vi-VN" sz="2000" b="0"/>
+                  <a:t>- </a:t>
+                </a:r>
+                <a14:m>
+                  <m:oMath xmlns:m="http://schemas.openxmlformats.org/officeDocument/2006/math">
+                    <m:r>
+                      <a:rPr lang="vi-VN" sz="2000" b="0" i="1" smtClean="0">
+                        <a:latin typeface="Cambria Math" panose="02040503050406030204" pitchFamily="18" charset="0"/>
+                      </a:rPr>
+                      <m:t>𝑇</m:t>
+                    </m:r>
+                    <m:d>
+                      <m:dPr>
+                        <m:ctrlPr>
+                          <a:rPr lang="vi-VN" sz="2000" b="0" i="1" smtClean="0">
+                            <a:latin typeface="Cambria Math" panose="02040503050406030204" pitchFamily="18" charset="0"/>
+                          </a:rPr>
+                        </m:ctrlPr>
+                      </m:dPr>
+                      <m:e>
+                        <m:r>
+                          <a:rPr lang="vi-VN" sz="2000" b="0" i="1" smtClean="0">
+                            <a:latin typeface="Cambria Math" panose="02040503050406030204" pitchFamily="18" charset="0"/>
+                          </a:rPr>
+                          <m:t>𝑛</m:t>
+                        </m:r>
+                      </m:e>
+                    </m:d>
+                    <m:r>
+                      <a:rPr lang="vi-VN" sz="2000" b="0" i="1" smtClean="0">
+                        <a:latin typeface="Cambria Math" panose="02040503050406030204" pitchFamily="18" charset="0"/>
+                      </a:rPr>
+                      <m:t>= </m:t>
+                    </m:r>
+                    <m:d>
+                      <m:dPr>
+                        <m:begChr m:val="{"/>
+                        <m:endChr m:val=""/>
+                        <m:ctrlPr>
+                          <a:rPr lang="vi-VN" sz="2000" b="0" i="1" smtClean="0">
+                            <a:latin typeface="Cambria Math" panose="02040503050406030204" pitchFamily="18" charset="0"/>
+                          </a:rPr>
+                        </m:ctrlPr>
+                      </m:dPr>
+                      <m:e>
+                        <m:eqArr>
+                          <m:eqArrPr>
+                            <m:ctrlPr>
+                              <a:rPr lang="vi-VN" sz="2000" b="0" i="1" smtClean="0">
+                                <a:latin typeface="Cambria Math" panose="02040503050406030204" pitchFamily="18" charset="0"/>
+                              </a:rPr>
+                            </m:ctrlPr>
+                          </m:eqArrPr>
+                          <m:e>
+                            <m:r>
+                              <a:rPr lang="vi-VN" sz="2000" b="0" i="1" smtClean="0">
+                                <a:latin typeface="Cambria Math" panose="02040503050406030204" pitchFamily="18" charset="0"/>
+                              </a:rPr>
+                              <m:t>1</m:t>
+                            </m:r>
+                            <m:r>
+                              <a:rPr lang="vi-VN" sz="2000" b="0" i="1" smtClean="0">
+                                <a:latin typeface="Cambria Math" panose="02040503050406030204" pitchFamily="18" charset="0"/>
+                              </a:rPr>
+                              <m:t>                        </m:t>
+                            </m:r>
+                            <m:r>
+                              <a:rPr lang="vi-VN" sz="2000" b="0" i="1" smtClean="0">
+                                <a:latin typeface="Cambria Math" panose="02040503050406030204" pitchFamily="18" charset="0"/>
+                              </a:rPr>
+                              <m:t>𝑖𝑓</m:t>
+                            </m:r>
+                            <m:r>
+                              <a:rPr lang="vi-VN" sz="2000" b="0" i="1" smtClean="0">
+                                <a:latin typeface="Cambria Math" panose="02040503050406030204" pitchFamily="18" charset="0"/>
+                              </a:rPr>
+                              <m:t> </m:t>
+                            </m:r>
+                            <m:r>
+                              <a:rPr lang="vi-VN" sz="2000" b="0" i="1" smtClean="0">
+                                <a:latin typeface="Cambria Math" panose="02040503050406030204" pitchFamily="18" charset="0"/>
+                              </a:rPr>
+                              <m:t>𝑛</m:t>
+                            </m:r>
+                            <m:r>
+                              <a:rPr lang="vi-VN" sz="2000" b="0" i="1" smtClean="0">
+                                <a:latin typeface="Cambria Math" panose="02040503050406030204" pitchFamily="18" charset="0"/>
+                              </a:rPr>
+                              <m:t>=</m:t>
+                            </m:r>
+                            <m:r>
+                              <a:rPr lang="vi-VN" sz="2000" b="0" i="1" smtClean="0">
+                                <a:latin typeface="Cambria Math" panose="02040503050406030204" pitchFamily="18" charset="0"/>
+                              </a:rPr>
+                              <m:t>1</m:t>
+                            </m:r>
+                          </m:e>
+                          <m:e>
+                            <m:r>
+                              <a:rPr lang="vi-VN" sz="2000" b="0" i="1" smtClean="0">
+                                <a:latin typeface="Cambria Math" panose="02040503050406030204" pitchFamily="18" charset="0"/>
+                              </a:rPr>
+                              <m:t>2</m:t>
+                            </m:r>
+                            <m:r>
+                              <a:rPr lang="vi-VN" sz="2000" b="0" i="1" smtClean="0">
+                                <a:latin typeface="Cambria Math" panose="02040503050406030204" pitchFamily="18" charset="0"/>
+                              </a:rPr>
+                              <m:t>𝑇</m:t>
+                            </m:r>
+                            <m:d>
+                              <m:dPr>
+                                <m:ctrlPr>
+                                  <a:rPr lang="vi-VN" sz="2000" b="0" i="1" smtClean="0">
+                                    <a:latin typeface="Cambria Math" panose="02040503050406030204" pitchFamily="18" charset="0"/>
+                                  </a:rPr>
+                                </m:ctrlPr>
+                              </m:dPr>
+                              <m:e>
+                                <m:f>
+                                  <m:fPr>
+                                    <m:ctrlPr>
+                                      <a:rPr lang="vi-VN" sz="2000" b="0" i="1" smtClean="0">
+                                        <a:latin typeface="Cambria Math" panose="02040503050406030204" pitchFamily="18" charset="0"/>
+                                      </a:rPr>
+                                    </m:ctrlPr>
+                                  </m:fPr>
+                                  <m:num>
+                                    <m:r>
+                                      <a:rPr lang="vi-VN" sz="2000" b="0" i="1" smtClean="0">
+                                        <a:latin typeface="Cambria Math" panose="02040503050406030204" pitchFamily="18" charset="0"/>
+                                      </a:rPr>
+                                      <m:t>𝑛</m:t>
+                                    </m:r>
+                                  </m:num>
+                                  <m:den>
+                                    <m:r>
+                                      <a:rPr lang="vi-VN" sz="2000" b="0" i="1" smtClean="0">
+                                        <a:latin typeface="Cambria Math" panose="02040503050406030204" pitchFamily="18" charset="0"/>
+                                      </a:rPr>
+                                      <m:t>2</m:t>
+                                    </m:r>
+                                  </m:den>
+                                </m:f>
+                              </m:e>
+                            </m:d>
+                            <m:r>
+                              <a:rPr lang="vi-VN" sz="2000" b="0" i="1" smtClean="0">
+                                <a:latin typeface="Cambria Math" panose="02040503050406030204" pitchFamily="18" charset="0"/>
+                              </a:rPr>
+                              <m:t>+</m:t>
+                            </m:r>
+                            <m:r>
+                              <a:rPr lang="vi-VN" sz="2000" b="0" i="1" smtClean="0">
+                                <a:latin typeface="Cambria Math" panose="02040503050406030204" pitchFamily="18" charset="0"/>
+                              </a:rPr>
+                              <m:t>𝑛</m:t>
+                            </m:r>
+                            <m:r>
+                              <a:rPr lang="vi-VN" sz="2000" b="0" i="1" smtClean="0">
+                                <a:latin typeface="Cambria Math" panose="02040503050406030204" pitchFamily="18" charset="0"/>
+                              </a:rPr>
+                              <m:t>     </m:t>
+                            </m:r>
+                            <m:r>
+                              <a:rPr lang="vi-VN" sz="2000" b="0" i="1" smtClean="0">
+                                <a:latin typeface="Cambria Math" panose="02040503050406030204" pitchFamily="18" charset="0"/>
+                              </a:rPr>
+                              <m:t>𝑖𝑓</m:t>
+                            </m:r>
+                            <m:r>
+                              <a:rPr lang="vi-VN" sz="2000" b="0" i="1" smtClean="0">
+                                <a:latin typeface="Cambria Math" panose="02040503050406030204" pitchFamily="18" charset="0"/>
+                              </a:rPr>
+                              <m:t> </m:t>
+                            </m:r>
+                            <m:r>
+                              <a:rPr lang="vi-VN" sz="2000" b="0" i="1" smtClean="0">
+                                <a:latin typeface="Cambria Math" panose="02040503050406030204" pitchFamily="18" charset="0"/>
+                              </a:rPr>
+                              <m:t>𝑛</m:t>
+                            </m:r>
+                            <m:r>
+                              <a:rPr lang="vi-VN" sz="2000" b="0" i="1" smtClean="0">
+                                <a:latin typeface="Cambria Math" panose="02040503050406030204" pitchFamily="18" charset="0"/>
+                              </a:rPr>
+                              <m:t>≥</m:t>
+                            </m:r>
+                            <m:r>
+                              <a:rPr lang="vi-VN" sz="2000" b="0" i="1" smtClean="0">
+                                <a:latin typeface="Cambria Math" panose="02040503050406030204" pitchFamily="18" charset="0"/>
+                              </a:rPr>
+                              <m:t>1</m:t>
+                            </m:r>
+                          </m:e>
+                        </m:eqArr>
+                      </m:e>
+                    </m:d>
+                  </m:oMath>
+                </a14:m>
+                <a:endParaRPr lang="vi-VN" sz="2000" b="0"/>
+              </a:p>
+              <a:p>
+                <a:pPr>
+                  <a:lnSpc>
+                    <a:spcPct val="150000"/>
+                  </a:lnSpc>
+                  <a:buFont typeface="Wingdings" panose="05000000000000000000" pitchFamily="2" charset="2"/>
+                  <a:buChar char="à"/>
+                </a:pPr>
+                <a14:m>
+                  <m:oMath xmlns:m="http://schemas.openxmlformats.org/officeDocument/2006/math">
+                    <m:r>
+                      <a:rPr lang="vi-VN" sz="2000" i="1" smtClean="0">
+                        <a:latin typeface="Cambria Math" panose="02040503050406030204" pitchFamily="18" charset="0"/>
+                        <a:sym typeface="Wingdings" panose="05000000000000000000" pitchFamily="2" charset="2"/>
+                      </a:rPr>
+                      <m:t>𝑇</m:t>
+                    </m:r>
+                    <m:d>
+                      <m:dPr>
+                        <m:ctrlPr>
+                          <a:rPr lang="vi-VN" sz="2000" i="1" smtClean="0">
+                            <a:latin typeface="Cambria Math" panose="02040503050406030204" pitchFamily="18" charset="0"/>
+                            <a:sym typeface="Wingdings" panose="05000000000000000000" pitchFamily="2" charset="2"/>
+                          </a:rPr>
+                        </m:ctrlPr>
+                      </m:dPr>
+                      <m:e>
+                        <m:r>
+                          <a:rPr lang="vi-VN" sz="2000" i="1" smtClean="0">
+                            <a:latin typeface="Cambria Math" panose="02040503050406030204" pitchFamily="18" charset="0"/>
+                            <a:sym typeface="Wingdings" panose="05000000000000000000" pitchFamily="2" charset="2"/>
+                          </a:rPr>
+                          <m:t>𝑛</m:t>
+                        </m:r>
+                      </m:e>
+                    </m:d>
+                    <m:r>
+                      <a:rPr lang="vi-VN" sz="2000" i="1" smtClean="0">
+                        <a:latin typeface="Cambria Math" panose="02040503050406030204" pitchFamily="18" charset="0"/>
+                        <a:sym typeface="Wingdings" panose="05000000000000000000" pitchFamily="2" charset="2"/>
+                      </a:rPr>
+                      <m:t>=</m:t>
+                    </m:r>
+                    <m:r>
+                      <a:rPr lang="vi-VN" sz="2000" b="0" i="1" smtClean="0">
+                        <a:latin typeface="Cambria Math" panose="02040503050406030204" pitchFamily="18" charset="0"/>
+                        <a:sym typeface="Wingdings" panose="05000000000000000000" pitchFamily="2" charset="2"/>
+                      </a:rPr>
+                      <m:t>𝑛𝑙𝑛</m:t>
+                    </m:r>
+                    <m:d>
+                      <m:dPr>
+                        <m:ctrlPr>
+                          <a:rPr lang="vi-VN" sz="2000" b="0" i="1" smtClean="0">
+                            <a:latin typeface="Cambria Math" panose="02040503050406030204" pitchFamily="18" charset="0"/>
+                            <a:sym typeface="Wingdings" panose="05000000000000000000" pitchFamily="2" charset="2"/>
+                          </a:rPr>
+                        </m:ctrlPr>
+                      </m:dPr>
+                      <m:e>
+                        <m:r>
+                          <a:rPr lang="vi-VN" sz="2000" b="0" i="1" smtClean="0">
+                            <a:latin typeface="Cambria Math" panose="02040503050406030204" pitchFamily="18" charset="0"/>
+                            <a:sym typeface="Wingdings" panose="05000000000000000000" pitchFamily="2" charset="2"/>
+                          </a:rPr>
+                          <m:t>𝑛</m:t>
+                        </m:r>
+                      </m:e>
+                    </m:d>
+                    <m:r>
+                      <a:rPr lang="vi-VN" sz="2000" b="0" i="1" smtClean="0">
+                        <a:latin typeface="Cambria Math" panose="02040503050406030204" pitchFamily="18" charset="0"/>
+                        <a:sym typeface="Wingdings" panose="05000000000000000000" pitchFamily="2" charset="2"/>
+                      </a:rPr>
+                      <m:t>+</m:t>
+                    </m:r>
+                    <m:r>
+                      <a:rPr lang="vi-VN" sz="2000" b="0" i="1" smtClean="0">
+                        <a:latin typeface="Cambria Math" panose="02040503050406030204" pitchFamily="18" charset="0"/>
+                        <a:sym typeface="Wingdings" panose="05000000000000000000" pitchFamily="2" charset="2"/>
+                      </a:rPr>
+                      <m:t>𝑛</m:t>
+                    </m:r>
+                  </m:oMath>
+                </a14:m>
+                <a:endParaRPr lang="vi-VN" sz="2000"/>
+              </a:p>
+              <a:p>
+                <a:pPr>
+                  <a:lnSpc>
+                    <a:spcPct val="150000"/>
+                  </a:lnSpc>
+                </a:pPr>
+                <a:r>
+                  <a:rPr lang="vi-VN" sz="2000" b="0"/>
+                  <a:t>- </a:t>
+                </a:r>
+                <a14:m>
+                  <m:oMath xmlns:m="http://schemas.openxmlformats.org/officeDocument/2006/math">
+                    <m:r>
+                      <a:rPr lang="vi-VN" sz="2000" b="0" i="1" smtClean="0">
+                        <a:latin typeface="Cambria Math" panose="02040503050406030204" pitchFamily="18" charset="0"/>
+                      </a:rPr>
+                      <m:t>𝑇</m:t>
+                    </m:r>
+                    <m:d>
+                      <m:dPr>
+                        <m:ctrlPr>
+                          <a:rPr lang="vi-VN" sz="2000" b="0" i="1" smtClean="0">
+                            <a:latin typeface="Cambria Math" panose="02040503050406030204" pitchFamily="18" charset="0"/>
+                          </a:rPr>
+                        </m:ctrlPr>
+                      </m:dPr>
+                      <m:e>
+                        <m:r>
+                          <a:rPr lang="vi-VN" sz="2000" b="0" i="1" smtClean="0">
+                            <a:latin typeface="Cambria Math" panose="02040503050406030204" pitchFamily="18" charset="0"/>
+                          </a:rPr>
+                          <m:t>𝑛</m:t>
+                        </m:r>
+                      </m:e>
+                    </m:d>
+                    <m:r>
+                      <a:rPr lang="vi-VN" sz="2000" b="0" i="1" smtClean="0">
+                        <a:latin typeface="Cambria Math" panose="02040503050406030204" pitchFamily="18" charset="0"/>
+                      </a:rPr>
+                      <m:t>= </m:t>
+                    </m:r>
+                    <m:d>
+                      <m:dPr>
+                        <m:begChr m:val="{"/>
+                        <m:endChr m:val=""/>
+                        <m:ctrlPr>
+                          <a:rPr lang="vi-VN" sz="2000" b="0" i="1" smtClean="0">
+                            <a:latin typeface="Cambria Math" panose="02040503050406030204" pitchFamily="18" charset="0"/>
+                          </a:rPr>
+                        </m:ctrlPr>
+                      </m:dPr>
+                      <m:e>
+                        <m:eqArr>
+                          <m:eqArrPr>
+                            <m:ctrlPr>
+                              <a:rPr lang="vi-VN" sz="2000" b="0" i="1" smtClean="0">
+                                <a:latin typeface="Cambria Math" panose="02040503050406030204" pitchFamily="18" charset="0"/>
+                              </a:rPr>
+                            </m:ctrlPr>
+                          </m:eqArrPr>
+                          <m:e>
+                            <m:r>
+                              <a:rPr lang="vi-VN" sz="2000" b="0" i="1" smtClean="0">
+                                <a:latin typeface="Cambria Math" panose="02040503050406030204" pitchFamily="18" charset="0"/>
+                              </a:rPr>
+                              <m:t>0</m:t>
+                            </m:r>
+                            <m:r>
+                              <a:rPr lang="vi-VN" sz="2000" b="0" i="1" smtClean="0">
+                                <a:latin typeface="Cambria Math" panose="02040503050406030204" pitchFamily="18" charset="0"/>
+                              </a:rPr>
+                              <m:t>                        </m:t>
+                            </m:r>
+                            <m:r>
+                              <a:rPr lang="vi-VN" sz="2000" b="0" i="1" smtClean="0">
+                                <a:latin typeface="Cambria Math" panose="02040503050406030204" pitchFamily="18" charset="0"/>
+                              </a:rPr>
+                              <m:t>𝑖𝑓</m:t>
+                            </m:r>
+                            <m:r>
+                              <a:rPr lang="vi-VN" sz="2000" b="0" i="1" smtClean="0">
+                                <a:latin typeface="Cambria Math" panose="02040503050406030204" pitchFamily="18" charset="0"/>
+                              </a:rPr>
+                              <m:t> </m:t>
+                            </m:r>
+                            <m:r>
+                              <a:rPr lang="vi-VN" sz="2000" b="0" i="1" smtClean="0">
+                                <a:latin typeface="Cambria Math" panose="02040503050406030204" pitchFamily="18" charset="0"/>
+                              </a:rPr>
+                              <m:t>𝑛</m:t>
+                            </m:r>
+                            <m:r>
+                              <a:rPr lang="vi-VN" sz="2000" b="0" i="1" smtClean="0">
+                                <a:latin typeface="Cambria Math" panose="02040503050406030204" pitchFamily="18" charset="0"/>
+                              </a:rPr>
+                              <m:t>=</m:t>
+                            </m:r>
+                            <m:r>
+                              <a:rPr lang="vi-VN" sz="2000" b="0" i="1" smtClean="0">
+                                <a:latin typeface="Cambria Math" panose="02040503050406030204" pitchFamily="18" charset="0"/>
+                              </a:rPr>
+                              <m:t>2</m:t>
+                            </m:r>
+                          </m:e>
+                          <m:e>
+                            <m:r>
+                              <a:rPr lang="vi-VN" sz="2000" b="0" i="1" smtClean="0">
+                                <a:latin typeface="Cambria Math" panose="02040503050406030204" pitchFamily="18" charset="0"/>
+                              </a:rPr>
+                              <m:t>𝑇</m:t>
+                            </m:r>
+                            <m:d>
+                              <m:dPr>
+                                <m:ctrlPr>
+                                  <a:rPr lang="vi-VN" sz="2000" b="0" i="1" smtClean="0">
+                                    <a:latin typeface="Cambria Math" panose="02040503050406030204" pitchFamily="18" charset="0"/>
+                                  </a:rPr>
+                                </m:ctrlPr>
+                              </m:dPr>
+                              <m:e>
+                                <m:rad>
+                                  <m:radPr>
+                                    <m:degHide m:val="on"/>
+                                    <m:ctrlPr>
+                                      <a:rPr lang="vi-VN" sz="2000" b="0" i="1" smtClean="0">
+                                        <a:latin typeface="Cambria Math" panose="02040503050406030204" pitchFamily="18" charset="0"/>
+                                      </a:rPr>
+                                    </m:ctrlPr>
+                                  </m:radPr>
+                                  <m:deg/>
+                                  <m:e>
+                                    <m:r>
+                                      <a:rPr lang="vi-VN" sz="2000" b="0" i="1" smtClean="0">
+                                        <a:latin typeface="Cambria Math" panose="02040503050406030204" pitchFamily="18" charset="0"/>
+                                      </a:rPr>
+                                      <m:t>𝑛</m:t>
+                                    </m:r>
+                                  </m:e>
+                                </m:rad>
+                              </m:e>
+                            </m:d>
+                            <m:r>
+                              <a:rPr lang="vi-VN" sz="2000" b="0" i="1" smtClean="0">
+                                <a:latin typeface="Cambria Math" panose="02040503050406030204" pitchFamily="18" charset="0"/>
+                              </a:rPr>
+                              <m:t>+</m:t>
+                            </m:r>
+                            <m:r>
+                              <a:rPr lang="vi-VN" sz="2000" b="0" i="1" smtClean="0">
+                                <a:latin typeface="Cambria Math" panose="02040503050406030204" pitchFamily="18" charset="0"/>
+                              </a:rPr>
+                              <m:t>1</m:t>
+                            </m:r>
+                            <m:r>
+                              <a:rPr lang="vi-VN" sz="2000" b="0" i="1" smtClean="0">
+                                <a:latin typeface="Cambria Math" panose="02040503050406030204" pitchFamily="18" charset="0"/>
+                              </a:rPr>
+                              <m:t>      </m:t>
+                            </m:r>
+                            <m:r>
+                              <a:rPr lang="vi-VN" sz="2000" b="0" i="1" smtClean="0">
+                                <a:latin typeface="Cambria Math" panose="02040503050406030204" pitchFamily="18" charset="0"/>
+                              </a:rPr>
+                              <m:t>𝑖𝑓</m:t>
+                            </m:r>
+                            <m:r>
+                              <a:rPr lang="vi-VN" sz="2000" b="0" i="1" smtClean="0">
+                                <a:latin typeface="Cambria Math" panose="02040503050406030204" pitchFamily="18" charset="0"/>
+                              </a:rPr>
+                              <m:t> </m:t>
+                            </m:r>
+                            <m:r>
+                              <a:rPr lang="vi-VN" sz="2000" b="0" i="1" smtClean="0">
+                                <a:latin typeface="Cambria Math" panose="02040503050406030204" pitchFamily="18" charset="0"/>
+                              </a:rPr>
+                              <m:t>𝑛</m:t>
+                            </m:r>
+                            <m:r>
+                              <a:rPr lang="vi-VN" sz="2000" b="0" i="1" smtClean="0">
+                                <a:latin typeface="Cambria Math" panose="02040503050406030204" pitchFamily="18" charset="0"/>
+                              </a:rPr>
+                              <m:t>≥</m:t>
+                            </m:r>
+                            <m:r>
+                              <a:rPr lang="vi-VN" sz="2000" b="0" i="1" smtClean="0">
+                                <a:latin typeface="Cambria Math" panose="02040503050406030204" pitchFamily="18" charset="0"/>
+                              </a:rPr>
+                              <m:t>2</m:t>
+                            </m:r>
+                          </m:e>
+                        </m:eqArr>
+                      </m:e>
+                    </m:d>
+                  </m:oMath>
+                </a14:m>
+                <a:endParaRPr lang="vi-VN" sz="2000" b="0"/>
+              </a:p>
+              <a:p>
+                <a:pPr>
+                  <a:lnSpc>
+                    <a:spcPct val="150000"/>
+                  </a:lnSpc>
+                  <a:buFont typeface="Wingdings" panose="05000000000000000000" pitchFamily="2" charset="2"/>
+                  <a:buChar char="à"/>
+                </a:pPr>
+                <a14:m>
+                  <m:oMath xmlns:m="http://schemas.openxmlformats.org/officeDocument/2006/math">
+                    <m:r>
+                      <a:rPr lang="vi-VN" sz="2000" i="1" smtClean="0">
+                        <a:latin typeface="Cambria Math" panose="02040503050406030204" pitchFamily="18" charset="0"/>
+                        <a:sym typeface="Wingdings" panose="05000000000000000000" pitchFamily="2" charset="2"/>
+                      </a:rPr>
+                      <m:t>𝑇</m:t>
+                    </m:r>
+                    <m:d>
+                      <m:dPr>
+                        <m:ctrlPr>
+                          <a:rPr lang="vi-VN" sz="2000" i="1" smtClean="0">
+                            <a:latin typeface="Cambria Math" panose="02040503050406030204" pitchFamily="18" charset="0"/>
+                            <a:sym typeface="Wingdings" panose="05000000000000000000" pitchFamily="2" charset="2"/>
+                          </a:rPr>
+                        </m:ctrlPr>
+                      </m:dPr>
+                      <m:e>
+                        <m:r>
+                          <a:rPr lang="vi-VN" sz="2000" i="1" smtClean="0">
+                            <a:latin typeface="Cambria Math" panose="02040503050406030204" pitchFamily="18" charset="0"/>
+                            <a:sym typeface="Wingdings" panose="05000000000000000000" pitchFamily="2" charset="2"/>
+                          </a:rPr>
+                          <m:t>𝑛</m:t>
+                        </m:r>
+                      </m:e>
+                    </m:d>
+                    <m:r>
+                      <a:rPr lang="vi-VN" sz="2000" i="1" smtClean="0">
+                        <a:latin typeface="Cambria Math" panose="02040503050406030204" pitchFamily="18" charset="0"/>
+                        <a:sym typeface="Wingdings" panose="05000000000000000000" pitchFamily="2" charset="2"/>
+                      </a:rPr>
+                      <m:t>=</m:t>
+                    </m:r>
+                    <m:r>
+                      <m:rPr>
+                        <m:sty m:val="p"/>
+                      </m:rPr>
+                      <a:rPr lang="vi-VN" sz="2000" b="0" i="0" smtClean="0">
+                        <a:latin typeface="Cambria Math" panose="02040503050406030204" pitchFamily="18" charset="0"/>
+                        <a:sym typeface="Wingdings" panose="05000000000000000000" pitchFamily="2" charset="2"/>
+                      </a:rPr>
+                      <m:t>ln</m:t>
+                    </m:r>
+                    <m:r>
+                      <a:rPr lang="vi-VN" sz="2000" b="0" i="1" smtClean="0">
+                        <a:latin typeface="Cambria Math" panose="02040503050406030204" pitchFamily="18" charset="0"/>
+                        <a:sym typeface="Wingdings" panose="05000000000000000000" pitchFamily="2" charset="2"/>
+                      </a:rPr>
+                      <m:t>⁡(</m:t>
+                    </m:r>
+                    <m:func>
+                      <m:funcPr>
+                        <m:ctrlPr>
+                          <a:rPr lang="vi-VN" sz="2000" b="0" i="1" smtClean="0">
+                            <a:latin typeface="Cambria Math" panose="02040503050406030204" pitchFamily="18" charset="0"/>
+                            <a:sym typeface="Wingdings" panose="05000000000000000000" pitchFamily="2" charset="2"/>
+                          </a:rPr>
+                        </m:ctrlPr>
+                      </m:funcPr>
+                      <m:fName>
+                        <m:r>
+                          <m:rPr>
+                            <m:sty m:val="p"/>
+                          </m:rPr>
+                          <a:rPr lang="vi-VN" sz="2000" b="0" i="0" smtClean="0">
+                            <a:latin typeface="Cambria Math" panose="02040503050406030204" pitchFamily="18" charset="0"/>
+                            <a:sym typeface="Wingdings" panose="05000000000000000000" pitchFamily="2" charset="2"/>
+                          </a:rPr>
+                          <m:t>ln</m:t>
+                        </m:r>
+                      </m:fName>
+                      <m:e>
+                        <m:d>
+                          <m:dPr>
+                            <m:ctrlPr>
+                              <a:rPr lang="vi-VN" sz="2000" b="0" i="1" smtClean="0">
+                                <a:latin typeface="Cambria Math" panose="02040503050406030204" pitchFamily="18" charset="0"/>
+                                <a:sym typeface="Wingdings" panose="05000000000000000000" pitchFamily="2" charset="2"/>
+                              </a:rPr>
+                            </m:ctrlPr>
+                          </m:dPr>
+                          <m:e>
+                            <m:r>
+                              <a:rPr lang="vi-VN" sz="2000" b="0" i="1" smtClean="0">
+                                <a:latin typeface="Cambria Math" panose="02040503050406030204" pitchFamily="18" charset="0"/>
+                                <a:sym typeface="Wingdings" panose="05000000000000000000" pitchFamily="2" charset="2"/>
+                              </a:rPr>
+                              <m:t>𝑛</m:t>
+                            </m:r>
+                          </m:e>
+                        </m:d>
+                      </m:e>
+                    </m:func>
+                    <m:r>
+                      <a:rPr lang="vi-VN" sz="2000" b="0" i="1" smtClean="0">
+                        <a:latin typeface="Cambria Math" panose="02040503050406030204" pitchFamily="18" charset="0"/>
+                        <a:sym typeface="Wingdings" panose="05000000000000000000" pitchFamily="2" charset="2"/>
+                      </a:rPr>
+                      <m:t>)</m:t>
+                    </m:r>
+                  </m:oMath>
+                </a14:m>
+                <a:endParaRPr lang="vi-VN" sz="2000"/>
+              </a:p>
+              <a:p>
+                <a:pPr>
+                  <a:lnSpc>
+                    <a:spcPct val="150000"/>
+                  </a:lnSpc>
+                  <a:buFont typeface="Courier New" panose="02070309020205020404" pitchFamily="49" charset="0"/>
+                  <a:buChar char="o"/>
+                </a:pPr>
+                <a:endParaRPr lang="vi-VN" sz="2000"/>
+              </a:p>
+            </p:txBody>
+          </p:sp>
+        </mc:Choice>
+        <mc:Fallback xmlns="">
+          <p:sp>
+            <p:nvSpPr>
+              <p:cNvPr id="6" name="Hộp Văn bản 5">
+                <a:extLst>
+                  <a:ext uri="{FF2B5EF4-FFF2-40B4-BE49-F238E27FC236}">
+                    <a16:creationId xmlns:a16="http://schemas.microsoft.com/office/drawing/2014/main" id="{67279C3E-5A4C-4890-8C08-6E028041CBCD}"/>
+                  </a:ext>
+                </a:extLst>
+              </p:cNvPr>
+              <p:cNvSpPr txBox="1">
+                <a:spLocks noRot="1" noChangeAspect="1" noMove="1" noResize="1" noEditPoints="1" noAdjustHandles="1" noChangeArrowheads="1" noChangeShapeType="1" noTextEdit="1"/>
+              </p:cNvSpPr>
+              <p:nvPr/>
+            </p:nvSpPr>
+            <p:spPr>
+              <a:xfrm>
+                <a:off x="4033193" y="1157523"/>
+                <a:ext cx="4572000" cy="5584799"/>
+              </a:xfrm>
+              <a:prstGeom prst="rect">
+                <a:avLst/>
+              </a:prstGeom>
+              <a:blipFill>
+                <a:blip r:embed="rId2"/>
+                <a:stretch>
+                  <a:fillRect l="-1467"/>
+                </a:stretch>
+              </a:blipFill>
+            </p:spPr>
+            <p:txBody>
+              <a:bodyPr/>
+              <a:lstStyle/>
+              <a:p>
+                <a:r>
+                  <a:rPr lang="vi-VN">
+                    <a:noFill/>
+                  </a:rPr>
+                  <a:t> </a:t>
+                </a:r>
+              </a:p>
+            </p:txBody>
+          </p:sp>
+        </mc:Fallback>
+      </mc:AlternateContent>
+    </p:spTree>
+    <p:extLst>
+      <p:ext uri="{BB962C8B-B14F-4D97-AF65-F5344CB8AC3E}">
+        <p14:creationId xmlns:p14="http://schemas.microsoft.com/office/powerpoint/2010/main" val="1987843186"/>
+      </p:ext>
+    </p:extLst>
   </p:cSld>
   <p:clrMapOvr>
     <a:masterClrMapping/>
@@ -15088,7 +17889,7 @@
         </p:blipFill>
         <p:spPr>
           <a:xfrm>
-            <a:off x="1153550" y="3026237"/>
+            <a:off x="1153548" y="2849354"/>
             <a:ext cx="6555545" cy="3224015"/>
           </a:xfrm>
           <a:prstGeom prst="rect">
@@ -15114,8 +17915,8 @@
         </p:nvSpPr>
         <p:spPr>
           <a:xfrm>
-            <a:off x="583808" y="1397675"/>
-            <a:ext cx="7695027" cy="1200329"/>
+            <a:off x="583806" y="1057883"/>
+            <a:ext cx="7695027" cy="1703030"/>
           </a:xfrm>
           <a:prstGeom prst="rect">
             <a:avLst/>
@@ -15128,6 +17929,11 @@
           </a:bodyPr>
           <a:lstStyle/>
           <a:p>
+            <a:pPr algn="just">
+              <a:lnSpc>
+                <a:spcPct val="150000"/>
+              </a:lnSpc>
+            </a:pPr>
             <a:r>
               <a:rPr lang="vi-VN" sz="1800" b="0" i="0" dirty="0">
                 <a:solidFill>
@@ -15156,7 +17962,47 @@
                 <a:effectLst/>
                 <a:latin typeface="+mn-lt"/>
               </a:rPr>
-              <a:t> áp dụng cho các bài toán có thể giải quyết bằng cách chia nhỏ ra thành các bài toán con từ việc giải quyết các bài toán con này. Sau đó lời giải của các bài toán nhỏ được tổng hợp lại thành lời giải cho bài toán ban đầu.</a:t>
+              <a:t> áp dụng cho các bài toán có thể giải quyết bằng cách chia nhỏ ra thành các bài toán </a:t>
+            </a:r>
+            <a:r>
+              <a:rPr lang="vi-VN" sz="1800" b="0" i="0">
+                <a:solidFill>
+                  <a:srgbClr val="292B2C"/>
+                </a:solidFill>
+                <a:effectLst/>
+                <a:latin typeface="+mn-lt"/>
+              </a:rPr>
+              <a:t>con từ </a:t>
+            </a:r>
+            <a:r>
+              <a:rPr lang="vi-VN" sz="1800" b="0" i="0" dirty="0">
+                <a:solidFill>
+                  <a:srgbClr val="292B2C"/>
+                </a:solidFill>
+                <a:effectLst/>
+                <a:latin typeface="+mn-lt"/>
+              </a:rPr>
+              <a:t>việc giải quyết các bài toán con này. Sau </a:t>
+            </a:r>
+            <a:r>
+              <a:rPr lang="vi-VN" sz="1800" b="0" i="0">
+                <a:solidFill>
+                  <a:srgbClr val="292B2C"/>
+                </a:solidFill>
+                <a:effectLst/>
+                <a:latin typeface="+mn-lt"/>
+              </a:rPr>
+              <a:t>đó lời </a:t>
+            </a:r>
+            <a:r>
+              <a:rPr lang="vi-VN" sz="1800" b="0" i="0" dirty="0">
+                <a:solidFill>
+                  <a:srgbClr val="292B2C"/>
+                </a:solidFill>
+                <a:effectLst/>
+                <a:latin typeface="+mn-lt"/>
+              </a:rPr>
+              <a:t>giải của các bài toán nhỏ được tổng hợp lại thành lời giải cho bài toán ban đầu.</a:t>
             </a:r>
             <a:endParaRPr lang="en-US" sz="1800" dirty="0">
               <a:latin typeface="+mn-lt"/>
@@ -15199,6 +18045,41 @@
               <a:t>4</a:t>
             </a:fld>
             <a:endParaRPr lang="en"/>
+          </a:p>
+        </p:txBody>
+      </p:sp>
+      <p:sp>
+        <p:nvSpPr>
+          <p:cNvPr id="7" name="Hộp Văn bản 6">
+            <a:extLst>
+              <a:ext uri="{FF2B5EF4-FFF2-40B4-BE49-F238E27FC236}">
+                <a16:creationId xmlns:a16="http://schemas.microsoft.com/office/drawing/2014/main" id="{6A1CA77E-40D3-4F86-9155-11B2E006CC1B}"/>
+              </a:ext>
+            </a:extLst>
+          </p:cNvPr>
+          <p:cNvSpPr txBox="1"/>
+          <p:nvPr/>
+        </p:nvSpPr>
+        <p:spPr>
+          <a:xfrm>
+            <a:off x="311700" y="6434545"/>
+            <a:ext cx="6276084" cy="307777"/>
+          </a:xfrm>
+          <a:prstGeom prst="rect">
+            <a:avLst/>
+          </a:prstGeom>
+          <a:noFill/>
+        </p:spPr>
+        <p:txBody>
+          <a:bodyPr wrap="square">
+            <a:spAutoFit/>
+          </a:bodyPr>
+          <a:lstStyle/>
+          <a:p>
+            <a:r>
+              <a:rPr lang="vi-VN" i="1"/>
+              <a:t>https://en.wikipedia.org/wiki/Divide-and-conquer_algorithm</a:t>
+            </a:r>
           </a:p>
         </p:txBody>
       </p:sp>
@@ -15290,305 +18171,6 @@
   <p:cSld>
     <p:spTree>
       <p:nvGrpSpPr>
-        <p:cNvPr id="1" name="Shape 89"/>
-        <p:cNvGrpSpPr/>
-        <p:nvPr/>
-      </p:nvGrpSpPr>
-      <p:grpSpPr>
-        <a:xfrm>
-          <a:off x="0" y="0"/>
-          <a:ext cx="0" cy="0"/>
-          <a:chOff x="0" y="0"/>
-          <a:chExt cx="0" cy="0"/>
-        </a:xfrm>
-      </p:grpSpPr>
-      <p:sp>
-        <p:nvSpPr>
-          <p:cNvPr id="90" name="Google Shape;90;p18"/>
-          <p:cNvSpPr txBox="1">
-            <a:spLocks noGrp="1"/>
-          </p:cNvSpPr>
-          <p:nvPr>
-            <p:ph type="title"/>
-          </p:nvPr>
-        </p:nvSpPr>
-        <p:spPr>
-          <a:xfrm>
-            <a:off x="311700" y="288567"/>
-            <a:ext cx="8520600" cy="763500"/>
-          </a:xfrm>
-          <a:prstGeom prst="rect">
-            <a:avLst/>
-          </a:prstGeom>
-        </p:spPr>
-        <p:txBody>
-          <a:bodyPr spcFirstLastPara="1" wrap="square" lIns="91425" tIns="91425" rIns="91425" bIns="91425" anchor="t" anchorCtr="0">
-            <a:noAutofit/>
-          </a:bodyPr>
-          <a:lstStyle/>
-          <a:p>
-            <a:pPr marL="457200" lvl="0" indent="-406400" algn="l" rtl="0">
-              <a:spcBef>
-                <a:spcPts val="0"/>
-              </a:spcBef>
-              <a:spcAft>
-                <a:spcPts val="0"/>
-              </a:spcAft>
-              <a:buSzPts val="2800"/>
-              <a:buAutoNum type="arabicPeriod"/>
-            </a:pPr>
-            <a:r>
-              <a:rPr lang="en"/>
-              <a:t>Giới thiệu</a:t>
-            </a:r>
-            <a:endParaRPr/>
-          </a:p>
-          <a:p>
-            <a:pPr marL="0" lvl="0" indent="0" algn="l" rtl="0">
-              <a:spcBef>
-                <a:spcPts val="0"/>
-              </a:spcBef>
-              <a:spcAft>
-                <a:spcPts val="0"/>
-              </a:spcAft>
-              <a:buNone/>
-            </a:pPr>
-            <a:endParaRPr/>
-          </a:p>
-        </p:txBody>
-      </p:sp>
-      <p:sp>
-        <p:nvSpPr>
-          <p:cNvPr id="91" name="Google Shape;91;p18"/>
-          <p:cNvSpPr txBox="1">
-            <a:spLocks noGrp="1"/>
-          </p:cNvSpPr>
-          <p:nvPr>
-            <p:ph type="body" idx="1"/>
-          </p:nvPr>
-        </p:nvSpPr>
-        <p:spPr>
-          <a:xfrm>
-            <a:off x="311700" y="1668899"/>
-            <a:ext cx="8520600" cy="5189100"/>
-          </a:xfrm>
-          <a:prstGeom prst="rect">
-            <a:avLst/>
-          </a:prstGeom>
-        </p:spPr>
-        <p:txBody>
-          <a:bodyPr spcFirstLastPara="1" wrap="square" lIns="91425" tIns="91425" rIns="91425" bIns="91425" anchor="t" anchorCtr="0">
-            <a:noAutofit/>
-          </a:bodyPr>
-          <a:lstStyle/>
-          <a:p>
-            <a:pPr marL="0" lvl="0" indent="0" algn="l" rtl="0">
-              <a:spcBef>
-                <a:spcPts val="0"/>
-              </a:spcBef>
-              <a:spcAft>
-                <a:spcPts val="0"/>
-              </a:spcAft>
-              <a:buClr>
-                <a:schemeClr val="dk1"/>
-              </a:buClr>
-              <a:buSzPts val="1100"/>
-              <a:buFont typeface="Arial"/>
-              <a:buNone/>
-            </a:pPr>
-            <a:r>
-              <a:rPr lang="en" b="1" dirty="0"/>
-              <a:t>Bước 1: Chia/Tách nhỏ</a:t>
-            </a:r>
-            <a:endParaRPr b="1" dirty="0"/>
-          </a:p>
-          <a:p>
-            <a:pPr marL="0" lvl="0" indent="0" algn="l" rtl="0">
-              <a:spcBef>
-                <a:spcPts val="1600"/>
-              </a:spcBef>
-              <a:spcAft>
-                <a:spcPts val="0"/>
-              </a:spcAft>
-              <a:buClr>
-                <a:schemeClr val="dk1"/>
-              </a:buClr>
-              <a:buSzPts val="1100"/>
-              <a:buFont typeface="Arial"/>
-              <a:buNone/>
-            </a:pPr>
-            <a:r>
-              <a:rPr lang="en" dirty="0"/>
-              <a:t>Bài toán ban đầu sẽ được chia thành các bài toán con cho đến khi không thể chia nhỏ được nữa.</a:t>
-            </a:r>
-            <a:endParaRPr dirty="0"/>
-          </a:p>
-          <a:p>
-            <a:pPr marL="0" lvl="0" indent="0" algn="l" rtl="0">
-              <a:spcBef>
-                <a:spcPts val="1600"/>
-              </a:spcBef>
-              <a:spcAft>
-                <a:spcPts val="0"/>
-              </a:spcAft>
-              <a:buClr>
-                <a:schemeClr val="dk1"/>
-              </a:buClr>
-              <a:buSzPts val="1100"/>
-              <a:buFont typeface="Arial"/>
-              <a:buNone/>
-            </a:pPr>
-            <a:r>
-              <a:rPr lang="en" b="1" dirty="0"/>
-              <a:t>Bước 2: Trị/Giải quyết bài toán con</a:t>
-            </a:r>
-            <a:endParaRPr b="1" dirty="0"/>
-          </a:p>
-          <a:p>
-            <a:pPr marL="0" lvl="0" indent="0" algn="l" rtl="0">
-              <a:spcBef>
-                <a:spcPts val="1600"/>
-              </a:spcBef>
-              <a:spcAft>
-                <a:spcPts val="0"/>
-              </a:spcAft>
-              <a:buClr>
-                <a:schemeClr val="dk1"/>
-              </a:buClr>
-              <a:buSzPts val="1100"/>
-              <a:buFont typeface="Arial"/>
-              <a:buNone/>
-            </a:pPr>
-            <a:r>
-              <a:rPr lang="en" dirty="0"/>
-              <a:t>Tìm phương án để giải quyết cho bài toán con một cách cụ thể.</a:t>
-            </a:r>
-            <a:endParaRPr dirty="0"/>
-          </a:p>
-          <a:p>
-            <a:pPr marL="0" lvl="0" indent="0" algn="l" rtl="0">
-              <a:spcBef>
-                <a:spcPts val="1600"/>
-              </a:spcBef>
-              <a:spcAft>
-                <a:spcPts val="0"/>
-              </a:spcAft>
-              <a:buClr>
-                <a:schemeClr val="dk1"/>
-              </a:buClr>
-              <a:buSzPts val="1100"/>
-              <a:buFont typeface="Arial"/>
-              <a:buNone/>
-            </a:pPr>
-            <a:r>
-              <a:rPr lang="en" b="1" dirty="0"/>
-              <a:t>Bước 3: Kết hợp lời giải lại để suy ra lời giải</a:t>
-            </a:r>
-            <a:endParaRPr b="1" dirty="0"/>
-          </a:p>
-          <a:p>
-            <a:pPr marL="0" lvl="0" indent="0" algn="l" rtl="0">
-              <a:spcBef>
-                <a:spcPts val="1600"/>
-              </a:spcBef>
-              <a:spcAft>
-                <a:spcPts val="0"/>
-              </a:spcAft>
-              <a:buClr>
-                <a:schemeClr val="dk1"/>
-              </a:buClr>
-              <a:buSzPts val="1100"/>
-              <a:buFont typeface="Arial"/>
-              <a:buNone/>
-            </a:pPr>
-            <a:r>
-              <a:rPr lang="en" dirty="0"/>
-              <a:t>Khi đã giải quyết xong các bài toán nhỏ, lặp lại các bước giải quyết đó và kết hợp lại những lời giải để suy ra kết quả cần tìm.</a:t>
-            </a:r>
-            <a:endParaRPr dirty="0"/>
-          </a:p>
-          <a:p>
-            <a:pPr marL="0" lvl="0" indent="0" algn="l" rtl="0">
-              <a:spcBef>
-                <a:spcPts val="1600"/>
-              </a:spcBef>
-              <a:spcAft>
-                <a:spcPts val="0"/>
-              </a:spcAft>
-              <a:buClr>
-                <a:schemeClr val="dk1"/>
-              </a:buClr>
-              <a:buSzPts val="1100"/>
-              <a:buFont typeface="Arial"/>
-              <a:buNone/>
-            </a:pPr>
-            <a:endParaRPr dirty="0"/>
-          </a:p>
-          <a:p>
-            <a:pPr marL="0" lvl="0" indent="0" algn="l" rtl="0">
-              <a:spcBef>
-                <a:spcPts val="1600"/>
-              </a:spcBef>
-              <a:spcAft>
-                <a:spcPts val="1600"/>
-              </a:spcAft>
-              <a:buNone/>
-            </a:pPr>
-            <a:endParaRPr dirty="0"/>
-          </a:p>
-        </p:txBody>
-      </p:sp>
-      <p:sp>
-        <p:nvSpPr>
-          <p:cNvPr id="2" name="Slide Number Placeholder 1">
-            <a:extLst>
-              <a:ext uri="{FF2B5EF4-FFF2-40B4-BE49-F238E27FC236}">
-                <a16:creationId xmlns:a16="http://schemas.microsoft.com/office/drawing/2014/main" id="{681A1221-4779-4108-A825-06E9DADAF80D}"/>
-              </a:ext>
-            </a:extLst>
-          </p:cNvPr>
-          <p:cNvSpPr>
-            <a:spLocks noGrp="1"/>
-          </p:cNvSpPr>
-          <p:nvPr>
-            <p:ph type="sldNum" idx="12"/>
-          </p:nvPr>
-        </p:nvSpPr>
-        <p:spPr/>
-        <p:txBody>
-          <a:bodyPr/>
-          <a:lstStyle/>
-          <a:p>
-            <a:pPr marL="0" lvl="0" indent="0" algn="r" rtl="0">
-              <a:spcBef>
-                <a:spcPts val="0"/>
-              </a:spcBef>
-              <a:spcAft>
-                <a:spcPts val="0"/>
-              </a:spcAft>
-              <a:buNone/>
-            </a:pPr>
-            <a:fld id="{00000000-1234-1234-1234-123412341234}" type="slidenum">
-              <a:rPr lang="en" smtClean="0"/>
-              <a:t>5</a:t>
-            </a:fld>
-            <a:endParaRPr lang="en"/>
-          </a:p>
-        </p:txBody>
-      </p:sp>
-    </p:spTree>
-  </p:cSld>
-  <p:clrMapOvr>
-    <a:masterClrMapping/>
-  </p:clrMapOvr>
-</p:sld>
-</file>
-
-<file path=ppt/slides/slide6.xml><?xml version="1.0" encoding="utf-8"?>
-<p:sld xmlns:a="http://schemas.openxmlformats.org/drawingml/2006/main" xmlns:r="http://schemas.openxmlformats.org/officeDocument/2006/relationships" xmlns:p="http://schemas.openxmlformats.org/presentationml/2006/main">
-  <p:cSld>
-    <p:spTree>
-      <p:nvGrpSpPr>
         <p:cNvPr id="1" name="Shape 82"/>
         <p:cNvGrpSpPr/>
         <p:nvPr/>
@@ -15742,6 +18324,313 @@
             </a:pPr>
             <a:fld id="{00000000-1234-1234-1234-123412341234}" type="slidenum">
               <a:rPr lang="en" smtClean="0"/>
+              <a:t>5</a:t>
+            </a:fld>
+            <a:endParaRPr lang="en"/>
+          </a:p>
+        </p:txBody>
+      </p:sp>
+    </p:spTree>
+  </p:cSld>
+  <p:clrMapOvr>
+    <a:masterClrMapping/>
+  </p:clrMapOvr>
+</p:sld>
+</file>
+
+<file path=ppt/slides/slide6.xml><?xml version="1.0" encoding="utf-8"?>
+<p:sld xmlns:a="http://schemas.openxmlformats.org/drawingml/2006/main" xmlns:r="http://schemas.openxmlformats.org/officeDocument/2006/relationships" xmlns:p="http://schemas.openxmlformats.org/presentationml/2006/main">
+  <p:cSld>
+    <p:spTree>
+      <p:nvGrpSpPr>
+        <p:cNvPr id="1" name="Shape 89"/>
+        <p:cNvGrpSpPr/>
+        <p:nvPr/>
+      </p:nvGrpSpPr>
+      <p:grpSpPr>
+        <a:xfrm>
+          <a:off x="0" y="0"/>
+          <a:ext cx="0" cy="0"/>
+          <a:chOff x="0" y="0"/>
+          <a:chExt cx="0" cy="0"/>
+        </a:xfrm>
+      </p:grpSpPr>
+      <p:sp>
+        <p:nvSpPr>
+          <p:cNvPr id="90" name="Google Shape;90;p18"/>
+          <p:cNvSpPr txBox="1">
+            <a:spLocks noGrp="1"/>
+          </p:cNvSpPr>
+          <p:nvPr>
+            <p:ph type="title"/>
+          </p:nvPr>
+        </p:nvSpPr>
+        <p:spPr>
+          <a:xfrm>
+            <a:off x="311700" y="288567"/>
+            <a:ext cx="8520600" cy="763500"/>
+          </a:xfrm>
+          <a:prstGeom prst="rect">
+            <a:avLst/>
+          </a:prstGeom>
+        </p:spPr>
+        <p:txBody>
+          <a:bodyPr spcFirstLastPara="1" wrap="square" lIns="91425" tIns="91425" rIns="91425" bIns="91425" anchor="t" anchorCtr="0">
+            <a:noAutofit/>
+          </a:bodyPr>
+          <a:lstStyle/>
+          <a:p>
+            <a:pPr marL="457200" lvl="0" indent="-406400" algn="l" rtl="0">
+              <a:spcBef>
+                <a:spcPts val="0"/>
+              </a:spcBef>
+              <a:spcAft>
+                <a:spcPts val="0"/>
+              </a:spcAft>
+              <a:buSzPts val="2800"/>
+              <a:buAutoNum type="arabicPeriod"/>
+            </a:pPr>
+            <a:r>
+              <a:rPr lang="en"/>
+              <a:t>Giới thiệu</a:t>
+            </a:r>
+            <a:endParaRPr/>
+          </a:p>
+          <a:p>
+            <a:pPr marL="0" lvl="0" indent="0" algn="l" rtl="0">
+              <a:spcBef>
+                <a:spcPts val="0"/>
+              </a:spcBef>
+              <a:spcAft>
+                <a:spcPts val="0"/>
+              </a:spcAft>
+              <a:buNone/>
+            </a:pPr>
+            <a:endParaRPr/>
+          </a:p>
+        </p:txBody>
+      </p:sp>
+      <p:sp>
+        <p:nvSpPr>
+          <p:cNvPr id="91" name="Google Shape;91;p18"/>
+          <p:cNvSpPr txBox="1">
+            <a:spLocks noGrp="1"/>
+          </p:cNvSpPr>
+          <p:nvPr>
+            <p:ph type="body" idx="1"/>
+          </p:nvPr>
+        </p:nvSpPr>
+        <p:spPr>
+          <a:xfrm>
+            <a:off x="311700" y="1668899"/>
+            <a:ext cx="8520600" cy="5189100"/>
+          </a:xfrm>
+          <a:prstGeom prst="rect">
+            <a:avLst/>
+          </a:prstGeom>
+        </p:spPr>
+        <p:txBody>
+          <a:bodyPr spcFirstLastPara="1" wrap="square" lIns="91425" tIns="91425" rIns="91425" bIns="91425" anchor="t" anchorCtr="0">
+            <a:noAutofit/>
+          </a:bodyPr>
+          <a:lstStyle/>
+          <a:p>
+            <a:pPr marL="0" lvl="0" indent="0" algn="l" rtl="0">
+              <a:spcBef>
+                <a:spcPts val="0"/>
+              </a:spcBef>
+              <a:spcAft>
+                <a:spcPts val="0"/>
+              </a:spcAft>
+              <a:buClr>
+                <a:schemeClr val="dk1"/>
+              </a:buClr>
+              <a:buSzPts val="1100"/>
+              <a:buFont typeface="Arial"/>
+              <a:buNone/>
+            </a:pPr>
+            <a:r>
+              <a:rPr lang="en" b="1" dirty="0"/>
+              <a:t>Bước 1: Chia/Tách nhỏ</a:t>
+            </a:r>
+            <a:endParaRPr b="1" dirty="0"/>
+          </a:p>
+          <a:p>
+            <a:pPr marL="0" lvl="0" indent="0" algn="l" rtl="0">
+              <a:spcBef>
+                <a:spcPts val="1600"/>
+              </a:spcBef>
+              <a:spcAft>
+                <a:spcPts val="0"/>
+              </a:spcAft>
+              <a:buClr>
+                <a:schemeClr val="dk1"/>
+              </a:buClr>
+              <a:buSzPts val="1100"/>
+              <a:buFont typeface="Arial"/>
+              <a:buNone/>
+            </a:pPr>
+            <a:r>
+              <a:rPr lang="en" dirty="0"/>
+              <a:t>Bài toán ban đầu sẽ được chia thành các bài toán con cho đến khi không thể chia nhỏ được nữa.</a:t>
+            </a:r>
+            <a:endParaRPr dirty="0"/>
+          </a:p>
+          <a:p>
+            <a:pPr marL="0" lvl="0" indent="0" algn="l" rtl="0">
+              <a:spcBef>
+                <a:spcPts val="1600"/>
+              </a:spcBef>
+              <a:spcAft>
+                <a:spcPts val="0"/>
+              </a:spcAft>
+              <a:buClr>
+                <a:schemeClr val="dk1"/>
+              </a:buClr>
+              <a:buSzPts val="1100"/>
+              <a:buFont typeface="Arial"/>
+              <a:buNone/>
+            </a:pPr>
+            <a:r>
+              <a:rPr lang="en" b="1" dirty="0"/>
+              <a:t>Bước 2: Trị/Giải quyết bài toán con</a:t>
+            </a:r>
+            <a:endParaRPr b="1" dirty="0"/>
+          </a:p>
+          <a:p>
+            <a:pPr marL="0" lvl="0" indent="0" algn="l" rtl="0">
+              <a:spcBef>
+                <a:spcPts val="1600"/>
+              </a:spcBef>
+              <a:spcAft>
+                <a:spcPts val="0"/>
+              </a:spcAft>
+              <a:buClr>
+                <a:schemeClr val="dk1"/>
+              </a:buClr>
+              <a:buSzPts val="1100"/>
+              <a:buFont typeface="Arial"/>
+              <a:buNone/>
+            </a:pPr>
+            <a:r>
+              <a:rPr lang="en" dirty="0"/>
+              <a:t>Tìm phương án để giải quyết cho bài toán con một cách cụ thể.</a:t>
+            </a:r>
+            <a:endParaRPr dirty="0"/>
+          </a:p>
+          <a:p>
+            <a:pPr marL="0" lvl="0" indent="0" algn="l" rtl="0">
+              <a:spcBef>
+                <a:spcPts val="1600"/>
+              </a:spcBef>
+              <a:spcAft>
+                <a:spcPts val="0"/>
+              </a:spcAft>
+              <a:buClr>
+                <a:schemeClr val="dk1"/>
+              </a:buClr>
+              <a:buSzPts val="1100"/>
+              <a:buFont typeface="Arial"/>
+              <a:buNone/>
+            </a:pPr>
+            <a:r>
+              <a:rPr lang="en" b="1" dirty="0"/>
+              <a:t>Bước 3: Kết hợp lời </a:t>
+            </a:r>
+            <a:r>
+              <a:rPr lang="en" b="1"/>
+              <a:t>giải để </a:t>
+            </a:r>
+            <a:r>
+              <a:rPr lang="en" b="1" dirty="0"/>
+              <a:t>suy ra lời giải</a:t>
+            </a:r>
+            <a:endParaRPr b="1" dirty="0"/>
+          </a:p>
+          <a:p>
+            <a:pPr marL="0" lvl="0" indent="0" algn="l" rtl="0">
+              <a:spcBef>
+                <a:spcPts val="1600"/>
+              </a:spcBef>
+              <a:spcAft>
+                <a:spcPts val="0"/>
+              </a:spcAft>
+              <a:buClr>
+                <a:schemeClr val="dk1"/>
+              </a:buClr>
+              <a:buSzPts val="1100"/>
+              <a:buFont typeface="Arial"/>
+              <a:buNone/>
+            </a:pPr>
+            <a:r>
+              <a:rPr lang="en" dirty="0"/>
+              <a:t>Khi đã giải quyết xong các bài toán nhỏ, lặp lại các bước giải quyết đó và kết hợp lại những lời giải để suy ra kết quả cần tìm.</a:t>
+            </a:r>
+            <a:endParaRPr dirty="0"/>
+          </a:p>
+          <a:p>
+            <a:pPr marL="0" lvl="0" indent="0" algn="l" rtl="0">
+              <a:spcBef>
+                <a:spcPts val="1600"/>
+              </a:spcBef>
+              <a:spcAft>
+                <a:spcPts val="0"/>
+              </a:spcAft>
+              <a:buClr>
+                <a:schemeClr val="dk1"/>
+              </a:buClr>
+              <a:buSzPts val="1100"/>
+              <a:buFont typeface="Arial"/>
+              <a:buNone/>
+            </a:pPr>
+            <a:endParaRPr dirty="0"/>
+          </a:p>
+          <a:p>
+            <a:pPr marL="0" lvl="0" indent="0" algn="l" rtl="0">
+              <a:spcBef>
+                <a:spcPts val="1600"/>
+              </a:spcBef>
+              <a:spcAft>
+                <a:spcPts val="1600"/>
+              </a:spcAft>
+              <a:buNone/>
+            </a:pPr>
+            <a:endParaRPr dirty="0"/>
+          </a:p>
+        </p:txBody>
+      </p:sp>
+      <p:sp>
+        <p:nvSpPr>
+          <p:cNvPr id="2" name="Slide Number Placeholder 1">
+            <a:extLst>
+              <a:ext uri="{FF2B5EF4-FFF2-40B4-BE49-F238E27FC236}">
+                <a16:creationId xmlns:a16="http://schemas.microsoft.com/office/drawing/2014/main" id="{681A1221-4779-4108-A825-06E9DADAF80D}"/>
+              </a:ext>
+            </a:extLst>
+          </p:cNvPr>
+          <p:cNvSpPr>
+            <a:spLocks noGrp="1"/>
+          </p:cNvSpPr>
+          <p:nvPr>
+            <p:ph type="sldNum" idx="12"/>
+          </p:nvPr>
+        </p:nvSpPr>
+        <p:spPr/>
+        <p:txBody>
+          <a:bodyPr/>
+          <a:lstStyle/>
+          <a:p>
+            <a:pPr marL="0" lvl="0" indent="0" algn="r" rtl="0">
+              <a:spcBef>
+                <a:spcPts val="0"/>
+              </a:spcBef>
+              <a:spcAft>
+                <a:spcPts val="0"/>
+              </a:spcAft>
+              <a:buNone/>
+            </a:pPr>
+            <a:fld id="{00000000-1234-1234-1234-123412341234}" type="slidenum">
+              <a:rPr lang="en" smtClean="0"/>
               <a:t>6</a:t>
             </a:fld>
             <a:endParaRPr lang="en"/>
@@ -15757,6 +18646,886 @@
 </file>
 
 <file path=ppt/slides/slide7.xml><?xml version="1.0" encoding="utf-8"?>
+<p:sld xmlns:a="http://schemas.openxmlformats.org/drawingml/2006/main" xmlns:r="http://schemas.openxmlformats.org/officeDocument/2006/relationships" xmlns:p="http://schemas.openxmlformats.org/presentationml/2006/main">
+  <p:cSld>
+    <p:spTree>
+      <p:nvGrpSpPr>
+        <p:cNvPr id="1" name=""/>
+        <p:cNvGrpSpPr/>
+        <p:nvPr/>
+      </p:nvGrpSpPr>
+      <p:grpSpPr>
+        <a:xfrm>
+          <a:off x="0" y="0"/>
+          <a:ext cx="0" cy="0"/>
+          <a:chOff x="0" y="0"/>
+          <a:chExt cx="0" cy="0"/>
+        </a:xfrm>
+      </p:grpSpPr>
+      <p:sp>
+        <p:nvSpPr>
+          <p:cNvPr id="2" name="Tiêu đề 1">
+            <a:extLst>
+              <a:ext uri="{FF2B5EF4-FFF2-40B4-BE49-F238E27FC236}">
+                <a16:creationId xmlns:a16="http://schemas.microsoft.com/office/drawing/2014/main" id="{35867671-701A-41B9-A130-503C30544071}"/>
+              </a:ext>
+            </a:extLst>
+          </p:cNvPr>
+          <p:cNvSpPr>
+            <a:spLocks noGrp="1"/>
+          </p:cNvSpPr>
+          <p:nvPr>
+            <p:ph type="title"/>
+          </p:nvPr>
+        </p:nvSpPr>
+        <p:spPr/>
+        <p:txBody>
+          <a:bodyPr/>
+          <a:lstStyle/>
+          <a:p>
+            <a:r>
+              <a:rPr lang="vi-VN"/>
+              <a:t>Pseudocode template</a:t>
+            </a:r>
+          </a:p>
+        </p:txBody>
+      </p:sp>
+      <p:sp>
+        <p:nvSpPr>
+          <p:cNvPr id="4" name="Chỗ dành sẵn cho Số hiệu Bản chiếu 3">
+            <a:extLst>
+              <a:ext uri="{FF2B5EF4-FFF2-40B4-BE49-F238E27FC236}">
+                <a16:creationId xmlns:a16="http://schemas.microsoft.com/office/drawing/2014/main" id="{89DAACF0-CA03-4DD8-BD4D-8FFB303C44E0}"/>
+              </a:ext>
+            </a:extLst>
+          </p:cNvPr>
+          <p:cNvSpPr>
+            <a:spLocks noGrp="1"/>
+          </p:cNvSpPr>
+          <p:nvPr>
+            <p:ph type="sldNum" idx="12"/>
+          </p:nvPr>
+        </p:nvSpPr>
+        <p:spPr/>
+        <p:txBody>
+          <a:bodyPr/>
+          <a:lstStyle/>
+          <a:p>
+            <a:pPr marL="0" lvl="0" indent="0" algn="r" rtl="0">
+              <a:spcBef>
+                <a:spcPts val="0"/>
+              </a:spcBef>
+              <a:spcAft>
+                <a:spcPts val="0"/>
+              </a:spcAft>
+              <a:buNone/>
+            </a:pPr>
+            <a:fld id="{00000000-1234-1234-1234-123412341234}" type="slidenum">
+              <a:rPr lang="en" smtClean="0"/>
+              <a:t>7</a:t>
+            </a:fld>
+            <a:endParaRPr lang="en"/>
+          </a:p>
+        </p:txBody>
+      </p:sp>
+      <p:pic>
+        <p:nvPicPr>
+          <p:cNvPr id="6" name="Hình ảnh 5">
+            <a:extLst>
+              <a:ext uri="{FF2B5EF4-FFF2-40B4-BE49-F238E27FC236}">
+                <a16:creationId xmlns:a16="http://schemas.microsoft.com/office/drawing/2014/main" id="{2C8D0CF6-9DB1-4127-8DD5-8B3291865262}"/>
+              </a:ext>
+            </a:extLst>
+          </p:cNvPr>
+          <p:cNvPicPr>
+            <a:picLocks noChangeAspect="1"/>
+          </p:cNvPicPr>
+          <p:nvPr/>
+        </p:nvPicPr>
+        <p:blipFill>
+          <a:blip r:embed="rId2"/>
+          <a:stretch>
+            <a:fillRect/>
+          </a:stretch>
+        </p:blipFill>
+        <p:spPr>
+          <a:xfrm>
+            <a:off x="877850" y="1260927"/>
+            <a:ext cx="7388300" cy="4895862"/>
+          </a:xfrm>
+          <a:prstGeom prst="rect">
+            <a:avLst/>
+          </a:prstGeom>
+        </p:spPr>
+      </p:pic>
+      <p:sp>
+        <p:nvSpPr>
+          <p:cNvPr id="8" name="Hộp Văn bản 7">
+            <a:extLst>
+              <a:ext uri="{FF2B5EF4-FFF2-40B4-BE49-F238E27FC236}">
+                <a16:creationId xmlns:a16="http://schemas.microsoft.com/office/drawing/2014/main" id="{52B97D85-30DE-4EB0-8848-BCC26125B4F2}"/>
+              </a:ext>
+            </a:extLst>
+          </p:cNvPr>
+          <p:cNvSpPr txBox="1"/>
+          <p:nvPr/>
+        </p:nvSpPr>
+        <p:spPr>
+          <a:xfrm>
+            <a:off x="311700" y="6415544"/>
+            <a:ext cx="6531552" cy="307777"/>
+          </a:xfrm>
+          <a:prstGeom prst="rect">
+            <a:avLst/>
+          </a:prstGeom>
+          <a:noFill/>
+        </p:spPr>
+        <p:txBody>
+          <a:bodyPr wrap="square">
+            <a:spAutoFit/>
+          </a:bodyPr>
+          <a:lstStyle/>
+          <a:p>
+            <a:r>
+              <a:rPr lang="vi-VN" i="1"/>
+              <a:t>https://www2.slideshare.net/amrinderarora/divide-and-conquer-part-1</a:t>
+            </a:r>
+          </a:p>
+        </p:txBody>
+      </p:sp>
+    </p:spTree>
+    <p:extLst>
+      <p:ext uri="{BB962C8B-B14F-4D97-AF65-F5344CB8AC3E}">
+        <p14:creationId xmlns:p14="http://schemas.microsoft.com/office/powerpoint/2010/main" val="564567861"/>
+      </p:ext>
+    </p:extLst>
+  </p:cSld>
+  <p:clrMapOvr>
+    <a:masterClrMapping/>
+  </p:clrMapOvr>
+</p:sld>
+</file>
+
+<file path=ppt/slides/slide8.xml><?xml version="1.0" encoding="utf-8"?>
+<p:sld xmlns:a="http://schemas.openxmlformats.org/drawingml/2006/main" xmlns:r="http://schemas.openxmlformats.org/officeDocument/2006/relationships" xmlns:p="http://schemas.openxmlformats.org/presentationml/2006/main">
+  <p:cSld>
+    <p:spTree>
+      <p:nvGrpSpPr>
+        <p:cNvPr id="1" name=""/>
+        <p:cNvGrpSpPr/>
+        <p:nvPr/>
+      </p:nvGrpSpPr>
+      <p:grpSpPr>
+        <a:xfrm>
+          <a:off x="0" y="0"/>
+          <a:ext cx="0" cy="0"/>
+          <a:chOff x="0" y="0"/>
+          <a:chExt cx="0" cy="0"/>
+        </a:xfrm>
+      </p:grpSpPr>
+      <p:sp>
+        <p:nvSpPr>
+          <p:cNvPr id="2" name="Tiêu đề 1">
+            <a:extLst>
+              <a:ext uri="{FF2B5EF4-FFF2-40B4-BE49-F238E27FC236}">
+                <a16:creationId xmlns:a16="http://schemas.microsoft.com/office/drawing/2014/main" id="{6471AEF9-97AE-4542-9BDA-39AC373FB112}"/>
+              </a:ext>
+            </a:extLst>
+          </p:cNvPr>
+          <p:cNvSpPr>
+            <a:spLocks noGrp="1"/>
+          </p:cNvSpPr>
+          <p:nvPr>
+            <p:ph type="title"/>
+          </p:nvPr>
+        </p:nvSpPr>
+        <p:spPr/>
+        <p:txBody>
+          <a:bodyPr/>
+          <a:lstStyle/>
+          <a:p>
+            <a:r>
+              <a:rPr lang="vi-VN"/>
+              <a:t>Số lượng bài toán con</a:t>
+            </a:r>
+          </a:p>
+        </p:txBody>
+      </p:sp>
+      <mc:AlternateContent xmlns:mc="http://schemas.openxmlformats.org/markup-compatibility/2006" xmlns:a14="http://schemas.microsoft.com/office/drawing/2010/main">
+        <mc:Choice Requires="a14">
+          <p:sp>
+            <p:nvSpPr>
+              <p:cNvPr id="3" name="Chỗ dành sẵn cho Văn bản 2">
+                <a:extLst>
+                  <a:ext uri="{FF2B5EF4-FFF2-40B4-BE49-F238E27FC236}">
+                    <a16:creationId xmlns:a16="http://schemas.microsoft.com/office/drawing/2014/main" id="{D0616481-E76B-4F8F-AA9B-7351D1CCA6BA}"/>
+                  </a:ext>
+                </a:extLst>
+              </p:cNvPr>
+              <p:cNvSpPr>
+                <a:spLocks noGrp="1"/>
+              </p:cNvSpPr>
+              <p:nvPr>
+                <p:ph type="body" idx="1"/>
+              </p:nvPr>
+            </p:nvSpPr>
+            <p:spPr/>
+            <p:txBody>
+              <a:bodyPr/>
+              <a:lstStyle/>
+              <a:p>
+                <a:r>
+                  <a:rPr lang="vi-VN"/>
+                  <a:t>Số lượng bài toán con tạo ra trong bước “divide”, kí hiệu </a:t>
+                </a:r>
+                <a14:m>
+                  <m:oMath xmlns:m="http://schemas.openxmlformats.org/officeDocument/2006/math">
+                    <m:r>
+                      <a:rPr lang="vi-VN" b="0" i="1" smtClean="0">
+                        <a:latin typeface="Cambria Math" panose="02040503050406030204" pitchFamily="18" charset="0"/>
+                      </a:rPr>
+                      <m:t>𝑇</m:t>
+                    </m:r>
+                    <m:d>
+                      <m:dPr>
+                        <m:ctrlPr>
+                          <a:rPr lang="vi-VN" b="0" i="1" smtClean="0">
+                            <a:latin typeface="Cambria Math" panose="02040503050406030204" pitchFamily="18" charset="0"/>
+                          </a:rPr>
+                        </m:ctrlPr>
+                      </m:dPr>
+                      <m:e>
+                        <m:r>
+                          <a:rPr lang="vi-VN" b="0" i="1" smtClean="0">
+                            <a:latin typeface="Cambria Math" panose="02040503050406030204" pitchFamily="18" charset="0"/>
+                          </a:rPr>
+                          <m:t>𝑛</m:t>
+                        </m:r>
+                      </m:e>
+                    </m:d>
+                    <m:r>
+                      <a:rPr lang="vi-VN" b="0" i="1" smtClean="0">
+                        <a:latin typeface="Cambria Math" panose="02040503050406030204" pitchFamily="18" charset="0"/>
+                      </a:rPr>
+                      <m:t>.</m:t>
+                    </m:r>
+                  </m:oMath>
+                </a14:m>
+                <a:r>
+                  <a:rPr lang="vi-VN" b="0"/>
+                  <a:t> Khi đó, ta biểu diễn bài toán lớn về các bài toán con bằng công thức:</a:t>
+                </a:r>
+              </a:p>
+              <a:p>
+                <a:pPr marL="114300" indent="0">
+                  <a:buNone/>
+                </a:pPr>
+                <a14:m>
+                  <m:oMathPara xmlns:m="http://schemas.openxmlformats.org/officeDocument/2006/math">
+                    <m:oMathParaPr>
+                      <m:jc m:val="centerGroup"/>
+                    </m:oMathParaPr>
+                    <m:oMath xmlns:m="http://schemas.openxmlformats.org/officeDocument/2006/math">
+                      <m:r>
+                        <a:rPr lang="vi-VN" b="1" i="1" smtClean="0">
+                          <a:latin typeface="Cambria Math" panose="02040503050406030204" pitchFamily="18" charset="0"/>
+                        </a:rPr>
+                        <m:t>𝑻</m:t>
+                      </m:r>
+                      <m:d>
+                        <m:dPr>
+                          <m:ctrlPr>
+                            <a:rPr lang="vi-VN" b="1" i="1" smtClean="0">
+                              <a:latin typeface="Cambria Math" panose="02040503050406030204" pitchFamily="18" charset="0"/>
+                            </a:rPr>
+                          </m:ctrlPr>
+                        </m:dPr>
+                        <m:e>
+                          <m:r>
+                            <a:rPr lang="vi-VN" b="1" i="1" smtClean="0">
+                              <a:latin typeface="Cambria Math" panose="02040503050406030204" pitchFamily="18" charset="0"/>
+                            </a:rPr>
+                            <m:t>𝒏</m:t>
+                          </m:r>
+                        </m:e>
+                      </m:d>
+                      <m:r>
+                        <a:rPr lang="vi-VN" b="1" i="1" smtClean="0">
+                          <a:latin typeface="Cambria Math" panose="02040503050406030204" pitchFamily="18" charset="0"/>
+                        </a:rPr>
+                        <m:t>=</m:t>
+                      </m:r>
+                      <m:r>
+                        <a:rPr lang="vi-VN" b="1" i="1" smtClean="0">
+                          <a:latin typeface="Cambria Math" panose="02040503050406030204" pitchFamily="18" charset="0"/>
+                        </a:rPr>
+                        <m:t>𝒂</m:t>
+                      </m:r>
+                      <m:r>
+                        <a:rPr lang="vi-VN" b="1" i="1" smtClean="0">
+                          <a:latin typeface="Cambria Math" panose="02040503050406030204" pitchFamily="18" charset="0"/>
+                        </a:rPr>
+                        <m:t>∗</m:t>
+                      </m:r>
+                      <m:r>
+                        <a:rPr lang="vi-VN" b="1" i="1" smtClean="0">
+                          <a:latin typeface="Cambria Math" panose="02040503050406030204" pitchFamily="18" charset="0"/>
+                        </a:rPr>
+                        <m:t>𝑻</m:t>
+                      </m:r>
+                      <m:d>
+                        <m:dPr>
+                          <m:ctrlPr>
+                            <a:rPr lang="vi-VN" b="1" i="1" smtClean="0">
+                              <a:latin typeface="Cambria Math" panose="02040503050406030204" pitchFamily="18" charset="0"/>
+                            </a:rPr>
+                          </m:ctrlPr>
+                        </m:dPr>
+                        <m:e>
+                          <m:f>
+                            <m:fPr>
+                              <m:ctrlPr>
+                                <a:rPr lang="vi-VN" b="1" i="1" smtClean="0">
+                                  <a:latin typeface="Cambria Math" panose="02040503050406030204" pitchFamily="18" charset="0"/>
+                                </a:rPr>
+                              </m:ctrlPr>
+                            </m:fPr>
+                            <m:num>
+                              <m:r>
+                                <a:rPr lang="vi-VN" b="1" i="1" smtClean="0">
+                                  <a:latin typeface="Cambria Math" panose="02040503050406030204" pitchFamily="18" charset="0"/>
+                                </a:rPr>
+                                <m:t>𝒏</m:t>
+                              </m:r>
+                            </m:num>
+                            <m:den>
+                              <m:r>
+                                <a:rPr lang="vi-VN" b="1" i="1" smtClean="0">
+                                  <a:latin typeface="Cambria Math" panose="02040503050406030204" pitchFamily="18" charset="0"/>
+                                </a:rPr>
+                                <m:t>𝒃</m:t>
+                              </m:r>
+                            </m:den>
+                          </m:f>
+                        </m:e>
+                      </m:d>
+                      <m:r>
+                        <a:rPr lang="vi-VN" b="1" i="1" smtClean="0">
+                          <a:latin typeface="Cambria Math" panose="02040503050406030204" pitchFamily="18" charset="0"/>
+                        </a:rPr>
+                        <m:t>+</m:t>
+                      </m:r>
+                      <m:r>
+                        <a:rPr lang="vi-VN" b="1" i="1" smtClean="0">
+                          <a:latin typeface="Cambria Math" panose="02040503050406030204" pitchFamily="18" charset="0"/>
+                        </a:rPr>
+                        <m:t>𝒇</m:t>
+                      </m:r>
+                      <m:r>
+                        <a:rPr lang="vi-VN" b="1" i="1" smtClean="0">
+                          <a:latin typeface="Cambria Math" panose="02040503050406030204" pitchFamily="18" charset="0"/>
+                        </a:rPr>
+                        <m:t>(</m:t>
+                      </m:r>
+                      <m:r>
+                        <a:rPr lang="vi-VN" b="1" i="1" smtClean="0">
+                          <a:latin typeface="Cambria Math" panose="02040503050406030204" pitchFamily="18" charset="0"/>
+                        </a:rPr>
+                        <m:t>𝒏</m:t>
+                      </m:r>
+                      <m:r>
+                        <a:rPr lang="vi-VN" b="1" i="1" smtClean="0">
+                          <a:latin typeface="Cambria Math" panose="02040503050406030204" pitchFamily="18" charset="0"/>
+                        </a:rPr>
+                        <m:t>)</m:t>
+                      </m:r>
+                    </m:oMath>
+                  </m:oMathPara>
+                </a14:m>
+                <a:endParaRPr lang="vi-VN" b="1"/>
+              </a:p>
+              <a:p>
+                <a:pPr marL="571500" lvl="1" indent="0">
+                  <a:buNone/>
+                </a:pPr>
+                <a:r>
+                  <a:rPr lang="vi-VN" sz="1600" b="0"/>
+                  <a:t>Trong đó a là số nhánh (số bài toán con), mỗi nhánh có kích thước (kích thước bài toan con) là </a:t>
+                </a:r>
+                <a14:m>
+                  <m:oMath xmlns:m="http://schemas.openxmlformats.org/officeDocument/2006/math">
+                    <m:f>
+                      <m:fPr>
+                        <m:ctrlPr>
+                          <a:rPr lang="vi-VN" sz="1600" b="0" i="1" smtClean="0">
+                            <a:latin typeface="Cambria Math" panose="02040503050406030204" pitchFamily="18" charset="0"/>
+                          </a:rPr>
+                        </m:ctrlPr>
+                      </m:fPr>
+                      <m:num>
+                        <m:r>
+                          <a:rPr lang="vi-VN" sz="1600" b="0" i="1" smtClean="0">
+                            <a:latin typeface="Cambria Math" panose="02040503050406030204" pitchFamily="18" charset="0"/>
+                          </a:rPr>
+                          <m:t>𝑛</m:t>
+                        </m:r>
+                      </m:num>
+                      <m:den>
+                        <m:r>
+                          <a:rPr lang="vi-VN" sz="1600" b="0" i="1" smtClean="0">
+                            <a:latin typeface="Cambria Math" panose="02040503050406030204" pitchFamily="18" charset="0"/>
+                          </a:rPr>
+                          <m:t>𝑏</m:t>
+                        </m:r>
+                      </m:den>
+                    </m:f>
+                  </m:oMath>
+                </a14:m>
+                <a:r>
+                  <a:rPr lang="vi-VN" sz="1600" b="0"/>
+                  <a:t>, </a:t>
+                </a:r>
+                <a14:m>
+                  <m:oMath xmlns:m="http://schemas.openxmlformats.org/officeDocument/2006/math">
+                    <m:r>
+                      <a:rPr lang="vi-VN" sz="1600" b="0" i="1" smtClean="0">
+                        <a:latin typeface="Cambria Math" panose="02040503050406030204" pitchFamily="18" charset="0"/>
+                      </a:rPr>
+                      <m:t>𝑓</m:t>
+                    </m:r>
+                    <m:d>
+                      <m:dPr>
+                        <m:ctrlPr>
+                          <a:rPr lang="vi-VN" sz="1600" b="0" i="1" smtClean="0">
+                            <a:latin typeface="Cambria Math" panose="02040503050406030204" pitchFamily="18" charset="0"/>
+                          </a:rPr>
+                        </m:ctrlPr>
+                      </m:dPr>
+                      <m:e>
+                        <m:r>
+                          <a:rPr lang="vi-VN" sz="1600" b="0" i="1" smtClean="0">
+                            <a:latin typeface="Cambria Math" panose="02040503050406030204" pitchFamily="18" charset="0"/>
+                          </a:rPr>
+                          <m:t>𝑛</m:t>
+                        </m:r>
+                      </m:e>
+                    </m:d>
+                  </m:oMath>
+                </a14:m>
+                <a:r>
+                  <a:rPr lang="vi-VN" sz="1600" b="0"/>
+                  <a:t> là chi phí cho thao tác divide + conquer</a:t>
+                </a:r>
+                <a:r>
+                  <a:rPr lang="vi-VN" b="0"/>
+                  <a:t>.</a:t>
+                </a:r>
+              </a:p>
+              <a:p>
+                <a:r>
+                  <a:rPr lang="vi-VN" b="0"/>
+                  <a:t>V</a:t>
+                </a:r>
+                <a:r>
+                  <a:rPr lang="vi-VN"/>
+                  <a:t>í dụ: </a:t>
+                </a:r>
+                <a14:m>
+                  <m:oMath xmlns:m="http://schemas.openxmlformats.org/officeDocument/2006/math">
+                    <m:r>
+                      <a:rPr lang="vi-VN" b="0" i="1" smtClean="0">
+                        <a:latin typeface="Cambria Math" panose="02040503050406030204" pitchFamily="18" charset="0"/>
+                      </a:rPr>
+                      <m:t>𝑇</m:t>
+                    </m:r>
+                    <m:d>
+                      <m:dPr>
+                        <m:ctrlPr>
+                          <a:rPr lang="vi-VN" b="0" i="1" smtClean="0">
+                            <a:latin typeface="Cambria Math" panose="02040503050406030204" pitchFamily="18" charset="0"/>
+                          </a:rPr>
+                        </m:ctrlPr>
+                      </m:dPr>
+                      <m:e>
+                        <m:r>
+                          <a:rPr lang="vi-VN" b="0" i="1" smtClean="0">
+                            <a:latin typeface="Cambria Math" panose="02040503050406030204" pitchFamily="18" charset="0"/>
+                          </a:rPr>
+                          <m:t>𝑛</m:t>
+                        </m:r>
+                      </m:e>
+                    </m:d>
+                    <m:r>
+                      <a:rPr lang="vi-VN" b="0" i="1" smtClean="0">
+                        <a:latin typeface="Cambria Math" panose="02040503050406030204" pitchFamily="18" charset="0"/>
+                      </a:rPr>
+                      <m:t>=</m:t>
+                    </m:r>
+                    <m:r>
+                      <a:rPr lang="vi-VN" b="0" i="1" smtClean="0">
+                        <a:latin typeface="Cambria Math" panose="02040503050406030204" pitchFamily="18" charset="0"/>
+                      </a:rPr>
+                      <m:t>2</m:t>
+                    </m:r>
+                    <m:r>
+                      <a:rPr lang="vi-VN" b="0" i="1" smtClean="0">
+                        <a:latin typeface="Cambria Math" panose="02040503050406030204" pitchFamily="18" charset="0"/>
+                      </a:rPr>
+                      <m:t>𝑇</m:t>
+                    </m:r>
+                    <m:d>
+                      <m:dPr>
+                        <m:ctrlPr>
+                          <a:rPr lang="vi-VN" b="0" i="1" smtClean="0">
+                            <a:latin typeface="Cambria Math" panose="02040503050406030204" pitchFamily="18" charset="0"/>
+                          </a:rPr>
+                        </m:ctrlPr>
+                      </m:dPr>
+                      <m:e>
+                        <m:f>
+                          <m:fPr>
+                            <m:ctrlPr>
+                              <a:rPr lang="vi-VN" b="0" i="1" smtClean="0">
+                                <a:latin typeface="Cambria Math" panose="02040503050406030204" pitchFamily="18" charset="0"/>
+                              </a:rPr>
+                            </m:ctrlPr>
+                          </m:fPr>
+                          <m:num>
+                            <m:r>
+                              <a:rPr lang="vi-VN" b="0" i="1" smtClean="0">
+                                <a:latin typeface="Cambria Math" panose="02040503050406030204" pitchFamily="18" charset="0"/>
+                              </a:rPr>
+                              <m:t>𝑛</m:t>
+                            </m:r>
+                          </m:num>
+                          <m:den>
+                            <m:r>
+                              <a:rPr lang="vi-VN" b="0" i="1" smtClean="0">
+                                <a:latin typeface="Cambria Math" panose="02040503050406030204" pitchFamily="18" charset="0"/>
+                              </a:rPr>
+                              <m:t>2</m:t>
+                            </m:r>
+                          </m:den>
+                        </m:f>
+                      </m:e>
+                    </m:d>
+                    <m:r>
+                      <a:rPr lang="vi-VN" b="0" i="1" smtClean="0">
+                        <a:latin typeface="Cambria Math" panose="02040503050406030204" pitchFamily="18" charset="0"/>
+                      </a:rPr>
+                      <m:t>+</m:t>
+                    </m:r>
+                    <m:r>
+                      <a:rPr lang="vi-VN" b="0" i="1" smtClean="0">
+                        <a:latin typeface="Cambria Math" panose="02040503050406030204" pitchFamily="18" charset="0"/>
+                      </a:rPr>
+                      <m:t>1</m:t>
+                    </m:r>
+                    <m:r>
+                      <a:rPr lang="vi-VN" b="0" i="1" smtClean="0">
+                        <a:latin typeface="Cambria Math" panose="02040503050406030204" pitchFamily="18" charset="0"/>
+                      </a:rPr>
+                      <m:t> </m:t>
+                    </m:r>
+                  </m:oMath>
+                </a14:m>
+                <a:endParaRPr lang="vi-VN" b="0"/>
+              </a:p>
+              <a:p>
+                <a:pPr marL="114300" indent="0">
+                  <a:buNone/>
+                </a:pPr>
+                <a:r>
+                  <a:rPr lang="vi-VN"/>
+                  <a:t>     </a:t>
+                </a:r>
+                <a:r>
+                  <a:rPr lang="vi-VN">
+                    <a:sym typeface="Wingdings" panose="05000000000000000000" pitchFamily="2" charset="2"/>
+                  </a:rPr>
+                  <a:t> Bài toán lớn có thể biểu diễn thành 2 bài toán con, mỗi bài toán con có kích thước bằng ½ kích thước của bài toán con, chi phí cho thao tác divide và conquer là 1.</a:t>
+                </a:r>
+                <a:endParaRPr lang="vi-VN" b="0"/>
+              </a:p>
+            </p:txBody>
+          </p:sp>
+        </mc:Choice>
+        <mc:Fallback xmlns="">
+          <p:sp>
+            <p:nvSpPr>
+              <p:cNvPr id="3" name="Chỗ dành sẵn cho Văn bản 2">
+                <a:extLst>
+                  <a:ext uri="{FF2B5EF4-FFF2-40B4-BE49-F238E27FC236}">
+                    <a16:creationId xmlns:a16="http://schemas.microsoft.com/office/drawing/2014/main" id="{D0616481-E76B-4F8F-AA9B-7351D1CCA6BA}"/>
+                  </a:ext>
+                </a:extLst>
+              </p:cNvPr>
+              <p:cNvSpPr>
+                <a:spLocks noGrp="1" noRot="1" noChangeAspect="1" noMove="1" noResize="1" noEditPoints="1" noAdjustHandles="1" noChangeArrowheads="1" noChangeShapeType="1" noTextEdit="1"/>
+              </p:cNvSpPr>
+              <p:nvPr>
+                <p:ph type="body" idx="1"/>
+              </p:nvPr>
+            </p:nvSpPr>
+            <p:spPr>
+              <a:blipFill>
+                <a:blip r:embed="rId2"/>
+                <a:stretch>
+                  <a:fillRect r="-501" b="-1740"/>
+                </a:stretch>
+              </a:blipFill>
+            </p:spPr>
+            <p:txBody>
+              <a:bodyPr/>
+              <a:lstStyle/>
+              <a:p>
+                <a:r>
+                  <a:rPr lang="vi-VN">
+                    <a:noFill/>
+                  </a:rPr>
+                  <a:t> </a:t>
+                </a:r>
+              </a:p>
+            </p:txBody>
+          </p:sp>
+        </mc:Fallback>
+      </mc:AlternateContent>
+      <p:sp>
+        <p:nvSpPr>
+          <p:cNvPr id="4" name="Chỗ dành sẵn cho Số hiệu Bản chiếu 3">
+            <a:extLst>
+              <a:ext uri="{FF2B5EF4-FFF2-40B4-BE49-F238E27FC236}">
+                <a16:creationId xmlns:a16="http://schemas.microsoft.com/office/drawing/2014/main" id="{8E4AF0F5-427D-4927-BB5F-E21526FAE16D}"/>
+              </a:ext>
+            </a:extLst>
+          </p:cNvPr>
+          <p:cNvSpPr>
+            <a:spLocks noGrp="1"/>
+          </p:cNvSpPr>
+          <p:nvPr>
+            <p:ph type="sldNum" idx="12"/>
+          </p:nvPr>
+        </p:nvSpPr>
+        <p:spPr/>
+        <p:txBody>
+          <a:bodyPr/>
+          <a:lstStyle/>
+          <a:p>
+            <a:pPr marL="0" lvl="0" indent="0" algn="r" rtl="0">
+              <a:spcBef>
+                <a:spcPts val="0"/>
+              </a:spcBef>
+              <a:spcAft>
+                <a:spcPts val="0"/>
+              </a:spcAft>
+              <a:buNone/>
+            </a:pPr>
+            <a:fld id="{00000000-1234-1234-1234-123412341234}" type="slidenum">
+              <a:rPr lang="en" smtClean="0"/>
+              <a:t>8</a:t>
+            </a:fld>
+            <a:endParaRPr lang="en"/>
+          </a:p>
+        </p:txBody>
+      </p:sp>
+      <p:grpSp>
+        <p:nvGrpSpPr>
+          <p:cNvPr id="9" name="Nhóm 8">
+            <a:extLst>
+              <a:ext uri="{FF2B5EF4-FFF2-40B4-BE49-F238E27FC236}">
+                <a16:creationId xmlns:a16="http://schemas.microsoft.com/office/drawing/2014/main" id="{87A459D4-190A-40AC-AA66-184DE2AB29AA}"/>
+              </a:ext>
+            </a:extLst>
+          </p:cNvPr>
+          <p:cNvGrpSpPr/>
+          <p:nvPr/>
+        </p:nvGrpSpPr>
+        <p:grpSpPr>
+          <a:xfrm>
+            <a:off x="3082413" y="2477729"/>
+            <a:ext cx="5938745" cy="752168"/>
+            <a:chOff x="3082413" y="2477729"/>
+            <a:chExt cx="5938745" cy="752168"/>
+          </a:xfrm>
+        </p:grpSpPr>
+        <p:sp>
+          <p:nvSpPr>
+            <p:cNvPr id="5" name="Hình chữ nhật 4">
+              <a:extLst>
+                <a:ext uri="{FF2B5EF4-FFF2-40B4-BE49-F238E27FC236}">
+                  <a16:creationId xmlns:a16="http://schemas.microsoft.com/office/drawing/2014/main" id="{53CBD6DE-9759-4CFC-A529-BDF22F3C2017}"/>
+                </a:ext>
+              </a:extLst>
+            </p:cNvPr>
+            <p:cNvSpPr/>
+            <p:nvPr/>
+          </p:nvSpPr>
+          <p:spPr>
+            <a:xfrm>
+              <a:off x="3082413" y="2477729"/>
+              <a:ext cx="2993922" cy="752168"/>
+            </a:xfrm>
+            <a:prstGeom prst="rect">
+              <a:avLst/>
+            </a:prstGeom>
+            <a:noFill/>
+            <a:ln>
+              <a:solidFill>
+                <a:srgbClr val="0070C0"/>
+              </a:solidFill>
+            </a:ln>
+          </p:spPr>
+          <p:style>
+            <a:lnRef idx="2">
+              <a:schemeClr val="accent1">
+                <a:shade val="50000"/>
+              </a:schemeClr>
+            </a:lnRef>
+            <a:fillRef idx="1">
+              <a:schemeClr val="accent1"/>
+            </a:fillRef>
+            <a:effectRef idx="0">
+              <a:schemeClr val="accent1"/>
+            </a:effectRef>
+            <a:fontRef idx="minor">
+              <a:schemeClr val="lt1"/>
+            </a:fontRef>
+          </p:style>
+          <p:txBody>
+            <a:bodyPr rtlCol="0" anchor="ctr"/>
+            <a:lstStyle/>
+            <a:p>
+              <a:pPr algn="ctr"/>
+              <a:endParaRPr lang="vi-VN"/>
+            </a:p>
+          </p:txBody>
+        </p:sp>
+        <p:sp>
+          <p:nvSpPr>
+            <p:cNvPr id="8" name="Hộp Văn bản 7">
+              <a:extLst>
+                <a:ext uri="{FF2B5EF4-FFF2-40B4-BE49-F238E27FC236}">
+                  <a16:creationId xmlns:a16="http://schemas.microsoft.com/office/drawing/2014/main" id="{98F42AAF-22AB-4293-89B9-62D952693D4C}"/>
+                </a:ext>
+              </a:extLst>
+            </p:cNvPr>
+            <p:cNvSpPr txBox="1"/>
+            <p:nvPr/>
+          </p:nvSpPr>
+          <p:spPr>
+            <a:xfrm>
+              <a:off x="6253316" y="2698955"/>
+              <a:ext cx="2767842" cy="400110"/>
+            </a:xfrm>
+            <a:prstGeom prst="rect">
+              <a:avLst/>
+            </a:prstGeom>
+            <a:noFill/>
+          </p:spPr>
+          <p:txBody>
+            <a:bodyPr wrap="square" rtlCol="0">
+              <a:spAutoFit/>
+            </a:bodyPr>
+            <a:lstStyle/>
+            <a:p>
+              <a:pPr algn="ctr"/>
+              <a:r>
+                <a:rPr lang="vi-VN" sz="2000" b="1"/>
+                <a:t>Recurrence relation</a:t>
+              </a:r>
+            </a:p>
+          </p:txBody>
+        </p:sp>
+      </p:grpSp>
+    </p:spTree>
+    <p:extLst>
+      <p:ext uri="{BB962C8B-B14F-4D97-AF65-F5344CB8AC3E}">
+        <p14:creationId xmlns:p14="http://schemas.microsoft.com/office/powerpoint/2010/main" val="3840211009"/>
+      </p:ext>
+    </p:extLst>
+  </p:cSld>
+  <p:clrMapOvr>
+    <a:masterClrMapping/>
+  </p:clrMapOvr>
+  <p:timing>
+    <p:tnLst>
+      <p:par>
+        <p:cTn id="1" dur="indefinite" restart="never" nodeType="tmRoot">
+          <p:childTnLst>
+            <p:seq concurrent="1" nextAc="seek">
+              <p:cTn id="2" dur="indefinite" nodeType="mainSeq">
+                <p:childTnLst>
+                  <p:par>
+                    <p:cTn id="3" fill="hold">
+                      <p:stCondLst>
+                        <p:cond delay="indefinite"/>
+                      </p:stCondLst>
+                      <p:childTnLst>
+                        <p:par>
+                          <p:cTn id="4" fill="hold">
+                            <p:stCondLst>
+                              <p:cond delay="0"/>
+                            </p:stCondLst>
+                            <p:childTnLst>
+                              <p:par>
+                                <p:cTn id="5" presetID="1" presetClass="entr" presetSubtype="0" fill="hold" nodeType="clickEffect">
+                                  <p:stCondLst>
+                                    <p:cond delay="0"/>
+                                  </p:stCondLst>
+                                  <p:childTnLst>
+                                    <p:set>
+                                      <p:cBhvr>
+                                        <p:cTn id="6" dur="1" fill="hold">
+                                          <p:stCondLst>
+                                            <p:cond delay="0"/>
+                                          </p:stCondLst>
+                                        </p:cTn>
+                                        <p:tgtEl>
+                                          <p:spTgt spid="9"/>
+                                        </p:tgtEl>
+                                        <p:attrNameLst>
+                                          <p:attrName>style.visibility</p:attrName>
+                                        </p:attrNameLst>
+                                      </p:cBhvr>
+                                      <p:to>
+                                        <p:strVal val="visible"/>
+                                      </p:to>
+                                    </p:set>
+                                  </p:childTnLst>
+                                </p:cTn>
+                              </p:par>
+                            </p:childTnLst>
+                          </p:cTn>
+                        </p:par>
+                      </p:childTnLst>
+                    </p:cTn>
+                  </p:par>
+                </p:childTnLst>
+              </p:cTn>
+              <p:prevCondLst>
+                <p:cond evt="onPrev" delay="0">
+                  <p:tgtEl>
+                    <p:sldTgt/>
+                  </p:tgtEl>
+                </p:cond>
+              </p:prevCondLst>
+              <p:nextCondLst>
+                <p:cond evt="onNext" delay="0">
+                  <p:tgtEl>
+                    <p:sldTgt/>
+                  </p:tgtEl>
+                </p:cond>
+              </p:nextCondLst>
+            </p:seq>
+          </p:childTnLst>
+        </p:cTn>
+      </p:par>
+    </p:tnLst>
+  </p:timing>
+</p:sld>
+</file>
+
+<file path=ppt/slides/slide9.xml><?xml version="1.0" encoding="utf-8"?>
 <p:sld xmlns:a="http://schemas.openxmlformats.org/drawingml/2006/main" xmlns:r="http://schemas.openxmlformats.org/officeDocument/2006/relationships" xmlns:p="http://schemas.openxmlformats.org/presentationml/2006/main">
   <p:cSld>
     <p:spTree>
@@ -15841,6 +19610,9 @@
           <a:lstStyle/>
           <a:p>
             <a:pPr marL="457200" lvl="0" indent="-355600" algn="l" rtl="0">
+              <a:lnSpc>
+                <a:spcPct val="200000"/>
+              </a:lnSpc>
               <a:spcBef>
                 <a:spcPts val="0"/>
               </a:spcBef>
@@ -15858,6 +19630,9 @@
           </a:p>
           <a:p>
             <a:pPr marL="457200" lvl="0" indent="-355600" algn="l" rtl="0">
+              <a:lnSpc>
+                <a:spcPct val="200000"/>
+              </a:lnSpc>
               <a:spcBef>
                 <a:spcPts val="0"/>
               </a:spcBef>
@@ -15875,6 +19650,9 @@
           </a:p>
           <a:p>
             <a:pPr marL="457200" lvl="0" indent="-355600" algn="l" rtl="0">
+              <a:lnSpc>
+                <a:spcPct val="200000"/>
+              </a:lnSpc>
               <a:spcBef>
                 <a:spcPts val="0"/>
               </a:spcBef>
@@ -15886,12 +19664,15 @@
             </a:pPr>
             <a:r>
               <a:rPr lang="en" sz="2000"/>
-              <a:t>Closest pair of point</a:t>
+              <a:t>Closest pair of points</a:t>
             </a:r>
             <a:endParaRPr sz="2000"/>
           </a:p>
           <a:p>
             <a:pPr marL="457200" lvl="0" indent="-355600" algn="l" rtl="0">
+              <a:lnSpc>
+                <a:spcPct val="200000"/>
+              </a:lnSpc>
               <a:spcBef>
                 <a:spcPts val="0"/>
               </a:spcBef>
@@ -15915,597 +19696,6 @@
             <a:extLst>
               <a:ext uri="{FF2B5EF4-FFF2-40B4-BE49-F238E27FC236}">
                 <a16:creationId xmlns:a16="http://schemas.microsoft.com/office/drawing/2014/main" id="{CF5C2DBF-6755-4837-B582-5721D6973D65}"/>
-              </a:ext>
-            </a:extLst>
-          </p:cNvPr>
-          <p:cNvSpPr>
-            <a:spLocks noGrp="1"/>
-          </p:cNvSpPr>
-          <p:nvPr>
-            <p:ph type="sldNum" idx="12"/>
-          </p:nvPr>
-        </p:nvSpPr>
-        <p:spPr/>
-        <p:txBody>
-          <a:bodyPr/>
-          <a:lstStyle/>
-          <a:p>
-            <a:pPr marL="0" lvl="0" indent="0" algn="r" rtl="0">
-              <a:spcBef>
-                <a:spcPts val="0"/>
-              </a:spcBef>
-              <a:spcAft>
-                <a:spcPts val="0"/>
-              </a:spcAft>
-              <a:buNone/>
-            </a:pPr>
-            <a:fld id="{00000000-1234-1234-1234-123412341234}" type="slidenum">
-              <a:rPr lang="en" smtClean="0"/>
-              <a:t>7</a:t>
-            </a:fld>
-            <a:endParaRPr lang="en"/>
-          </a:p>
-        </p:txBody>
-      </p:sp>
-    </p:spTree>
-  </p:cSld>
-  <p:clrMapOvr>
-    <a:masterClrMapping/>
-  </p:clrMapOvr>
-</p:sld>
-</file>
-
-<file path=ppt/slides/slide8.xml><?xml version="1.0" encoding="utf-8"?>
-<p:sld xmlns:a="http://schemas.openxmlformats.org/drawingml/2006/main" xmlns:r="http://schemas.openxmlformats.org/officeDocument/2006/relationships" xmlns:p="http://schemas.openxmlformats.org/presentationml/2006/main">
-  <p:cSld>
-    <p:spTree>
-      <p:nvGrpSpPr>
-        <p:cNvPr id="1" name="Shape 107"/>
-        <p:cNvGrpSpPr/>
-        <p:nvPr/>
-      </p:nvGrpSpPr>
-      <p:grpSpPr>
-        <a:xfrm>
-          <a:off x="0" y="0"/>
-          <a:ext cx="0" cy="0"/>
-          <a:chOff x="0" y="0"/>
-          <a:chExt cx="0" cy="0"/>
-        </a:xfrm>
-      </p:grpSpPr>
-      <p:sp>
-        <p:nvSpPr>
-          <p:cNvPr id="108" name="Google Shape;108;p21"/>
-          <p:cNvSpPr txBox="1">
-            <a:spLocks noGrp="1"/>
-          </p:cNvSpPr>
-          <p:nvPr>
-            <p:ph type="title"/>
-          </p:nvPr>
-        </p:nvSpPr>
-        <p:spPr>
-          <a:xfrm>
-            <a:off x="311700" y="288567"/>
-            <a:ext cx="8520600" cy="763500"/>
-          </a:xfrm>
-          <a:prstGeom prst="rect">
-            <a:avLst/>
-          </a:prstGeom>
-        </p:spPr>
-        <p:txBody>
-          <a:bodyPr spcFirstLastPara="1" wrap="square" lIns="91425" tIns="91425" rIns="91425" bIns="91425" anchor="t" anchorCtr="0">
-            <a:noAutofit/>
-          </a:bodyPr>
-          <a:lstStyle/>
-          <a:p>
-            <a:pPr marL="0" lvl="0" indent="0" algn="l" rtl="0">
-              <a:spcBef>
-                <a:spcPts val="0"/>
-              </a:spcBef>
-              <a:spcAft>
-                <a:spcPts val="0"/>
-              </a:spcAft>
-              <a:buNone/>
-            </a:pPr>
-            <a:r>
-              <a:rPr lang="en"/>
-              <a:t>2. Các bài toán điển hình</a:t>
-            </a:r>
-            <a:endParaRPr/>
-          </a:p>
-        </p:txBody>
-      </p:sp>
-      <p:sp>
-        <p:nvSpPr>
-          <p:cNvPr id="109" name="Google Shape;109;p21"/>
-          <p:cNvSpPr txBox="1">
-            <a:spLocks noGrp="1"/>
-          </p:cNvSpPr>
-          <p:nvPr>
-            <p:ph type="body" idx="1"/>
-          </p:nvPr>
-        </p:nvSpPr>
-        <p:spPr>
-          <a:xfrm>
-            <a:off x="311700" y="1536633"/>
-            <a:ext cx="8520600" cy="763500"/>
-          </a:xfrm>
-          <a:prstGeom prst="rect">
-            <a:avLst/>
-          </a:prstGeom>
-        </p:spPr>
-        <p:txBody>
-          <a:bodyPr spcFirstLastPara="1" wrap="square" lIns="91425" tIns="91425" rIns="91425" bIns="91425" anchor="t" anchorCtr="0">
-            <a:noAutofit/>
-          </a:bodyPr>
-          <a:lstStyle/>
-          <a:p>
-            <a:pPr marL="0" lvl="0" indent="457200" algn="l" rtl="0">
-              <a:spcBef>
-                <a:spcPts val="0"/>
-              </a:spcBef>
-              <a:spcAft>
-                <a:spcPts val="0"/>
-              </a:spcAft>
-              <a:buNone/>
-            </a:pPr>
-            <a:r>
-              <a:rPr lang="en" sz="2500" b="1" dirty="0"/>
-              <a:t>Binary Search</a:t>
-            </a:r>
-            <a:r>
-              <a:rPr lang="en" b="1" dirty="0"/>
-              <a:t> </a:t>
-            </a:r>
-            <a:endParaRPr dirty="0"/>
-          </a:p>
-        </p:txBody>
-      </p:sp>
-      <p:sp>
-        <p:nvSpPr>
-          <p:cNvPr id="2" name="TextBox 1">
-            <a:extLst>
-              <a:ext uri="{FF2B5EF4-FFF2-40B4-BE49-F238E27FC236}">
-                <a16:creationId xmlns:a16="http://schemas.microsoft.com/office/drawing/2014/main" id="{F6CE5A60-CF85-41DA-9C85-1BEA4BF5975D}"/>
-              </a:ext>
-            </a:extLst>
-          </p:cNvPr>
-          <p:cNvSpPr txBox="1"/>
-          <p:nvPr/>
-        </p:nvSpPr>
-        <p:spPr>
-          <a:xfrm>
-            <a:off x="731520" y="2707965"/>
-            <a:ext cx="7765366" cy="2780248"/>
-          </a:xfrm>
-          <a:prstGeom prst="rect">
-            <a:avLst/>
-          </a:prstGeom>
-          <a:noFill/>
-        </p:spPr>
-        <p:txBody>
-          <a:bodyPr wrap="square" rtlCol="0">
-            <a:spAutoFit/>
-          </a:bodyPr>
-          <a:lstStyle/>
-          <a:p>
-            <a:pPr marL="101600" lvl="0" indent="0" algn="l" rtl="0">
-              <a:spcBef>
-                <a:spcPts val="1600"/>
-              </a:spcBef>
-              <a:spcAft>
-                <a:spcPts val="0"/>
-              </a:spcAft>
-              <a:buSzPts val="2000"/>
-              <a:buNone/>
-            </a:pPr>
-            <a:r>
-              <a:rPr lang="vi-VN" sz="1800" dirty="0"/>
-              <a:t>Input: </a:t>
-            </a:r>
-          </a:p>
-          <a:p>
-            <a:pPr marL="101600" lvl="0" indent="0" algn="l" rtl="0">
-              <a:spcBef>
-                <a:spcPts val="1600"/>
-              </a:spcBef>
-              <a:spcAft>
-                <a:spcPts val="0"/>
-              </a:spcAft>
-              <a:buSzPts val="2000"/>
-              <a:buNone/>
-            </a:pPr>
-            <a:r>
-              <a:rPr lang="vi-VN" sz="1800" dirty="0"/>
-              <a:t>	1 dãy số đã được sắp xếp tăng dần hoặc giảm dần.</a:t>
-            </a:r>
-          </a:p>
-          <a:p>
-            <a:pPr marL="101600" lvl="0" indent="0" algn="l" rtl="0">
-              <a:spcBef>
-                <a:spcPts val="1600"/>
-              </a:spcBef>
-              <a:spcAft>
-                <a:spcPts val="0"/>
-              </a:spcAft>
-              <a:buSzPts val="2000"/>
-              <a:buNone/>
-            </a:pPr>
-            <a:r>
-              <a:rPr lang="vi-VN" sz="1800" dirty="0"/>
-              <a:t>	Số x được cho</a:t>
-            </a:r>
-          </a:p>
-          <a:p>
-            <a:pPr marL="101600" lvl="0" indent="0" algn="l" rtl="0">
-              <a:spcBef>
-                <a:spcPts val="1600"/>
-              </a:spcBef>
-              <a:spcAft>
-                <a:spcPts val="0"/>
-              </a:spcAft>
-              <a:buSzPts val="2000"/>
-              <a:buNone/>
-            </a:pPr>
-            <a:r>
-              <a:rPr lang="vi-VN" sz="1800" dirty="0"/>
-              <a:t>Output: </a:t>
-            </a:r>
-          </a:p>
-          <a:p>
-            <a:pPr marL="0" lvl="0" indent="0" algn="l" rtl="0">
-              <a:spcBef>
-                <a:spcPts val="1600"/>
-              </a:spcBef>
-              <a:spcAft>
-                <a:spcPts val="1600"/>
-              </a:spcAft>
-              <a:buNone/>
-            </a:pPr>
-            <a:r>
-              <a:rPr lang="vi-VN" sz="1800" dirty="0"/>
-              <a:t>	Tìm kiếm số x có trong dãy số hay không?</a:t>
-            </a:r>
-          </a:p>
-          <a:p>
-            <a:endParaRPr lang="en-US" sz="1800" dirty="0"/>
-          </a:p>
-        </p:txBody>
-      </p:sp>
-      <p:sp>
-        <p:nvSpPr>
-          <p:cNvPr id="3" name="Slide Number Placeholder 2">
-            <a:extLst>
-              <a:ext uri="{FF2B5EF4-FFF2-40B4-BE49-F238E27FC236}">
-                <a16:creationId xmlns:a16="http://schemas.microsoft.com/office/drawing/2014/main" id="{88B0D64F-7CF2-46F2-BD85-02DB2074180B}"/>
-              </a:ext>
-            </a:extLst>
-          </p:cNvPr>
-          <p:cNvSpPr>
-            <a:spLocks noGrp="1"/>
-          </p:cNvSpPr>
-          <p:nvPr>
-            <p:ph type="sldNum" idx="12"/>
-          </p:nvPr>
-        </p:nvSpPr>
-        <p:spPr/>
-        <p:txBody>
-          <a:bodyPr/>
-          <a:lstStyle/>
-          <a:p>
-            <a:pPr marL="0" lvl="0" indent="0" algn="r" rtl="0">
-              <a:spcBef>
-                <a:spcPts val="0"/>
-              </a:spcBef>
-              <a:spcAft>
-                <a:spcPts val="0"/>
-              </a:spcAft>
-              <a:buNone/>
-            </a:pPr>
-            <a:fld id="{00000000-1234-1234-1234-123412341234}" type="slidenum">
-              <a:rPr lang="en" smtClean="0"/>
-              <a:t>8</a:t>
-            </a:fld>
-            <a:endParaRPr lang="en"/>
-          </a:p>
-        </p:txBody>
-      </p:sp>
-    </p:spTree>
-    <p:extLst>
-      <p:ext uri="{BB962C8B-B14F-4D97-AF65-F5344CB8AC3E}">
-        <p14:creationId xmlns:p14="http://schemas.microsoft.com/office/powerpoint/2010/main" val="3867401442"/>
-      </p:ext>
-    </p:extLst>
-  </p:cSld>
-  <p:clrMapOvr>
-    <a:masterClrMapping/>
-  </p:clrMapOvr>
-  <p:timing>
-    <p:tnLst>
-      <p:par>
-        <p:cTn id="1" dur="indefinite" restart="never" nodeType="tmRoot">
-          <p:childTnLst>
-            <p:seq concurrent="1" nextAc="seek">
-              <p:cTn id="2" dur="indefinite" nodeType="mainSeq">
-                <p:childTnLst>
-                  <p:par>
-                    <p:cTn id="3" fill="hold">
-                      <p:stCondLst>
-                        <p:cond delay="indefinite"/>
-                      </p:stCondLst>
-                      <p:childTnLst>
-                        <p:par>
-                          <p:cTn id="4" fill="hold">
-                            <p:stCondLst>
-                              <p:cond delay="0"/>
-                            </p:stCondLst>
-                            <p:childTnLst>
-                              <p:par>
-                                <p:cTn id="5" presetID="10" presetClass="entr" presetSubtype="0" fill="hold" grpId="0" nodeType="clickEffect">
-                                  <p:stCondLst>
-                                    <p:cond delay="0"/>
-                                  </p:stCondLst>
-                                  <p:childTnLst>
-                                    <p:set>
-                                      <p:cBhvr>
-                                        <p:cTn id="6" dur="1" fill="hold">
-                                          <p:stCondLst>
-                                            <p:cond delay="0"/>
-                                          </p:stCondLst>
-                                        </p:cTn>
-                                        <p:tgtEl>
-                                          <p:spTgt spid="2"/>
-                                        </p:tgtEl>
-                                        <p:attrNameLst>
-                                          <p:attrName>style.visibility</p:attrName>
-                                        </p:attrNameLst>
-                                      </p:cBhvr>
-                                      <p:to>
-                                        <p:strVal val="visible"/>
-                                      </p:to>
-                                    </p:set>
-                                    <p:animEffect transition="in" filter="fade">
-                                      <p:cBhvr>
-                                        <p:cTn id="7" dur="500"/>
-                                        <p:tgtEl>
-                                          <p:spTgt spid="2"/>
-                                        </p:tgtEl>
-                                      </p:cBhvr>
-                                    </p:animEffect>
-                                  </p:childTnLst>
-                                </p:cTn>
-                              </p:par>
-                            </p:childTnLst>
-                          </p:cTn>
-                        </p:par>
-                      </p:childTnLst>
-                    </p:cTn>
-                  </p:par>
-                </p:childTnLst>
-              </p:cTn>
-              <p:prevCondLst>
-                <p:cond evt="onPrev" delay="0">
-                  <p:tgtEl>
-                    <p:sldTgt/>
-                  </p:tgtEl>
-                </p:cond>
-              </p:prevCondLst>
-              <p:nextCondLst>
-                <p:cond evt="onNext" delay="0">
-                  <p:tgtEl>
-                    <p:sldTgt/>
-                  </p:tgtEl>
-                </p:cond>
-              </p:nextCondLst>
-            </p:seq>
-          </p:childTnLst>
-        </p:cTn>
-      </p:par>
-    </p:tnLst>
-    <p:bldLst>
-      <p:bldP spid="2" grpId="0"/>
-    </p:bldLst>
-  </p:timing>
-</p:sld>
-</file>
-
-<file path=ppt/slides/slide9.xml><?xml version="1.0" encoding="utf-8"?>
-<p:sld xmlns:a="http://schemas.openxmlformats.org/drawingml/2006/main" xmlns:r="http://schemas.openxmlformats.org/officeDocument/2006/relationships" xmlns:p="http://schemas.openxmlformats.org/presentationml/2006/main">
-  <p:cSld>
-    <p:spTree>
-      <p:nvGrpSpPr>
-        <p:cNvPr id="1" name="Shape 107"/>
-        <p:cNvGrpSpPr/>
-        <p:nvPr/>
-      </p:nvGrpSpPr>
-      <p:grpSpPr>
-        <a:xfrm>
-          <a:off x="0" y="0"/>
-          <a:ext cx="0" cy="0"/>
-          <a:chOff x="0" y="0"/>
-          <a:chExt cx="0" cy="0"/>
-        </a:xfrm>
-      </p:grpSpPr>
-      <p:sp>
-        <p:nvSpPr>
-          <p:cNvPr id="108" name="Google Shape;108;p21"/>
-          <p:cNvSpPr txBox="1">
-            <a:spLocks noGrp="1"/>
-          </p:cNvSpPr>
-          <p:nvPr>
-            <p:ph type="title"/>
-          </p:nvPr>
-        </p:nvSpPr>
-        <p:spPr>
-          <a:xfrm>
-            <a:off x="311700" y="288567"/>
-            <a:ext cx="8520600" cy="763500"/>
-          </a:xfrm>
-          <a:prstGeom prst="rect">
-            <a:avLst/>
-          </a:prstGeom>
-        </p:spPr>
-        <p:txBody>
-          <a:bodyPr spcFirstLastPara="1" wrap="square" lIns="91425" tIns="91425" rIns="91425" bIns="91425" anchor="t" anchorCtr="0">
-            <a:noAutofit/>
-          </a:bodyPr>
-          <a:lstStyle/>
-          <a:p>
-            <a:pPr marL="0" lvl="0" indent="0" algn="l" rtl="0">
-              <a:spcBef>
-                <a:spcPts val="0"/>
-              </a:spcBef>
-              <a:spcAft>
-                <a:spcPts val="0"/>
-              </a:spcAft>
-              <a:buNone/>
-            </a:pPr>
-            <a:r>
-              <a:rPr lang="en"/>
-              <a:t>2. Các bài toán điển hình</a:t>
-            </a:r>
-            <a:endParaRPr/>
-          </a:p>
-        </p:txBody>
-      </p:sp>
-      <p:sp>
-        <p:nvSpPr>
-          <p:cNvPr id="109" name="Google Shape;109;p21"/>
-          <p:cNvSpPr txBox="1">
-            <a:spLocks noGrp="1"/>
-          </p:cNvSpPr>
-          <p:nvPr>
-            <p:ph type="body" idx="1"/>
-          </p:nvPr>
-        </p:nvSpPr>
-        <p:spPr>
-          <a:xfrm>
-            <a:off x="311700" y="1536633"/>
-            <a:ext cx="8520600" cy="4555200"/>
-          </a:xfrm>
-          <a:prstGeom prst="rect">
-            <a:avLst/>
-          </a:prstGeom>
-        </p:spPr>
-        <p:txBody>
-          <a:bodyPr spcFirstLastPara="1" wrap="square" lIns="91425" tIns="91425" rIns="91425" bIns="91425" anchor="t" anchorCtr="0">
-            <a:noAutofit/>
-          </a:bodyPr>
-          <a:lstStyle/>
-          <a:p>
-            <a:pPr marL="0" lvl="0" indent="457200" algn="l" rtl="0">
-              <a:spcBef>
-                <a:spcPts val="0"/>
-              </a:spcBef>
-              <a:spcAft>
-                <a:spcPts val="0"/>
-              </a:spcAft>
-              <a:buNone/>
-            </a:pPr>
-            <a:r>
-              <a:rPr lang="en" sz="2500" b="1" dirty="0"/>
-              <a:t>Binary Search</a:t>
-            </a:r>
-            <a:r>
-              <a:rPr lang="en" b="1" dirty="0"/>
-              <a:t> </a:t>
-            </a:r>
-            <a:endParaRPr dirty="0"/>
-          </a:p>
-          <a:p>
-            <a:pPr marL="457200" lvl="0" indent="-355600" algn="l" rtl="0">
-              <a:spcBef>
-                <a:spcPts val="1600"/>
-              </a:spcBef>
-              <a:spcAft>
-                <a:spcPts val="0"/>
-              </a:spcAft>
-              <a:buSzPts val="2000"/>
-              <a:buChar char="●"/>
-            </a:pPr>
-            <a:r>
-              <a:rPr lang="en" sz="2000" dirty="0"/>
-              <a:t>Ở mỗi bước, so sánh x với giá trị ở giữa dãy số. </a:t>
-            </a:r>
-            <a:endParaRPr sz="2000" dirty="0"/>
-          </a:p>
-          <a:p>
-            <a:pPr marL="457200" lvl="0" indent="0" algn="l" rtl="0">
-              <a:spcBef>
-                <a:spcPts val="1600"/>
-              </a:spcBef>
-              <a:spcAft>
-                <a:spcPts val="0"/>
-              </a:spcAft>
-              <a:buNone/>
-            </a:pPr>
-            <a:endParaRPr sz="2000" dirty="0"/>
-          </a:p>
-          <a:p>
-            <a:pPr marL="457200" lvl="0" indent="-355600" algn="l" rtl="0">
-              <a:spcBef>
-                <a:spcPts val="1600"/>
-              </a:spcBef>
-              <a:spcAft>
-                <a:spcPts val="0"/>
-              </a:spcAft>
-              <a:buSzPts val="2000"/>
-              <a:buChar char="●"/>
-            </a:pPr>
-            <a:r>
-              <a:rPr lang="en" sz="2000" dirty="0"/>
-              <a:t>Nếu giá trị trùng khớp thì trả về vị trí giữa đó.</a:t>
-            </a:r>
-            <a:endParaRPr sz="2000" dirty="0"/>
-          </a:p>
-          <a:p>
-            <a:pPr marL="457200" lvl="0" indent="0" algn="l" rtl="0">
-              <a:spcBef>
-                <a:spcPts val="1600"/>
-              </a:spcBef>
-              <a:spcAft>
-                <a:spcPts val="0"/>
-              </a:spcAft>
-              <a:buNone/>
-            </a:pPr>
-            <a:endParaRPr sz="2000" dirty="0"/>
-          </a:p>
-          <a:p>
-            <a:pPr marL="457200" lvl="0" indent="-355600" algn="l" rtl="0">
-              <a:spcBef>
-                <a:spcPts val="1600"/>
-              </a:spcBef>
-              <a:spcAft>
-                <a:spcPts val="0"/>
-              </a:spcAft>
-              <a:buSzPts val="2000"/>
-              <a:buChar char="●"/>
-            </a:pPr>
-            <a:r>
-              <a:rPr lang="en" sz="2000" dirty="0"/>
-              <a:t>Nếu x nhỏ hơn giá trị ở giữa, lặp lại thuật toán cho bên trái dãy số, ngược lại đệ quy cho bên phải của dãy số.</a:t>
-            </a:r>
-            <a:endParaRPr sz="2000" dirty="0"/>
-          </a:p>
-          <a:p>
-            <a:pPr marL="0" lvl="0" indent="0" algn="l" rtl="0">
-              <a:spcBef>
-                <a:spcPts val="1600"/>
-              </a:spcBef>
-              <a:spcAft>
-                <a:spcPts val="1600"/>
-              </a:spcAft>
-              <a:buNone/>
-            </a:pPr>
-            <a:endParaRPr dirty="0"/>
-          </a:p>
-        </p:txBody>
-      </p:sp>
-      <p:sp>
-        <p:nvSpPr>
-          <p:cNvPr id="2" name="Slide Number Placeholder 1">
-            <a:extLst>
-              <a:ext uri="{FF2B5EF4-FFF2-40B4-BE49-F238E27FC236}">
-                <a16:creationId xmlns:a16="http://schemas.microsoft.com/office/drawing/2014/main" id="{9B2EEC6F-EDD4-4981-8DC0-D5F29EDBD062}"/>
               </a:ext>
             </a:extLst>
           </p:cNvPr>

--- a/Seminar/[Seminar] Divide and Conquer.pptx
+++ b/Seminar/[Seminar] Divide and Conquer.pptx
@@ -14254,7 +14254,7 @@
         <p:spPr>
           <a:xfrm>
             <a:off x="311700" y="1536633"/>
-            <a:ext cx="8520600" cy="4555200"/>
+            <a:ext cx="8520600" cy="5032800"/>
           </a:xfrm>
           <a:prstGeom prst="rect">
             <a:avLst/>
@@ -14300,19 +14300,6 @@
               <a:rPr lang="en" sz="2000"/>
               <a:t>Có thể giải quyết những vấn đề khó với độ phức tạp không quá lớn.</a:t>
             </a:r>
-            <a:endParaRPr sz="2000"/>
-          </a:p>
-          <a:p>
-            <a:pPr marL="457200" lvl="0" indent="-355600" algn="l" rtl="0">
-              <a:spcBef>
-                <a:spcPts val="1600"/>
-              </a:spcBef>
-              <a:spcAft>
-                <a:spcPts val="0"/>
-              </a:spcAft>
-              <a:buSzPts val="2000"/>
-              <a:buChar char="●"/>
-            </a:pPr>
             <a:endParaRPr lang="vi-VN" sz="2000"/>
           </a:p>
           <a:p>
@@ -14333,7 +14320,7 @@
             <a:endParaRPr sz="2000"/>
           </a:p>
           <a:p>
-            <a:pPr marL="457200" lvl="0" indent="-342900" algn="l" rtl="0">
+            <a:pPr marL="114300" lvl="0" indent="0" algn="l" rtl="0">
               <a:spcBef>
                 <a:spcPts val="1600"/>
               </a:spcBef>
@@ -14344,8 +14331,24 @@
                 <a:schemeClr val="dk1"/>
               </a:buClr>
               <a:buSzPts val="1800"/>
-              <a:buChar char="●"/>
-            </a:pPr>
+              <a:buNone/>
+            </a:pPr>
+            <a:r>
+              <a:rPr lang="en-US" sz="2000">
+                <a:solidFill>
+                  <a:schemeClr val="dk1"/>
+                </a:solidFill>
+              </a:rPr>
+              <a:t>	</a:t>
+            </a:r>
+            <a:r>
+              <a:rPr lang="en-US" sz="1600">
+                <a:solidFill>
+                  <a:schemeClr val="dk1"/>
+                </a:solidFill>
+              </a:rPr>
+              <a:t>Các bài toán khi được chia nhỏ có thể được xử lý song song trên các luồng, tiến trình chạy song song.</a:t>
+            </a:r>
             <a:endParaRPr lang="vi-VN" sz="2000">
               <a:solidFill>
                 <a:schemeClr val="dk1"/>
@@ -14373,6 +14376,45 @@
                 </a:solidFill>
               </a:rPr>
               <a:t>Tận dụng bộ nhớ đệm để tính toán.</a:t>
+            </a:r>
+          </a:p>
+          <a:p>
+            <a:pPr marL="114300" lvl="0" indent="0" algn="l" rtl="0">
+              <a:spcBef>
+                <a:spcPts val="1600"/>
+              </a:spcBef>
+              <a:spcAft>
+                <a:spcPts val="0"/>
+              </a:spcAft>
+              <a:buClr>
+                <a:schemeClr val="dk1"/>
+              </a:buClr>
+              <a:buSzPts val="1800"/>
+              <a:buNone/>
+            </a:pPr>
+            <a:r>
+              <a:rPr lang="en" sz="2000">
+                <a:solidFill>
+                  <a:schemeClr val="dk1"/>
+                </a:solidFill>
+              </a:rPr>
+              <a:t>	</a:t>
+            </a:r>
+            <a:r>
+              <a:rPr lang="en" sz="1600">
+                <a:solidFill>
+                  <a:schemeClr val="dk1"/>
+                </a:solidFill>
+              </a:rPr>
+              <a:t>Các bài toán cong có kích thước nhỏ hơn được thao tác trên bộ nhớ có tốc độ truy xuất nhanh(cache, thanh ghi) thay vì sử dụng các bộ nhớ lưu trữ RAM</a:t>
+            </a:r>
+            <a:r>
+              <a:rPr lang="en" sz="2000">
+                <a:solidFill>
+                  <a:schemeClr val="dk1"/>
+                </a:solidFill>
+              </a:rPr>
+              <a:t>.</a:t>
             </a:r>
             <a:endParaRPr sz="2000"/>
           </a:p>
@@ -14521,8 +14563,12 @@
               <a:buChar char="●"/>
             </a:pPr>
             <a:r>
+              <a:rPr lang="en" sz="2000"/>
+              <a:t>Cài </a:t>
+            </a:r>
+            <a:r>
               <a:rPr lang="en" sz="2000" dirty="0"/>
-              <a:t>Cài đặt đệ quy khiến chương trình thực thi chậm và dễ xảy ra </a:t>
+              <a:t>đặt đệ quy khiến chương trình thực thi chậm và dễ xảy ra </a:t>
             </a:r>
             <a:r>
               <a:rPr lang="en" sz="2000"/>
@@ -14531,17 +14577,14 @@
             <a:endParaRPr sz="2000" dirty="0"/>
           </a:p>
           <a:p>
-            <a:pPr marL="457200" lvl="0" indent="-342900" algn="l" rtl="0">
-              <a:spcBef>
-                <a:spcPts val="1600"/>
-              </a:spcBef>
-              <a:spcAft>
-                <a:spcPts val="0"/>
-              </a:spcAft>
+            <a:pPr marL="571500" lvl="1" indent="0">
               <a:buSzPts val="1800"/>
-              <a:buChar char="●"/>
-            </a:pPr>
-            <a:endParaRPr lang="vi-VN" sz="2000"/>
+              <a:buNone/>
+            </a:pPr>
+            <a:r>
+              <a:rPr lang="vi-VN" sz="1600" i="1"/>
+              <a:t>Giải pháp: sử dụng các cấu trúc dữ liệu (stack, queue) để khử đệ quy.</a:t>
+            </a:r>
           </a:p>
           <a:p>
             <a:pPr marL="457200" lvl="0" indent="-342900" algn="l" rtl="0">
@@ -14566,20 +14609,14 @@
               <a:rPr lang="en" sz="2000"/>
               <a:t>nhỏ.</a:t>
             </a:r>
-            <a:endParaRPr sz="2000" dirty="0"/>
-          </a:p>
-          <a:p>
-            <a:pPr marL="457200" lvl="0" indent="-342900" algn="l" rtl="0">
-              <a:spcBef>
-                <a:spcPts val="1600"/>
-              </a:spcBef>
-              <a:spcAft>
-                <a:spcPts val="0"/>
-              </a:spcAft>
+            <a:endParaRPr lang="vi-VN" sz="2000" dirty="0"/>
+          </a:p>
+          <a:p>
+            <a:pPr marL="571500" lvl="1" indent="0">
               <a:buSzPts val="1800"/>
-              <a:buChar char="●"/>
-            </a:pPr>
-            <a:endParaRPr lang="vi-VN" sz="2000"/>
+              <a:buNone/>
+            </a:pPr>
+            <a:endParaRPr lang="vi-VN" sz="1600"/>
           </a:p>
           <a:p>
             <a:pPr marL="457200" lvl="0" indent="-342900" algn="l" rtl="0">
@@ -14598,51 +14635,16 @@
             </a:r>
             <a:r>
               <a:rPr lang="en" sz="2000" dirty="0"/>
-              <a:t>khăn trong việc lựa chọn điều kiện </a:t>
+              <a:t>khăn trong việc lựa chọn điều </a:t>
             </a:r>
             <a:r>
               <a:rPr lang="en" sz="2000"/>
-              <a:t>dừng.</a:t>
-            </a:r>
-            <a:endParaRPr sz="2000" dirty="0"/>
-          </a:p>
-          <a:p>
-            <a:pPr marL="457200" lvl="0" indent="-342900" algn="l" rtl="0">
-              <a:spcBef>
-                <a:spcPts val="1600"/>
-              </a:spcBef>
-              <a:spcAft>
-                <a:spcPts val="0"/>
-              </a:spcAft>
-              <a:buSzPts val="1800"/>
-              <a:buChar char="●"/>
-            </a:pPr>
-            <a:endParaRPr lang="vi-VN" sz="2000"/>
-          </a:p>
-          <a:p>
-            <a:pPr marL="457200" lvl="0" indent="-342900" algn="l" rtl="0">
-              <a:spcBef>
-                <a:spcPts val="1600"/>
-              </a:spcBef>
-              <a:spcAft>
-                <a:spcPts val="0"/>
-              </a:spcAft>
-              <a:buSzPts val="1800"/>
-              <a:buChar char="●"/>
-            </a:pPr>
-            <a:r>
-              <a:rPr lang="en" sz="2000"/>
-              <a:t>Các </a:t>
+              <a:t>kiện dừng</a:t>
             </a:r>
             <a:r>
-              <a:rPr lang="en" sz="2000" dirty="0"/>
-              <a:t>vấn đề con có thể trùng </a:t>
+              <a:rPr lang="vi-VN" sz="2000"/>
+              <a:t>(lựa chọn kích thước của bài toán có giải giải ngay lập tức).</a:t>
             </a:r>
-            <a:r>
-              <a:rPr lang="en" sz="2000"/>
-              <a:t>lặp.</a:t>
-            </a:r>
-            <a:endParaRPr sz="2000" dirty="0"/>
           </a:p>
         </p:txBody>
       </p:sp>
@@ -14861,8 +14863,20 @@
               <a:buAutoNum type="arabicPeriod"/>
             </a:pPr>
             <a:r>
+              <a:rPr lang="vi-VN" sz="2000"/>
+              <a:t>Chia bài toán lớn thành các bài toán con </a:t>
+            </a:r>
+            <a:r>
+              <a:rPr lang="vi-VN" sz="2000" b="1"/>
+              <a:t>không gói nhau </a:t>
+            </a:r>
+            <a:r>
+              <a:rPr lang="vi-VN" sz="2000"/>
+              <a:t>là </a:t>
+            </a:r>
+            <a:r>
               <a:rPr lang="vi-VN" sz="2000" dirty="0"/>
-              <a:t>Chia thành một số bài toán con là các trường hợp nhỏ hơn của cùng một bài </a:t>
+              <a:t>các trường hợp nhỏ hơn của cùng một bài </a:t>
             </a:r>
             <a:r>
               <a:rPr lang="vi-VN" sz="2000"/>
@@ -14907,8 +14921,16 @@
               <a:buAutoNum type="arabicPeriod"/>
             </a:pPr>
             <a:r>
+              <a:rPr lang="vi-VN" sz="2000"/>
+              <a:t>Lời giải của </a:t>
+            </a:r>
+            <a:r>
               <a:rPr lang="vi-VN" sz="2000" dirty="0"/>
-              <a:t>Các giải pháp của mỗi bài toán con có thể được kết hợp để giải quyết vấn đề trong tầm tay.</a:t>
+              <a:t>mỗi bài toán con có thể được kết hợp để giải </a:t>
+            </a:r>
+            <a:r>
+              <a:rPr lang="vi-VN" sz="2000"/>
+              <a:t>quyết bài toán lớn được phân rã.</a:t>
             </a:r>
             <a:endParaRPr lang="en-US" sz="2000" dirty="0"/>
           </a:p>
@@ -16955,13 +16977,7 @@
                               <a:rPr lang="vi-VN" sz="2000" b="0" i="1" smtClean="0">
                                 <a:latin typeface="Cambria Math" panose="02040503050406030204" pitchFamily="18" charset="0"/>
                               </a:rPr>
-                              <m:t>1</m:t>
-                            </m:r>
-                            <m:r>
-                              <a:rPr lang="vi-VN" sz="2000" b="0" i="1" smtClean="0">
-                                <a:latin typeface="Cambria Math" panose="02040503050406030204" pitchFamily="18" charset="0"/>
-                              </a:rPr>
-                              <m:t>                        </m:t>
+                              <m:t>1                        </m:t>
                             </m:r>
                             <m:r>
                               <a:rPr lang="vi-VN" sz="2000" b="0" i="1" smtClean="0">
@@ -16985,13 +17001,7 @@
                               <a:rPr lang="vi-VN" sz="2000" b="0" i="1" smtClean="0">
                                 <a:latin typeface="Cambria Math" panose="02040503050406030204" pitchFamily="18" charset="0"/>
                               </a:rPr>
-                              <m:t>=</m:t>
-                            </m:r>
-                            <m:r>
-                              <a:rPr lang="vi-VN" sz="2000" b="0" i="1" smtClean="0">
-                                <a:latin typeface="Cambria Math" panose="02040503050406030204" pitchFamily="18" charset="0"/>
-                              </a:rPr>
-                              <m:t>1</m:t>
+                              <m:t>=1</m:t>
                             </m:r>
                           </m:e>
                           <m:e>
@@ -17020,13 +17030,7 @@
                                   <a:rPr lang="vi-VN" sz="2000" b="0" i="1" smtClean="0">
                                     <a:latin typeface="Cambria Math" panose="02040503050406030204" pitchFamily="18" charset="0"/>
                                   </a:rPr>
-                                  <m:t>−</m:t>
-                                </m:r>
-                                <m:r>
-                                  <a:rPr lang="vi-VN" sz="2000" b="0" i="1" smtClean="0">
-                                    <a:latin typeface="Cambria Math" panose="02040503050406030204" pitchFamily="18" charset="0"/>
-                                  </a:rPr>
-                                  <m:t>1</m:t>
+                                  <m:t>−1</m:t>
                                 </m:r>
                               </m:e>
                             </m:d>
@@ -17034,19 +17038,7 @@
                               <a:rPr lang="vi-VN" sz="2000" b="0" i="1" smtClean="0">
                                 <a:latin typeface="Cambria Math" panose="02040503050406030204" pitchFamily="18" charset="0"/>
                               </a:rPr>
-                              <m:t>+</m:t>
-                            </m:r>
-                            <m:r>
-                              <a:rPr lang="vi-VN" sz="2000" b="0" i="1" smtClean="0">
-                                <a:latin typeface="Cambria Math" panose="02040503050406030204" pitchFamily="18" charset="0"/>
-                              </a:rPr>
-                              <m:t>1</m:t>
-                            </m:r>
-                            <m:r>
-                              <a:rPr lang="vi-VN" sz="2000" b="0" i="1" smtClean="0">
-                                <a:latin typeface="Cambria Math" panose="02040503050406030204" pitchFamily="18" charset="0"/>
-                              </a:rPr>
-                              <m:t>   </m:t>
+                              <m:t>+1   </m:t>
                             </m:r>
                             <m:r>
                               <a:rPr lang="vi-VN" sz="2000" b="0" i="1" smtClean="0">
@@ -17070,13 +17062,7 @@
                               <a:rPr lang="vi-VN" sz="2000" b="0" i="1" smtClean="0">
                                 <a:latin typeface="Cambria Math" panose="02040503050406030204" pitchFamily="18" charset="0"/>
                               </a:rPr>
-                              <m:t>&gt;</m:t>
-                            </m:r>
-                            <m:r>
-                              <a:rPr lang="vi-VN" sz="2000" b="0" i="1" smtClean="0">
-                                <a:latin typeface="Cambria Math" panose="02040503050406030204" pitchFamily="18" charset="0"/>
-                              </a:rPr>
-                              <m:t>1</m:t>
+                              <m:t>&gt;1</m:t>
                             </m:r>
                           </m:e>
                         </m:eqArr>
@@ -17200,13 +17186,7 @@
                               <a:rPr lang="vi-VN" sz="2000" b="0" i="1" smtClean="0">
                                 <a:latin typeface="Cambria Math" panose="02040503050406030204" pitchFamily="18" charset="0"/>
                               </a:rPr>
-                              <m:t>1</m:t>
-                            </m:r>
-                            <m:r>
-                              <a:rPr lang="vi-VN" sz="2000" b="0" i="1" smtClean="0">
-                                <a:latin typeface="Cambria Math" panose="02040503050406030204" pitchFamily="18" charset="0"/>
-                              </a:rPr>
-                              <m:t>                        </m:t>
+                              <m:t>1                        </m:t>
                             </m:r>
                             <m:r>
                               <a:rPr lang="vi-VN" sz="2000" b="0" i="1" smtClean="0">
@@ -17230,13 +17210,7 @@
                               <a:rPr lang="vi-VN" sz="2000" b="0" i="1" smtClean="0">
                                 <a:latin typeface="Cambria Math" panose="02040503050406030204" pitchFamily="18" charset="0"/>
                               </a:rPr>
-                              <m:t>=</m:t>
-                            </m:r>
-                            <m:r>
-                              <a:rPr lang="vi-VN" sz="2000" b="0" i="1" smtClean="0">
-                                <a:latin typeface="Cambria Math" panose="02040503050406030204" pitchFamily="18" charset="0"/>
-                              </a:rPr>
-                              <m:t>1</m:t>
+                              <m:t>=1</m:t>
                             </m:r>
                           </m:e>
                           <m:e>
@@ -17328,13 +17302,7 @@
                               <a:rPr lang="vi-VN" sz="2000" b="0" i="1" smtClean="0">
                                 <a:latin typeface="Cambria Math" panose="02040503050406030204" pitchFamily="18" charset="0"/>
                               </a:rPr>
-                              <m:t>≥</m:t>
-                            </m:r>
-                            <m:r>
-                              <a:rPr lang="vi-VN" sz="2000" b="0" i="1" smtClean="0">
-                                <a:latin typeface="Cambria Math" panose="02040503050406030204" pitchFamily="18" charset="0"/>
-                              </a:rPr>
-                              <m:t>1</m:t>
+                              <m:t>≥1</m:t>
                             </m:r>
                           </m:e>
                         </m:eqArr>
@@ -17496,13 +17464,7 @@
                               <a:rPr lang="vi-VN" sz="2000" b="0" i="1" smtClean="0">
                                 <a:latin typeface="Cambria Math" panose="02040503050406030204" pitchFamily="18" charset="0"/>
                               </a:rPr>
-                              <m:t>0</m:t>
-                            </m:r>
-                            <m:r>
-                              <a:rPr lang="vi-VN" sz="2000" b="0" i="1" smtClean="0">
-                                <a:latin typeface="Cambria Math" panose="02040503050406030204" pitchFamily="18" charset="0"/>
-                              </a:rPr>
-                              <m:t>                        </m:t>
+                              <m:t>0                        </m:t>
                             </m:r>
                             <m:r>
                               <a:rPr lang="vi-VN" sz="2000" b="0" i="1" smtClean="0">
@@ -17526,13 +17488,7 @@
                               <a:rPr lang="vi-VN" sz="2000" b="0" i="1" smtClean="0">
                                 <a:latin typeface="Cambria Math" panose="02040503050406030204" pitchFamily="18" charset="0"/>
                               </a:rPr>
-                              <m:t>=</m:t>
-                            </m:r>
-                            <m:r>
-                              <a:rPr lang="vi-VN" sz="2000" b="0" i="1" smtClean="0">
-                                <a:latin typeface="Cambria Math" panose="02040503050406030204" pitchFamily="18" charset="0"/>
-                              </a:rPr>
-                              <m:t>2</m:t>
+                              <m:t>=2</m:t>
                             </m:r>
                           </m:e>
                           <m:e>
@@ -17576,19 +17532,7 @@
                               <a:rPr lang="vi-VN" sz="2000" b="0" i="1" smtClean="0">
                                 <a:latin typeface="Cambria Math" panose="02040503050406030204" pitchFamily="18" charset="0"/>
                               </a:rPr>
-                              <m:t>+</m:t>
-                            </m:r>
-                            <m:r>
-                              <a:rPr lang="vi-VN" sz="2000" b="0" i="1" smtClean="0">
-                                <a:latin typeface="Cambria Math" panose="02040503050406030204" pitchFamily="18" charset="0"/>
-                              </a:rPr>
-                              <m:t>1</m:t>
-                            </m:r>
-                            <m:r>
-                              <a:rPr lang="vi-VN" sz="2000" b="0" i="1" smtClean="0">
-                                <a:latin typeface="Cambria Math" panose="02040503050406030204" pitchFamily="18" charset="0"/>
-                              </a:rPr>
-                              <m:t>      </m:t>
+                              <m:t>+1      </m:t>
                             </m:r>
                             <m:r>
                               <a:rPr lang="vi-VN" sz="2000" b="0" i="1" smtClean="0">
@@ -17612,13 +17556,7 @@
                               <a:rPr lang="vi-VN" sz="2000" b="0" i="1" smtClean="0">
                                 <a:latin typeface="Cambria Math" panose="02040503050406030204" pitchFamily="18" charset="0"/>
                               </a:rPr>
-                              <m:t>≥</m:t>
-                            </m:r>
-                            <m:r>
-                              <a:rPr lang="vi-VN" sz="2000" b="0" i="1" smtClean="0">
-                                <a:latin typeface="Cambria Math" panose="02040503050406030204" pitchFamily="18" charset="0"/>
-                              </a:rPr>
-                              <m:t>2</m:t>
+                              <m:t>≥2</m:t>
                             </m:r>
                           </m:e>
                         </m:eqArr>
@@ -19159,13 +19097,7 @@
                       <a:rPr lang="vi-VN" b="0" i="1" smtClean="0">
                         <a:latin typeface="Cambria Math" panose="02040503050406030204" pitchFamily="18" charset="0"/>
                       </a:rPr>
-                      <m:t>=</m:t>
-                    </m:r>
-                    <m:r>
-                      <a:rPr lang="vi-VN" b="0" i="1" smtClean="0">
-                        <a:latin typeface="Cambria Math" panose="02040503050406030204" pitchFamily="18" charset="0"/>
-                      </a:rPr>
-                      <m:t>2</m:t>
+                      <m:t>=2</m:t>
                     </m:r>
                     <m:r>
                       <a:rPr lang="vi-VN" b="0" i="1" smtClean="0">
@@ -19213,19 +19145,7 @@
                       <a:rPr lang="vi-VN" b="0" i="1" smtClean="0">
                         <a:latin typeface="Cambria Math" panose="02040503050406030204" pitchFamily="18" charset="0"/>
                       </a:rPr>
-                      <m:t>+</m:t>
-                    </m:r>
-                    <m:r>
-                      <a:rPr lang="vi-VN" b="0" i="1" smtClean="0">
-                        <a:latin typeface="Cambria Math" panose="02040503050406030204" pitchFamily="18" charset="0"/>
-                      </a:rPr>
-                      <m:t>1</m:t>
-                    </m:r>
-                    <m:r>
-                      <a:rPr lang="vi-VN" b="0" i="1" smtClean="0">
-                        <a:latin typeface="Cambria Math" panose="02040503050406030204" pitchFamily="18" charset="0"/>
-                      </a:rPr>
-                      <m:t> </m:t>
+                      <m:t>+1 </m:t>
                     </m:r>
                   </m:oMath>
                 </a14:m>
